--- a/Doc/1_2_OSSProj_05_OhYeSu_제안발표자료.pptx
+++ b/Doc/1_2_OSSProj_05_OhYeSu_제안발표자료.pptx
@@ -308,7 +308,7 @@
           <a:p>
             <a:fld id="{F8166F1F-CE9B-4651-A6AA-CD717754106B}" type="datetimeFigureOut">
               <a:rPr lang="en-US" smtClean="0"/>
-              <a:t>4/15/2024</a:t>
+              <a:t>4/16/2024</a:t>
             </a:fld>
             <a:endParaRPr lang="en-US"/>
           </a:p>
@@ -815,7 +815,7 @@
           <a:p>
             <a:fld id="{A76116CE-C4A3-4A05-B2D7-7C2E9A889C0F}" type="datetimeFigureOut">
               <a:rPr lang="en-US" smtClean="0"/>
-              <a:t>4/15/2024</a:t>
+              <a:t>4/16/2024</a:t>
             </a:fld>
             <a:endParaRPr lang="en-US"/>
           </a:p>
@@ -1056,7 +1056,7 @@
           <a:p>
             <a:fld id="{A76116CE-C4A3-4A05-B2D7-7C2E9A889C0F}" type="datetimeFigureOut">
               <a:rPr lang="en-US" smtClean="0"/>
-              <a:t>4/15/2024</a:t>
+              <a:t>4/16/2024</a:t>
             </a:fld>
             <a:endParaRPr lang="en-US"/>
           </a:p>
@@ -4285,10 +4285,10 @@
         </p:nvGrpSpPr>
         <p:grpSpPr>
           <a:xfrm>
-            <a:off x="4039803" y="2943650"/>
-            <a:ext cx="13466653" cy="6483381"/>
-            <a:chOff x="4039803" y="2943650"/>
-            <a:chExt cx="13466653" cy="6483381"/>
+            <a:off x="3990476" y="2990727"/>
+            <a:ext cx="13466653" cy="5674152"/>
+            <a:chOff x="3990476" y="2990727"/>
+            <a:chExt cx="13466653" cy="5674152"/>
           </a:xfrm>
         </p:grpSpPr>
         <p:pic>
@@ -4307,8 +4307,8 @@
           </p:blipFill>
           <p:spPr>
             <a:xfrm>
-              <a:off x="4039803" y="2943650"/>
-              <a:ext cx="13466653" cy="6483381"/>
+              <a:off x="3990476" y="2990727"/>
+              <a:ext cx="13466653" cy="5674152"/>
             </a:xfrm>
             <a:prstGeom prst="rect">
               <a:avLst/>
@@ -4632,8 +4632,8 @@
         </p:blipFill>
         <p:spPr>
           <a:xfrm>
-            <a:off x="3914276" y="2502118"/>
-            <a:ext cx="13787390" cy="5917543"/>
+            <a:off x="3963937" y="2365190"/>
+            <a:ext cx="13744181" cy="6419933"/>
           </a:xfrm>
           <a:prstGeom prst="rect">
             <a:avLst/>
@@ -6933,8 +6933,8 @@
         </p:blipFill>
         <p:spPr>
           <a:xfrm>
-            <a:off x="5452432" y="8618576"/>
-            <a:ext cx="5474514" cy="1260000"/>
+            <a:off x="5309563" y="7788383"/>
+            <a:ext cx="5474514" cy="2139314"/>
           </a:xfrm>
           <a:prstGeom prst="rect">
             <a:avLst/>
@@ -6957,8 +6957,8 @@
         </p:blipFill>
         <p:spPr>
           <a:xfrm>
-            <a:off x="765232" y="1333951"/>
-            <a:ext cx="1735333" cy="486010"/>
+            <a:off x="774756" y="1354342"/>
+            <a:ext cx="874990" cy="714133"/>
           </a:xfrm>
           <a:prstGeom prst="rect">
             <a:avLst/>
@@ -7030,10 +7030,10 @@
         </p:nvGrpSpPr>
         <p:grpSpPr>
           <a:xfrm>
-            <a:off x="0" y="7280423"/>
-            <a:ext cx="18285714" cy="3005291"/>
-            <a:chOff x="0" y="7280423"/>
-            <a:chExt cx="18285714" cy="3005291"/>
+            <a:off x="828585" y="815795"/>
+            <a:ext cx="428694" cy="21429"/>
+            <a:chOff x="828585" y="815795"/>
+            <a:chExt cx="428694" cy="21429"/>
           </a:xfrm>
         </p:grpSpPr>
         <p:pic>
@@ -7052,8 +7052,8 @@
           </p:blipFill>
           <p:spPr>
             <a:xfrm>
-              <a:off x="0" y="7280423"/>
-              <a:ext cx="18285714" cy="3005291"/>
+              <a:off x="828585" y="815795"/>
+              <a:ext cx="428694" cy="21429"/>
             </a:xfrm>
             <a:prstGeom prst="rect">
               <a:avLst/>
@@ -7069,51 +7069,51 @@
         </p:nvGrpSpPr>
         <p:grpSpPr>
           <a:xfrm>
-            <a:off x="828585" y="815795"/>
-            <a:ext cx="428694" cy="21429"/>
-            <a:chOff x="828585" y="815795"/>
-            <a:chExt cx="428694" cy="21429"/>
+            <a:off x="8974831" y="832954"/>
+            <a:ext cx="336052" cy="201010"/>
+            <a:chOff x="8974831" y="832954"/>
+            <a:chExt cx="336052" cy="201010"/>
           </a:xfrm>
         </p:grpSpPr>
-        <p:pic>
-          <p:nvPicPr>
-            <p:cNvPr id="6" name="Object 5"/>
-            <p:cNvPicPr>
-              <a:picLocks noChangeAspect="1"/>
-            </p:cNvPicPr>
-            <p:nvPr/>
-          </p:nvPicPr>
-          <p:blipFill>
-            <a:blip r:embed="rId3" cstate="print"/>
-            <a:stretch>
-              <a:fillRect/>
-            </a:stretch>
-          </p:blipFill>
-          <p:spPr>
+        <p:grpSp>
+          <p:nvGrpSpPr>
+            <p:cNvPr id="1003" name="그룹 1003"/>
+            <p:cNvGrpSpPr/>
+            <p:nvPr/>
+          </p:nvGrpSpPr>
+          <p:grpSpPr>
             <a:xfrm>
-              <a:off x="828585" y="815795"/>
-              <a:ext cx="428694" cy="21429"/>
-            </a:xfrm>
-            <a:prstGeom prst="rect">
-              <a:avLst/>
-            </a:prstGeom>
-          </p:spPr>
-        </p:pic>
-      </p:grpSp>
-      <p:grpSp>
-        <p:nvGrpSpPr>
-          <p:cNvPr id="1003" name="그룹 1003"/>
-          <p:cNvGrpSpPr/>
-          <p:nvPr/>
-        </p:nvGrpSpPr>
-        <p:grpSpPr>
-          <a:xfrm>
-            <a:off x="13922516" y="3196469"/>
-            <a:ext cx="3971775" cy="7111223"/>
-            <a:chOff x="13922516" y="3196469"/>
-            <a:chExt cx="3971775" cy="7111223"/>
-          </a:xfrm>
-        </p:grpSpPr>
+              <a:off x="9109873" y="832954"/>
+              <a:ext cx="201010" cy="201010"/>
+              <a:chOff x="9109873" y="832954"/>
+              <a:chExt cx="201010" cy="201010"/>
+            </a:xfrm>
+          </p:grpSpPr>
+          <p:pic>
+            <p:nvPicPr>
+              <p:cNvPr id="7" name="Object 6"/>
+              <p:cNvPicPr>
+                <a:picLocks noChangeAspect="1"/>
+              </p:cNvPicPr>
+              <p:nvPr/>
+            </p:nvPicPr>
+            <p:blipFill>
+              <a:blip r:embed="rId3" cstate="print"/>
+              <a:stretch>
+                <a:fillRect/>
+              </a:stretch>
+            </p:blipFill>
+            <p:spPr>
+              <a:xfrm>
+                <a:off x="9109873" y="832954"/>
+                <a:ext cx="201010" cy="201010"/>
+              </a:xfrm>
+              <a:prstGeom prst="rect">
+                <a:avLst/>
+              </a:prstGeom>
+            </p:spPr>
+          </p:pic>
+        </p:grpSp>
         <p:grpSp>
           <p:nvGrpSpPr>
             <p:cNvPr id="1004" name="그룹 1004"/>
@@ -7122,10 +7122,10 @@
           </p:nvGrpSpPr>
           <p:grpSpPr>
             <a:xfrm>
-              <a:off x="13922516" y="3196469"/>
-              <a:ext cx="3971775" cy="7111223"/>
-              <a:chOff x="13922516" y="3196469"/>
-              <a:chExt cx="3971775" cy="7111223"/>
+              <a:off x="8974831" y="832954"/>
+              <a:ext cx="201010" cy="201010"/>
+              <a:chOff x="8974831" y="832954"/>
+              <a:chExt cx="201010" cy="201010"/>
             </a:xfrm>
           </p:grpSpPr>
           <p:pic>
@@ -7144,327 +7144,6 @@
             </p:blipFill>
             <p:spPr>
               <a:xfrm>
-                <a:off x="12087854" y="-207917"/>
-                <a:ext cx="7943550" cy="14222446"/>
-              </a:xfrm>
-              <a:prstGeom prst="rect">
-                <a:avLst/>
-              </a:prstGeom>
-            </p:spPr>
-          </p:pic>
-          <p:pic>
-            <p:nvPicPr>
-              <p:cNvPr id="11" name="Object 10"/>
-              <p:cNvPicPr>
-                <a:picLocks noChangeAspect="1"/>
-              </p:cNvPicPr>
-              <p:nvPr/>
-            </p:nvPicPr>
-            <p:blipFill>
-              <a:blip r:embed="rId5" cstate="print"/>
-              <a:stretch>
-                <a:fillRect/>
-              </a:stretch>
-            </p:blipFill>
-            <p:spPr>
-              <a:xfrm>
-                <a:off x="13922516" y="3196469"/>
-                <a:ext cx="3971775" cy="7111223"/>
-              </a:xfrm>
-              <a:prstGeom prst="rect">
-                <a:avLst/>
-              </a:prstGeom>
-            </p:spPr>
-          </p:pic>
-        </p:grpSp>
-        <p:grpSp>
-          <p:nvGrpSpPr>
-            <p:cNvPr id="1005" name="그룹 1005"/>
-            <p:cNvGrpSpPr/>
-            <p:nvPr/>
-          </p:nvGrpSpPr>
-          <p:grpSpPr>
-            <a:xfrm>
-              <a:off x="14546675" y="4215046"/>
-              <a:ext cx="2777175" cy="161876"/>
-              <a:chOff x="14546675" y="4215046"/>
-              <a:chExt cx="2777175" cy="161876"/>
-            </a:xfrm>
-          </p:grpSpPr>
-          <p:grpSp>
-            <p:nvGrpSpPr>
-              <p:cNvPr id="1006" name="그룹 1006"/>
-              <p:cNvGrpSpPr/>
-              <p:nvPr/>
-            </p:nvGrpSpPr>
-            <p:grpSpPr>
-              <a:xfrm>
-                <a:off x="17142897" y="4243993"/>
-                <a:ext cx="178737" cy="95837"/>
-                <a:chOff x="17142897" y="4243993"/>
-                <a:chExt cx="178737" cy="95837"/>
-              </a:xfrm>
-            </p:grpSpPr>
-            <p:pic>
-              <p:nvPicPr>
-                <p:cNvPr id="15" name="Object 14"/>
-                <p:cNvPicPr>
-                  <a:picLocks noChangeAspect="1"/>
-                </p:cNvPicPr>
-                <p:nvPr/>
-              </p:nvPicPr>
-              <p:blipFill>
-                <a:blip r:embed="rId6" cstate="print"/>
-                <a:stretch>
-                  <a:fillRect/>
-                </a:stretch>
-              </p:blipFill>
-              <p:spPr>
-                <a:xfrm>
-                  <a:off x="17142897" y="4243993"/>
-                  <a:ext cx="178737" cy="95837"/>
-                </a:xfrm>
-                <a:prstGeom prst="rect">
-                  <a:avLst/>
-                </a:prstGeom>
-              </p:spPr>
-            </p:pic>
-          </p:grpSp>
-          <p:pic>
-            <p:nvPicPr>
-              <p:cNvPr id="17" name="Object 16"/>
-              <p:cNvPicPr>
-                <a:picLocks noChangeAspect="1"/>
-              </p:cNvPicPr>
-              <p:nvPr/>
-            </p:nvPicPr>
-            <p:blipFill>
-              <a:blip r:embed="rId7" cstate="print"/>
-              <a:stretch>
-                <a:fillRect/>
-              </a:stretch>
-            </p:blipFill>
-            <p:spPr>
-              <a:xfrm>
-                <a:off x="16847985" y="4180246"/>
-                <a:ext cx="367476" cy="463505"/>
-              </a:xfrm>
-              <a:prstGeom prst="rect">
-                <a:avLst/>
-              </a:prstGeom>
-            </p:spPr>
-          </p:pic>
-          <p:grpSp>
-            <p:nvGrpSpPr>
-              <p:cNvPr id="1007" name="그룹 1007"/>
-              <p:cNvGrpSpPr/>
-              <p:nvPr/>
-            </p:nvGrpSpPr>
-            <p:grpSpPr>
-              <a:xfrm>
-                <a:off x="16723228" y="4244511"/>
-                <a:ext cx="118956" cy="93774"/>
-                <a:chOff x="16723228" y="4244511"/>
-                <a:chExt cx="118956" cy="93774"/>
-              </a:xfrm>
-            </p:grpSpPr>
-            <p:pic>
-              <p:nvPicPr>
-                <p:cNvPr id="19" name="Object 18"/>
-                <p:cNvPicPr>
-                  <a:picLocks noChangeAspect="1"/>
-                </p:cNvPicPr>
-                <p:nvPr/>
-              </p:nvPicPr>
-              <p:blipFill>
-                <a:blip r:embed="rId8" cstate="print"/>
-                <a:stretch>
-                  <a:fillRect/>
-                </a:stretch>
-              </p:blipFill>
-              <p:spPr>
-                <a:xfrm>
-                  <a:off x="16723228" y="4244511"/>
-                  <a:ext cx="118956" cy="93774"/>
-                </a:xfrm>
-                <a:prstGeom prst="rect">
-                  <a:avLst/>
-                </a:prstGeom>
-              </p:spPr>
-            </p:pic>
-          </p:grpSp>
-          <p:pic>
-            <p:nvPicPr>
-              <p:cNvPr id="21" name="Object 20"/>
-              <p:cNvPicPr>
-                <a:picLocks noChangeAspect="1"/>
-              </p:cNvPicPr>
-              <p:nvPr/>
-            </p:nvPicPr>
-            <p:blipFill>
-              <a:blip r:embed="rId9" cstate="print"/>
-              <a:stretch>
-                <a:fillRect/>
-              </a:stretch>
-            </p:blipFill>
-            <p:spPr>
-              <a:xfrm>
-                <a:off x="14502351" y="4152265"/>
-                <a:ext cx="432714" cy="318381"/>
-              </a:xfrm>
-              <a:prstGeom prst="rect">
-                <a:avLst/>
-              </a:prstGeom>
-            </p:spPr>
-          </p:pic>
-          <p:grpSp>
-            <p:nvGrpSpPr>
-              <p:cNvPr id="1008" name="그룹 1008"/>
-              <p:cNvGrpSpPr/>
-              <p:nvPr/>
-            </p:nvGrpSpPr>
-            <p:grpSpPr>
-              <a:xfrm>
-                <a:off x="14820472" y="4220979"/>
-                <a:ext cx="155943" cy="155943"/>
-                <a:chOff x="14820472" y="4220979"/>
-                <a:chExt cx="155943" cy="155943"/>
-              </a:xfrm>
-            </p:grpSpPr>
-            <p:pic>
-              <p:nvPicPr>
-                <p:cNvPr id="23" name="Object 22"/>
-                <p:cNvPicPr>
-                  <a:picLocks noChangeAspect="1"/>
-                </p:cNvPicPr>
-                <p:nvPr/>
-              </p:nvPicPr>
-              <p:blipFill>
-                <a:blip r:embed="rId10" cstate="print"/>
-                <a:stretch>
-                  <a:fillRect/>
-                </a:stretch>
-              </p:blipFill>
-              <p:spPr>
-                <a:xfrm>
-                  <a:off x="14820472" y="4220979"/>
-                  <a:ext cx="155943" cy="155943"/>
-                </a:xfrm>
-                <a:prstGeom prst="rect">
-                  <a:avLst/>
-                </a:prstGeom>
-              </p:spPr>
-            </p:pic>
-          </p:grpSp>
-        </p:grpSp>
-      </p:grpSp>
-      <p:pic>
-        <p:nvPicPr>
-          <p:cNvPr id="27" name="Object 26"/>
-          <p:cNvPicPr>
-            <a:picLocks noChangeAspect="1"/>
-          </p:cNvPicPr>
-          <p:nvPr/>
-        </p:nvPicPr>
-        <p:blipFill>
-          <a:blip r:embed="rId11" cstate="print"/>
-          <a:stretch>
-            <a:fillRect/>
-          </a:stretch>
-        </p:blipFill>
-        <p:spPr>
-          <a:xfrm>
-            <a:off x="401543" y="7464148"/>
-            <a:ext cx="3108819" cy="3621057"/>
-          </a:xfrm>
-          <a:prstGeom prst="rect">
-            <a:avLst/>
-          </a:prstGeom>
-        </p:spPr>
-      </p:pic>
-      <p:grpSp>
-        <p:nvGrpSpPr>
-          <p:cNvPr id="1009" name="그룹 1009"/>
-          <p:cNvGrpSpPr/>
-          <p:nvPr/>
-        </p:nvGrpSpPr>
-        <p:grpSpPr>
-          <a:xfrm>
-            <a:off x="8974831" y="832954"/>
-            <a:ext cx="336052" cy="201010"/>
-            <a:chOff x="8974831" y="832954"/>
-            <a:chExt cx="336052" cy="201010"/>
-          </a:xfrm>
-        </p:grpSpPr>
-        <p:grpSp>
-          <p:nvGrpSpPr>
-            <p:cNvPr id="1010" name="그룹 1010"/>
-            <p:cNvGrpSpPr/>
-            <p:nvPr/>
-          </p:nvGrpSpPr>
-          <p:grpSpPr>
-            <a:xfrm>
-              <a:off x="9109873" y="832954"/>
-              <a:ext cx="201010" cy="201010"/>
-              <a:chOff x="9109873" y="832954"/>
-              <a:chExt cx="201010" cy="201010"/>
-            </a:xfrm>
-          </p:grpSpPr>
-          <p:pic>
-            <p:nvPicPr>
-              <p:cNvPr id="30" name="Object 29"/>
-              <p:cNvPicPr>
-                <a:picLocks noChangeAspect="1"/>
-              </p:cNvPicPr>
-              <p:nvPr/>
-            </p:nvPicPr>
-            <p:blipFill>
-              <a:blip r:embed="rId12" cstate="print"/>
-              <a:stretch>
-                <a:fillRect/>
-              </a:stretch>
-            </p:blipFill>
-            <p:spPr>
-              <a:xfrm>
-                <a:off x="9109873" y="832954"/>
-                <a:ext cx="201010" cy="201010"/>
-              </a:xfrm>
-              <a:prstGeom prst="rect">
-                <a:avLst/>
-              </a:prstGeom>
-            </p:spPr>
-          </p:pic>
-        </p:grpSp>
-        <p:grpSp>
-          <p:nvGrpSpPr>
-            <p:cNvPr id="1011" name="그룹 1011"/>
-            <p:cNvGrpSpPr/>
-            <p:nvPr/>
-          </p:nvGrpSpPr>
-          <p:grpSpPr>
-            <a:xfrm>
-              <a:off x="8974831" y="832954"/>
-              <a:ext cx="201010" cy="201010"/>
-              <a:chOff x="8974831" y="832954"/>
-              <a:chExt cx="201010" cy="201010"/>
-            </a:xfrm>
-          </p:grpSpPr>
-          <p:pic>
-            <p:nvPicPr>
-              <p:cNvPr id="33" name="Object 32"/>
-              <p:cNvPicPr>
-                <a:picLocks noChangeAspect="1"/>
-              </p:cNvPicPr>
-              <p:nvPr/>
-            </p:nvPicPr>
-            <p:blipFill>
-              <a:blip r:embed="rId13" cstate="print"/>
-              <a:stretch>
-                <a:fillRect/>
-              </a:stretch>
-            </p:blipFill>
-            <p:spPr>
-              <a:xfrm>
                 <a:off x="8974831" y="832954"/>
                 <a:ext cx="201010" cy="201010"/>
               </a:xfrm>
@@ -7475,38 +7154,182 @@
           </p:pic>
         </p:grpSp>
       </p:grpSp>
+      <p:pic>
+        <p:nvPicPr>
+          <p:cNvPr id="13" name="Object 12"/>
+          <p:cNvPicPr>
+            <a:picLocks noChangeAspect="1"/>
+          </p:cNvPicPr>
+          <p:nvPr/>
+        </p:nvPicPr>
+        <p:blipFill>
+          <a:blip r:embed="rId5" cstate="print"/>
+          <a:stretch>
+            <a:fillRect/>
+          </a:stretch>
+        </p:blipFill>
+        <p:spPr>
+          <a:xfrm>
+            <a:off x="774756" y="1354342"/>
+            <a:ext cx="836000" cy="714133"/>
+          </a:xfrm>
+          <a:prstGeom prst="rect">
+            <a:avLst/>
+          </a:prstGeom>
+        </p:spPr>
+      </p:pic>
+      <p:pic>
+        <p:nvPicPr>
+          <p:cNvPr id="14" name="Object 13"/>
+          <p:cNvPicPr>
+            <a:picLocks noChangeAspect="1"/>
+          </p:cNvPicPr>
+          <p:nvPr/>
+        </p:nvPicPr>
+        <p:blipFill>
+          <a:blip r:embed="rId6" cstate="print"/>
+          <a:stretch>
+            <a:fillRect/>
+          </a:stretch>
+        </p:blipFill>
+        <p:spPr>
+          <a:xfrm>
+            <a:off x="757174" y="859713"/>
+            <a:ext cx="1533019" cy="1133181"/>
+          </a:xfrm>
+          <a:prstGeom prst="rect">
+            <a:avLst/>
+          </a:prstGeom>
+        </p:spPr>
+      </p:pic>
+      <p:pic>
+        <p:nvPicPr>
+          <p:cNvPr id="15" name="Object 14"/>
+          <p:cNvPicPr>
+            <a:picLocks noChangeAspect="1"/>
+          </p:cNvPicPr>
+          <p:nvPr/>
+        </p:nvPicPr>
+        <p:blipFill>
+          <a:blip r:embed="rId7" cstate="print"/>
+          <a:stretch>
+            <a:fillRect/>
+          </a:stretch>
+        </p:blipFill>
+        <p:spPr>
+          <a:xfrm>
+            <a:off x="40218" y="1158866"/>
+            <a:ext cx="15314505" cy="2319543"/>
+          </a:xfrm>
+          <a:prstGeom prst="rect">
+            <a:avLst/>
+          </a:prstGeom>
+        </p:spPr>
+      </p:pic>
+      <p:pic>
+        <p:nvPicPr>
+          <p:cNvPr id="16" name="Object 15"/>
+          <p:cNvPicPr>
+            <a:picLocks noChangeAspect="1"/>
+          </p:cNvPicPr>
+          <p:nvPr/>
+        </p:nvPicPr>
+        <p:blipFill>
+          <a:blip r:embed="rId8" cstate="print"/>
+          <a:stretch>
+            <a:fillRect/>
+          </a:stretch>
+        </p:blipFill>
+        <p:spPr>
+          <a:xfrm>
+            <a:off x="15306405" y="654143"/>
+            <a:ext cx="2658667" cy="599467"/>
+          </a:xfrm>
+          <a:prstGeom prst="rect">
+            <a:avLst/>
+          </a:prstGeom>
+        </p:spPr>
+      </p:pic>
+      <p:pic>
+        <p:nvPicPr>
+          <p:cNvPr id="17" name="Object 16"/>
+          <p:cNvPicPr>
+            <a:picLocks noChangeAspect="1"/>
+          </p:cNvPicPr>
+          <p:nvPr/>
+        </p:nvPicPr>
+        <p:blipFill>
+          <a:blip r:embed="rId9" cstate="print"/>
+          <a:stretch>
+            <a:fillRect/>
+          </a:stretch>
+        </p:blipFill>
+        <p:spPr>
+          <a:xfrm>
+            <a:off x="2058214" y="9406611"/>
+            <a:ext cx="5044381" cy="821457"/>
+          </a:xfrm>
+          <a:prstGeom prst="rect">
+            <a:avLst/>
+          </a:prstGeom>
+        </p:spPr>
+      </p:pic>
+      <p:pic>
+        <p:nvPicPr>
+          <p:cNvPr id="18" name="Object 17"/>
+          <p:cNvPicPr>
+            <a:picLocks noChangeAspect="1"/>
+          </p:cNvPicPr>
+          <p:nvPr/>
+        </p:nvPicPr>
+        <p:blipFill>
+          <a:blip r:embed="rId10" cstate="print"/>
+          <a:stretch>
+            <a:fillRect/>
+          </a:stretch>
+        </p:blipFill>
+        <p:spPr>
+          <a:xfrm>
+            <a:off x="6650371" y="8710146"/>
+            <a:ext cx="4608581" cy="2199152"/>
+          </a:xfrm>
+          <a:prstGeom prst="rect">
+            <a:avLst/>
+          </a:prstGeom>
+        </p:spPr>
+      </p:pic>
       <p:grpSp>
         <p:nvGrpSpPr>
-          <p:cNvPr id="1012" name="그룹 1012"/>
+          <p:cNvPr id="1005" name="그룹 1005"/>
           <p:cNvGrpSpPr/>
           <p:nvPr/>
         </p:nvGrpSpPr>
         <p:grpSpPr>
           <a:xfrm>
-            <a:off x="15277103" y="5007319"/>
-            <a:ext cx="1262600" cy="1262600"/>
-            <a:chOff x="15277103" y="5007319"/>
-            <a:chExt cx="1262600" cy="1262600"/>
+            <a:off x="2425399" y="4201055"/>
+            <a:ext cx="6314286" cy="4193490"/>
+            <a:chOff x="2425399" y="4201055"/>
+            <a:chExt cx="6314286" cy="4193490"/>
           </a:xfrm>
         </p:grpSpPr>
         <p:pic>
           <p:nvPicPr>
-            <p:cNvPr id="37" name="Object 36"/>
+            <p:cNvPr id="20" name="Object 19"/>
             <p:cNvPicPr>
               <a:picLocks noChangeAspect="1"/>
             </p:cNvPicPr>
             <p:nvPr/>
           </p:nvPicPr>
           <p:blipFill>
-            <a:blip r:embed="rId14" cstate="print"/>
+            <a:blip r:embed="rId11" cstate="print"/>
             <a:stretch>
               <a:fillRect/>
             </a:stretch>
           </p:blipFill>
           <p:spPr>
             <a:xfrm>
-              <a:off x="15277103" y="5007319"/>
-              <a:ext cx="1262600" cy="1262600"/>
+              <a:off x="2425399" y="4201055"/>
+              <a:ext cx="6314286" cy="4193490"/>
             </a:xfrm>
             <a:prstGeom prst="rect">
               <a:avLst/>
@@ -7516,21 +7339,123 @@
       </p:grpSp>
       <p:grpSp>
         <p:nvGrpSpPr>
-          <p:cNvPr id="1013" name="그룹 1013"/>
+          <p:cNvPr id="1006" name="그룹 1006"/>
           <p:cNvGrpSpPr/>
           <p:nvPr/>
         </p:nvGrpSpPr>
         <p:grpSpPr>
           <a:xfrm>
-            <a:off x="13642857" y="8436155"/>
-            <a:ext cx="4439560" cy="1226418"/>
-            <a:chOff x="13642857" y="8436155"/>
-            <a:chExt cx="4439560" cy="1226418"/>
+            <a:off x="9579455" y="4201055"/>
+            <a:ext cx="6316856" cy="4193490"/>
+            <a:chOff x="9579455" y="4201055"/>
+            <a:chExt cx="6316856" cy="4193490"/>
           </a:xfrm>
         </p:grpSpPr>
         <p:pic>
           <p:nvPicPr>
-            <p:cNvPr id="40" name="Object 39"/>
+            <p:cNvPr id="23" name="Object 22"/>
+            <p:cNvPicPr>
+              <a:picLocks noChangeAspect="1"/>
+            </p:cNvPicPr>
+            <p:nvPr/>
+          </p:nvPicPr>
+          <p:blipFill>
+            <a:blip r:embed="rId12" cstate="print"/>
+            <a:stretch>
+              <a:fillRect/>
+            </a:stretch>
+          </p:blipFill>
+          <p:spPr>
+            <a:xfrm>
+              <a:off x="9579455" y="4201055"/>
+              <a:ext cx="6316856" cy="4193490"/>
+            </a:xfrm>
+            <a:prstGeom prst="rect">
+              <a:avLst/>
+            </a:prstGeom>
+          </p:spPr>
+        </p:pic>
+      </p:grpSp>
+      <p:grpSp>
+        <p:nvGrpSpPr>
+          <p:cNvPr id="1007" name="그룹 1007"/>
+          <p:cNvGrpSpPr/>
+          <p:nvPr/>
+        </p:nvGrpSpPr>
+        <p:grpSpPr>
+          <a:xfrm>
+            <a:off x="2940095" y="5719114"/>
+            <a:ext cx="5284894" cy="26046"/>
+            <a:chOff x="2940095" y="5719114"/>
+            <a:chExt cx="5284894" cy="26046"/>
+          </a:xfrm>
+        </p:grpSpPr>
+        <p:pic>
+          <p:nvPicPr>
+            <p:cNvPr id="26" name="Object 25"/>
+            <p:cNvPicPr>
+              <a:picLocks noChangeAspect="1"/>
+            </p:cNvPicPr>
+            <p:nvPr/>
+          </p:nvPicPr>
+          <p:blipFill>
+            <a:blip r:embed="rId13" cstate="print"/>
+            <a:stretch>
+              <a:fillRect/>
+            </a:stretch>
+          </p:blipFill>
+          <p:spPr>
+            <a:xfrm>
+              <a:off x="2940095" y="5719114"/>
+              <a:ext cx="5284894" cy="26046"/>
+            </a:xfrm>
+            <a:prstGeom prst="rect">
+              <a:avLst/>
+            </a:prstGeom>
+          </p:spPr>
+        </p:pic>
+      </p:grpSp>
+      <p:pic>
+        <p:nvPicPr>
+          <p:cNvPr id="28" name="Object 27"/>
+          <p:cNvPicPr>
+            <a:picLocks noChangeAspect="1"/>
+          </p:cNvPicPr>
+          <p:nvPr/>
+        </p:nvPicPr>
+        <p:blipFill>
+          <a:blip r:embed="rId14" cstate="print"/>
+          <a:stretch>
+            <a:fillRect/>
+          </a:stretch>
+        </p:blipFill>
+        <p:spPr>
+          <a:xfrm>
+            <a:off x="1227488" y="4799969"/>
+            <a:ext cx="7259619" cy="935419"/>
+          </a:xfrm>
+          <a:prstGeom prst="rect">
+            <a:avLst/>
+          </a:prstGeom>
+        </p:spPr>
+      </p:pic>
+      <p:grpSp>
+        <p:nvGrpSpPr>
+          <p:cNvPr id="1008" name="그룹 1008"/>
+          <p:cNvGrpSpPr/>
+          <p:nvPr/>
+        </p:nvGrpSpPr>
+        <p:grpSpPr>
+          <a:xfrm>
+            <a:off x="4397930" y="3847229"/>
+            <a:ext cx="2369224" cy="704122"/>
+            <a:chOff x="4397930" y="3847229"/>
+            <a:chExt cx="2369224" cy="704122"/>
+          </a:xfrm>
+        </p:grpSpPr>
+        <p:pic>
+          <p:nvPicPr>
+            <p:cNvPr id="30" name="Object 29"/>
             <p:cNvPicPr>
               <a:picLocks noChangeAspect="1"/>
             </p:cNvPicPr>
@@ -7544,8 +7469,8 @@
           </p:blipFill>
           <p:spPr>
             <a:xfrm>
-              <a:off x="13642857" y="8436155"/>
-              <a:ext cx="4439560" cy="1226418"/>
+              <a:off x="4397930" y="3847229"/>
+              <a:ext cx="2369224" cy="704122"/>
             </a:xfrm>
             <a:prstGeom prst="rect">
               <a:avLst/>
@@ -7553,260 +7478,77 @@
           </p:spPr>
         </p:pic>
       </p:grpSp>
-      <p:pic>
-        <p:nvPicPr>
-          <p:cNvPr id="42" name="Object 41"/>
-          <p:cNvPicPr>
-            <a:picLocks noChangeAspect="1"/>
-          </p:cNvPicPr>
-          <p:nvPr/>
-        </p:nvPicPr>
-        <p:blipFill>
-          <a:blip r:embed="rId16" cstate="print"/>
-          <a:stretch>
-            <a:fillRect/>
-          </a:stretch>
-        </p:blipFill>
-        <p:spPr>
-          <a:xfrm>
-            <a:off x="765232" y="1333951"/>
-            <a:ext cx="1735333" cy="486010"/>
-          </a:xfrm>
-          <a:prstGeom prst="rect">
-            <a:avLst/>
-          </a:prstGeom>
-        </p:spPr>
-      </p:pic>
-      <p:pic>
-        <p:nvPicPr>
-          <p:cNvPr id="43" name="Object 42"/>
-          <p:cNvPicPr>
-            <a:picLocks noChangeAspect="1"/>
-          </p:cNvPicPr>
-          <p:nvPr/>
-        </p:nvPicPr>
-        <p:blipFill>
-          <a:blip r:embed="rId17" cstate="print"/>
-          <a:stretch>
-            <a:fillRect/>
-          </a:stretch>
-        </p:blipFill>
-        <p:spPr>
-          <a:xfrm>
-            <a:off x="757174" y="859713"/>
-            <a:ext cx="1533019" cy="1133181"/>
-          </a:xfrm>
-          <a:prstGeom prst="rect">
-            <a:avLst/>
-          </a:prstGeom>
-        </p:spPr>
-      </p:pic>
-      <p:pic>
-        <p:nvPicPr>
-          <p:cNvPr id="44" name="Object 43"/>
-          <p:cNvPicPr>
-            <a:picLocks noChangeAspect="1"/>
-          </p:cNvPicPr>
-          <p:nvPr/>
-        </p:nvPicPr>
-        <p:blipFill>
-          <a:blip r:embed="rId18" cstate="print"/>
-          <a:stretch>
-            <a:fillRect/>
-          </a:stretch>
-        </p:blipFill>
-        <p:spPr>
-          <a:xfrm>
-            <a:off x="333199" y="1026276"/>
-            <a:ext cx="15100724" cy="2648933"/>
-          </a:xfrm>
-          <a:prstGeom prst="rect">
-            <a:avLst/>
-          </a:prstGeom>
-        </p:spPr>
-      </p:pic>
-      <p:pic>
-        <p:nvPicPr>
-          <p:cNvPr id="45" name="Object 44"/>
-          <p:cNvPicPr>
-            <a:picLocks noChangeAspect="1"/>
-          </p:cNvPicPr>
-          <p:nvPr/>
-        </p:nvPicPr>
-        <p:blipFill>
-          <a:blip r:embed="rId19" cstate="print"/>
-          <a:stretch>
-            <a:fillRect/>
-          </a:stretch>
-        </p:blipFill>
-        <p:spPr>
-          <a:xfrm>
-            <a:off x="15306405" y="654143"/>
-            <a:ext cx="2658667" cy="599467"/>
-          </a:xfrm>
-          <a:prstGeom prst="rect">
-            <a:avLst/>
-          </a:prstGeom>
-        </p:spPr>
-      </p:pic>
-      <p:pic>
-        <p:nvPicPr>
-          <p:cNvPr id="46" name="Object 45"/>
-          <p:cNvPicPr>
-            <a:picLocks noChangeAspect="1"/>
-          </p:cNvPicPr>
-          <p:nvPr/>
-        </p:nvPicPr>
-        <p:blipFill>
-          <a:blip r:embed="rId20" cstate="print"/>
-          <a:stretch>
-            <a:fillRect/>
-          </a:stretch>
-        </p:blipFill>
-        <p:spPr>
-          <a:xfrm>
-            <a:off x="2058214" y="9016135"/>
-            <a:ext cx="5044381" cy="821457"/>
-          </a:xfrm>
-          <a:prstGeom prst="rect">
-            <a:avLst/>
-          </a:prstGeom>
-        </p:spPr>
-      </p:pic>
       <p:grpSp>
         <p:nvGrpSpPr>
-          <p:cNvPr id="1014" name="그룹 1014"/>
+          <p:cNvPr id="1009" name="그룹 1009"/>
           <p:cNvGrpSpPr/>
           <p:nvPr/>
         </p:nvGrpSpPr>
         <p:grpSpPr>
           <a:xfrm>
-            <a:off x="14957133" y="7442328"/>
-            <a:ext cx="1958219" cy="469352"/>
-            <a:chOff x="14957133" y="7442328"/>
-            <a:chExt cx="1958219" cy="469352"/>
+            <a:off x="11553271" y="3847229"/>
+            <a:ext cx="2369224" cy="704122"/>
+            <a:chOff x="11553271" y="3847229"/>
+            <a:chExt cx="2369224" cy="704122"/>
           </a:xfrm>
         </p:grpSpPr>
-        <p:grpSp>
-          <p:nvGrpSpPr>
-            <p:cNvPr id="1015" name="그룹 1015"/>
-            <p:cNvGrpSpPr/>
-            <p:nvPr/>
-          </p:nvGrpSpPr>
-          <p:grpSpPr>
-            <a:xfrm>
-              <a:off x="14957133" y="7442328"/>
-              <a:ext cx="1958219" cy="469352"/>
-              <a:chOff x="14957133" y="7442328"/>
-              <a:chExt cx="1958219" cy="469352"/>
-            </a:xfrm>
-          </p:grpSpPr>
-          <p:pic>
-            <p:nvPicPr>
-              <p:cNvPr id="49" name="Object 48"/>
-              <p:cNvPicPr>
-                <a:picLocks noChangeAspect="1"/>
-              </p:cNvPicPr>
-              <p:nvPr/>
-            </p:nvPicPr>
-            <p:blipFill>
-              <a:blip r:embed="rId21" cstate="print"/>
-              <a:stretch>
-                <a:fillRect/>
-              </a:stretch>
-            </p:blipFill>
-            <p:spPr>
-              <a:xfrm>
-                <a:off x="14957133" y="7442328"/>
-                <a:ext cx="1958219" cy="469352"/>
-              </a:xfrm>
-              <a:prstGeom prst="rect">
-                <a:avLst/>
-              </a:prstGeom>
-            </p:spPr>
-          </p:pic>
-        </p:grpSp>
         <p:pic>
           <p:nvPicPr>
-            <p:cNvPr id="51" name="Object 50"/>
+            <p:cNvPr id="33" name="Object 32"/>
             <p:cNvPicPr>
               <a:picLocks noChangeAspect="1"/>
             </p:cNvPicPr>
             <p:nvPr/>
           </p:nvPicPr>
           <p:blipFill>
-            <a:blip r:embed="rId22" cstate="print"/>
+            <a:blip r:embed="rId16" cstate="print"/>
             <a:stretch>
               <a:fillRect/>
             </a:stretch>
           </p:blipFill>
           <p:spPr>
             <a:xfrm>
-              <a:off x="14789560" y="7437684"/>
-              <a:ext cx="2047410" cy="558800"/>
+              <a:off x="11553271" y="3847229"/>
+              <a:ext cx="2369224" cy="704122"/>
             </a:xfrm>
             <a:prstGeom prst="rect">
               <a:avLst/>
             </a:prstGeom>
           </p:spPr>
         </p:pic>
-        <p:grpSp>
-          <p:nvGrpSpPr>
-            <p:cNvPr id="1016" name="그룹 1016"/>
-            <p:cNvGrpSpPr/>
-            <p:nvPr/>
-          </p:nvGrpSpPr>
-          <p:grpSpPr>
-            <a:xfrm>
-              <a:off x="14957133" y="7442328"/>
-              <a:ext cx="1958219" cy="469352"/>
-              <a:chOff x="14957133" y="7442328"/>
-              <a:chExt cx="1958219" cy="469352"/>
-            </a:xfrm>
-          </p:grpSpPr>
-          <p:pic>
-            <p:nvPicPr>
-              <p:cNvPr id="53" name="Object 52"/>
-              <p:cNvPicPr>
-                <a:picLocks noChangeAspect="1"/>
-              </p:cNvPicPr>
-              <p:nvPr/>
-            </p:nvPicPr>
-            <p:blipFill>
-              <a:blip r:embed="rId23" cstate="print"/>
-              <a:stretch>
-                <a:fillRect/>
-              </a:stretch>
-            </p:blipFill>
-            <p:spPr>
-              <a:xfrm>
-                <a:off x="14957133" y="7442328"/>
-                <a:ext cx="1958219" cy="469352"/>
-              </a:xfrm>
-              <a:prstGeom prst="rect">
-                <a:avLst/>
-              </a:prstGeom>
-            </p:spPr>
-          </p:pic>
-        </p:grpSp>
+      </p:grpSp>
+      <p:grpSp>
+        <p:nvGrpSpPr>
+          <p:cNvPr id="1010" name="그룹 1010"/>
+          <p:cNvGrpSpPr/>
+          <p:nvPr/>
+        </p:nvGrpSpPr>
+        <p:grpSpPr>
+          <a:xfrm>
+            <a:off x="10095435" y="5719114"/>
+            <a:ext cx="5284894" cy="26046"/>
+            <a:chOff x="10095435" y="5719114"/>
+            <a:chExt cx="5284894" cy="26046"/>
+          </a:xfrm>
+        </p:grpSpPr>
         <p:pic>
           <p:nvPicPr>
-            <p:cNvPr id="55" name="Object 54"/>
+            <p:cNvPr id="36" name="Object 35"/>
             <p:cNvPicPr>
               <a:picLocks noChangeAspect="1"/>
             </p:cNvPicPr>
             <p:nvPr/>
           </p:nvPicPr>
           <p:blipFill>
-            <a:blip r:embed="rId24" cstate="print"/>
+            <a:blip r:embed="rId17" cstate="print"/>
             <a:stretch>
               <a:fillRect/>
             </a:stretch>
           </p:blipFill>
           <p:spPr>
             <a:xfrm>
-              <a:off x="14789560" y="7437684"/>
-              <a:ext cx="2047410" cy="558800"/>
+              <a:off x="10095435" y="5719114"/>
+              <a:ext cx="5284894" cy="26046"/>
             </a:xfrm>
             <a:prstGeom prst="rect">
               <a:avLst/>
@@ -7816,244 +7558,118 @@
       </p:grpSp>
       <p:pic>
         <p:nvPicPr>
-          <p:cNvPr id="57" name="Object 56"/>
-          <p:cNvPicPr>
-            <a:picLocks noChangeAspect="1"/>
-          </p:cNvPicPr>
-          <p:nvPr/>
-        </p:nvPicPr>
-        <p:blipFill>
-          <a:blip r:embed="rId25" cstate="print"/>
-          <a:stretch>
-            <a:fillRect/>
-          </a:stretch>
-        </p:blipFill>
-        <p:spPr>
-          <a:xfrm>
-            <a:off x="14508805" y="6438490"/>
-            <a:ext cx="2668933" cy="875781"/>
-          </a:xfrm>
-          <a:prstGeom prst="rect">
-            <a:avLst/>
-          </a:prstGeom>
-        </p:spPr>
-      </p:pic>
-      <p:pic>
-        <p:nvPicPr>
-          <p:cNvPr id="58" name="Object 57"/>
-          <p:cNvPicPr>
-            <a:picLocks noChangeAspect="1"/>
-          </p:cNvPicPr>
-          <p:nvPr/>
-        </p:nvPicPr>
-        <p:blipFill>
-          <a:blip r:embed="rId26" cstate="print"/>
-          <a:stretch>
-            <a:fillRect/>
-          </a:stretch>
-        </p:blipFill>
-        <p:spPr>
-          <a:xfrm>
-            <a:off x="13317570" y="8713538"/>
-            <a:ext cx="4462400" cy="821457"/>
-          </a:xfrm>
-          <a:prstGeom prst="rect">
-            <a:avLst/>
-          </a:prstGeom>
-        </p:spPr>
-      </p:pic>
-      <p:pic>
-        <p:nvPicPr>
-          <p:cNvPr id="59" name="Object 58"/>
-          <p:cNvPicPr>
-            <a:picLocks noChangeAspect="1"/>
-          </p:cNvPicPr>
-          <p:nvPr/>
-        </p:nvPicPr>
-        <p:blipFill>
-          <a:blip r:embed="rId27" cstate="print"/>
-          <a:stretch>
-            <a:fillRect/>
-          </a:stretch>
-        </p:blipFill>
-        <p:spPr>
-          <a:xfrm>
-            <a:off x="905776" y="3564605"/>
-            <a:ext cx="6516848" cy="1245829"/>
-          </a:xfrm>
-          <a:prstGeom prst="rect">
-            <a:avLst/>
-          </a:prstGeom>
-        </p:spPr>
-      </p:pic>
-      <p:grpSp>
-        <p:nvGrpSpPr>
-          <p:cNvPr id="1017" name="그룹 1017"/>
-          <p:cNvGrpSpPr/>
-          <p:nvPr/>
-        </p:nvGrpSpPr>
-        <p:grpSpPr>
-          <a:xfrm>
-            <a:off x="966009" y="4295102"/>
-            <a:ext cx="7310985" cy="2115688"/>
-            <a:chOff x="966009" y="4295102"/>
-            <a:chExt cx="7310985" cy="2115688"/>
-          </a:xfrm>
-        </p:grpSpPr>
-        <p:pic>
-          <p:nvPicPr>
-            <p:cNvPr id="61" name="Object 60"/>
-            <p:cNvPicPr>
-              <a:picLocks noChangeAspect="1"/>
-            </p:cNvPicPr>
-            <p:nvPr/>
-          </p:nvPicPr>
-          <p:blipFill>
-            <a:blip r:embed="rId28" cstate="print"/>
-            <a:stretch>
-              <a:fillRect/>
-            </a:stretch>
-          </p:blipFill>
-          <p:spPr>
-            <a:xfrm>
-              <a:off x="966009" y="4295102"/>
-              <a:ext cx="7310985" cy="2115688"/>
-            </a:xfrm>
-            <a:prstGeom prst="rect">
-              <a:avLst/>
-            </a:prstGeom>
-          </p:spPr>
-        </p:pic>
-      </p:grpSp>
-      <p:pic>
-        <p:nvPicPr>
-          <p:cNvPr id="63" name="Object 62"/>
-          <p:cNvPicPr>
-            <a:picLocks noChangeAspect="1"/>
-          </p:cNvPicPr>
-          <p:nvPr/>
-        </p:nvPicPr>
-        <p:blipFill>
-          <a:blip r:embed="rId29" cstate="print"/>
-          <a:stretch>
-            <a:fillRect/>
-          </a:stretch>
-        </p:blipFill>
-        <p:spPr>
-          <a:xfrm>
-            <a:off x="1294788" y="4814242"/>
-            <a:ext cx="4972686" cy="1178648"/>
-          </a:xfrm>
-          <a:prstGeom prst="rect">
-            <a:avLst/>
-          </a:prstGeom>
-        </p:spPr>
-      </p:pic>
-      <p:pic>
-        <p:nvPicPr>
-          <p:cNvPr id="64" name="Object 63"/>
-          <p:cNvPicPr>
-            <a:picLocks noChangeAspect="1"/>
-          </p:cNvPicPr>
-          <p:nvPr/>
-        </p:nvPicPr>
-        <p:blipFill>
-          <a:blip r:embed="rId30" cstate="print"/>
-          <a:stretch>
-            <a:fillRect/>
-          </a:stretch>
-        </p:blipFill>
-        <p:spPr>
-          <a:xfrm>
-            <a:off x="6650371" y="7653003"/>
-            <a:ext cx="4608581" cy="2199152"/>
-          </a:xfrm>
-          <a:prstGeom prst="rect">
-            <a:avLst/>
-          </a:prstGeom>
-        </p:spPr>
-      </p:pic>
-      <p:grpSp>
-        <p:nvGrpSpPr>
-          <p:cNvPr id="1018" name="그룹 1018"/>
-          <p:cNvGrpSpPr/>
-          <p:nvPr/>
-        </p:nvGrpSpPr>
-        <p:grpSpPr>
-          <a:xfrm>
-            <a:off x="8700715" y="4295102"/>
-            <a:ext cx="3039684" cy="2115688"/>
-            <a:chOff x="8700715" y="4295102"/>
-            <a:chExt cx="3039684" cy="2115688"/>
-          </a:xfrm>
-        </p:grpSpPr>
-        <p:pic>
-          <p:nvPicPr>
-            <p:cNvPr id="66" name="Object 65"/>
-            <p:cNvPicPr>
-              <a:picLocks noChangeAspect="1"/>
-            </p:cNvPicPr>
-            <p:nvPr/>
-          </p:nvPicPr>
-          <p:blipFill>
-            <a:blip r:embed="rId31" cstate="print"/>
-            <a:stretch>
-              <a:fillRect/>
-            </a:stretch>
-          </p:blipFill>
-          <p:spPr>
-            <a:xfrm>
-              <a:off x="8700715" y="4295102"/>
-              <a:ext cx="3039684" cy="2115688"/>
-            </a:xfrm>
-            <a:prstGeom prst="rect">
-              <a:avLst/>
-            </a:prstGeom>
-          </p:spPr>
-        </p:pic>
-      </p:grpSp>
-      <p:pic>
-        <p:nvPicPr>
-          <p:cNvPr id="68" name="Object 67"/>
-          <p:cNvPicPr>
-            <a:picLocks noChangeAspect="1"/>
-          </p:cNvPicPr>
-          <p:nvPr/>
-        </p:nvPicPr>
-        <p:blipFill>
-          <a:blip r:embed="rId32" cstate="print"/>
-          <a:stretch>
-            <a:fillRect/>
-          </a:stretch>
-        </p:blipFill>
-        <p:spPr>
-          <a:xfrm>
-            <a:off x="8958181" y="4698767"/>
-            <a:ext cx="1924648" cy="1510648"/>
-          </a:xfrm>
-          <a:prstGeom prst="rect">
-            <a:avLst/>
-          </a:prstGeom>
-        </p:spPr>
-      </p:pic>
-      <p:pic>
-        <p:nvPicPr>
-          <p:cNvPr id="69" name="Object 68"/>
-          <p:cNvPicPr>
-            <a:picLocks noChangeAspect="1"/>
-          </p:cNvPicPr>
-          <p:nvPr/>
-        </p:nvPicPr>
-        <p:blipFill>
-          <a:blip r:embed="rId33" cstate="print"/>
-          <a:stretch>
-            <a:fillRect/>
-          </a:stretch>
-        </p:blipFill>
-        <p:spPr>
-          <a:xfrm>
-            <a:off x="8051402" y="4067550"/>
-            <a:ext cx="3723495" cy="557990"/>
+          <p:cNvPr id="38" name="Object 37"/>
+          <p:cNvPicPr>
+            <a:picLocks noChangeAspect="1"/>
+          </p:cNvPicPr>
+          <p:nvPr/>
+        </p:nvPicPr>
+        <p:blipFill>
+          <a:blip r:embed="rId18" cstate="print"/>
+          <a:stretch>
+            <a:fillRect/>
+          </a:stretch>
+        </p:blipFill>
+        <p:spPr>
+          <a:xfrm>
+            <a:off x="8425086" y="4799969"/>
+            <a:ext cx="7236419" cy="935419"/>
+          </a:xfrm>
+          <a:prstGeom prst="rect">
+            <a:avLst/>
+          </a:prstGeom>
+        </p:spPr>
+      </p:pic>
+      <p:pic>
+        <p:nvPicPr>
+          <p:cNvPr id="39" name="Object 38"/>
+          <p:cNvPicPr>
+            <a:picLocks noChangeAspect="1"/>
+          </p:cNvPicPr>
+          <p:nvPr/>
+        </p:nvPicPr>
+        <p:blipFill>
+          <a:blip r:embed="rId19" cstate="print"/>
+          <a:stretch>
+            <a:fillRect/>
+          </a:stretch>
+        </p:blipFill>
+        <p:spPr>
+          <a:xfrm>
+            <a:off x="2928769" y="6170349"/>
+            <a:ext cx="3287333" cy="1590724"/>
+          </a:xfrm>
+          <a:prstGeom prst="rect">
+            <a:avLst/>
+          </a:prstGeom>
+        </p:spPr>
+      </p:pic>
+      <p:pic>
+        <p:nvPicPr>
+          <p:cNvPr id="40" name="Object 39"/>
+          <p:cNvPicPr>
+            <a:picLocks noChangeAspect="1"/>
+          </p:cNvPicPr>
+          <p:nvPr/>
+        </p:nvPicPr>
+        <p:blipFill>
+          <a:blip r:embed="rId20" cstate="print"/>
+          <a:stretch>
+            <a:fillRect/>
+          </a:stretch>
+        </p:blipFill>
+        <p:spPr>
+          <a:xfrm>
+            <a:off x="10033783" y="6000558"/>
+            <a:ext cx="5533724" cy="2055743"/>
+          </a:xfrm>
+          <a:prstGeom prst="rect">
+            <a:avLst/>
+          </a:prstGeom>
+        </p:spPr>
+      </p:pic>
+      <p:pic>
+        <p:nvPicPr>
+          <p:cNvPr id="41" name="Object 40"/>
+          <p:cNvPicPr>
+            <a:picLocks noChangeAspect="1"/>
+          </p:cNvPicPr>
+          <p:nvPr/>
+        </p:nvPicPr>
+        <p:blipFill>
+          <a:blip r:embed="rId21" cstate="print"/>
+          <a:stretch>
+            <a:fillRect/>
+          </a:stretch>
+        </p:blipFill>
+        <p:spPr>
+          <a:xfrm>
+            <a:off x="923045" y="3825117"/>
+            <a:ext cx="7547724" cy="935419"/>
+          </a:xfrm>
+          <a:prstGeom prst="rect">
+            <a:avLst/>
+          </a:prstGeom>
+        </p:spPr>
+      </p:pic>
+      <p:pic>
+        <p:nvPicPr>
+          <p:cNvPr id="42" name="Object 41"/>
+          <p:cNvPicPr>
+            <a:picLocks noChangeAspect="1"/>
+          </p:cNvPicPr>
+          <p:nvPr/>
+        </p:nvPicPr>
+        <p:blipFill>
+          <a:blip r:embed="rId22" cstate="print"/>
+          <a:stretch>
+            <a:fillRect/>
+          </a:stretch>
+        </p:blipFill>
+        <p:spPr>
+          <a:xfrm>
+            <a:off x="8246223" y="3815593"/>
+            <a:ext cx="7393848" cy="935419"/>
           </a:xfrm>
           <a:prstGeom prst="rect">
             <a:avLst/>
@@ -8737,7 +8353,7 @@
         <p:spPr>
           <a:xfrm>
             <a:off x="11130680" y="4118387"/>
-            <a:ext cx="3330629" cy="1367619"/>
+            <a:ext cx="4387324" cy="1367619"/>
           </a:xfrm>
           <a:prstGeom prst="rect">
             <a:avLst/>
@@ -8897,30 +8513,6 @@
           <a:chExt cx="0" cy="0"/>
         </a:xfrm>
       </p:grpSpPr>
-      <p:pic>
-        <p:nvPicPr>
-          <p:cNvPr id="2" name="Object 1"/>
-          <p:cNvPicPr>
-            <a:picLocks noChangeAspect="1"/>
-          </p:cNvPicPr>
-          <p:nvPr/>
-        </p:nvPicPr>
-        <p:blipFill>
-          <a:blip r:embed="rId2" cstate="print"/>
-          <a:stretch>
-            <a:fillRect/>
-          </a:stretch>
-        </p:blipFill>
-        <p:spPr>
-          <a:xfrm>
-            <a:off x="3893324" y="2363322"/>
-            <a:ext cx="10573876" cy="1168971"/>
-          </a:xfrm>
-          <a:prstGeom prst="rect">
-            <a:avLst/>
-          </a:prstGeom>
-        </p:spPr>
-      </p:pic>
       <p:grpSp>
         <p:nvGrpSpPr>
           <p:cNvPr id="1001" name="그룹 1001"/>
@@ -8929,29 +8521,29 @@
         </p:nvGrpSpPr>
         <p:grpSpPr>
           <a:xfrm>
-            <a:off x="0" y="0"/>
+            <a:off x="9524" y="0"/>
             <a:ext cx="2893763" cy="10285714"/>
-            <a:chOff x="0" y="0"/>
+            <a:chOff x="9524" y="0"/>
             <a:chExt cx="2893763" cy="10285714"/>
           </a:xfrm>
         </p:grpSpPr>
         <p:pic>
           <p:nvPicPr>
-            <p:cNvPr id="4" name="Object 3"/>
+            <p:cNvPr id="3" name="Object 2"/>
             <p:cNvPicPr>
               <a:picLocks noChangeAspect="1"/>
             </p:cNvPicPr>
             <p:nvPr/>
           </p:nvPicPr>
           <p:blipFill>
-            <a:blip r:embed="rId3" cstate="print"/>
+            <a:blip r:embed="rId2" cstate="print"/>
             <a:stretch>
               <a:fillRect/>
             </a:stretch>
           </p:blipFill>
           <p:spPr>
             <a:xfrm>
-              <a:off x="0" y="0"/>
+              <a:off x="9524" y="0"/>
               <a:ext cx="2893763" cy="10285714"/>
             </a:xfrm>
             <a:prstGeom prst="rect">
@@ -8976,14 +8568,14 @@
         </p:grpSpPr>
         <p:pic>
           <p:nvPicPr>
-            <p:cNvPr id="7" name="Object 6"/>
+            <p:cNvPr id="6" name="Object 5"/>
             <p:cNvPicPr>
               <a:picLocks noChangeAspect="1"/>
             </p:cNvPicPr>
             <p:nvPr/>
           </p:nvPicPr>
           <p:blipFill>
-            <a:blip r:embed="rId4" cstate="print"/>
+            <a:blip r:embed="rId3" cstate="print"/>
             <a:stretch>
               <a:fillRect/>
             </a:stretch>
@@ -9001,14 +8593,14 @@
       </p:grpSp>
       <p:pic>
         <p:nvPicPr>
-          <p:cNvPr id="9" name="Object 8"/>
-          <p:cNvPicPr>
-            <a:picLocks noChangeAspect="1"/>
-          </p:cNvPicPr>
-          <p:nvPr/>
-        </p:nvPicPr>
-        <p:blipFill>
-          <a:blip r:embed="rId5" cstate="print"/>
+          <p:cNvPr id="8" name="Object 7"/>
+          <p:cNvPicPr>
+            <a:picLocks noChangeAspect="1"/>
+          </p:cNvPicPr>
+          <p:nvPr/>
+        </p:nvPicPr>
+        <p:blipFill>
+          <a:blip r:embed="rId4" cstate="print"/>
           <a:stretch>
             <a:fillRect/>
           </a:stretch>
@@ -9053,14 +8645,14 @@
           </p:grpSpPr>
           <p:pic>
             <p:nvPicPr>
-              <p:cNvPr id="12" name="Object 11"/>
+              <p:cNvPr id="11" name="Object 10"/>
               <p:cNvPicPr>
                 <a:picLocks noChangeAspect="1"/>
               </p:cNvPicPr>
               <p:nvPr/>
             </p:nvPicPr>
             <p:blipFill>
-              <a:blip r:embed="rId6" cstate="print"/>
+              <a:blip r:embed="rId5" cstate="print"/>
               <a:stretch>
                 <a:fillRect/>
               </a:stretch>
@@ -9092,14 +8684,14 @@
           </p:grpSpPr>
           <p:pic>
             <p:nvPicPr>
-              <p:cNvPr id="15" name="Object 14"/>
+              <p:cNvPr id="14" name="Object 13"/>
               <p:cNvPicPr>
                 <a:picLocks noChangeAspect="1"/>
               </p:cNvPicPr>
               <p:nvPr/>
             </p:nvPicPr>
             <p:blipFill>
-              <a:blip r:embed="rId7" cstate="print"/>
+              <a:blip r:embed="rId6" cstate="print"/>
               <a:stretch>
                 <a:fillRect/>
               </a:stretch>
@@ -9118,6 +8710,30 @@
       </p:grpSp>
       <p:pic>
         <p:nvPicPr>
+          <p:cNvPr id="17" name="Object 16"/>
+          <p:cNvPicPr>
+            <a:picLocks noChangeAspect="1"/>
+          </p:cNvPicPr>
+          <p:nvPr/>
+        </p:nvPicPr>
+        <p:blipFill>
+          <a:blip r:embed="rId7" cstate="print"/>
+          <a:stretch>
+            <a:fillRect/>
+          </a:stretch>
+        </p:blipFill>
+        <p:spPr>
+          <a:xfrm>
+            <a:off x="3634305" y="740593"/>
+            <a:ext cx="4696038" cy="1925171"/>
+          </a:xfrm>
+          <a:prstGeom prst="rect">
+            <a:avLst/>
+          </a:prstGeom>
+        </p:spPr>
+      </p:pic>
+      <p:pic>
+        <p:nvPicPr>
           <p:cNvPr id="18" name="Object 17"/>
           <p:cNvPicPr>
             <a:picLocks noChangeAspect="1"/>
@@ -9126,30 +8742,6 @@
         </p:nvPicPr>
         <p:blipFill>
           <a:blip r:embed="rId8" cstate="print"/>
-          <a:stretch>
-            <a:fillRect/>
-          </a:stretch>
-        </p:blipFill>
-        <p:spPr>
-          <a:xfrm>
-            <a:off x="3767638" y="1034252"/>
-            <a:ext cx="4696038" cy="1902952"/>
-          </a:xfrm>
-          <a:prstGeom prst="rect">
-            <a:avLst/>
-          </a:prstGeom>
-        </p:spPr>
-      </p:pic>
-      <p:pic>
-        <p:nvPicPr>
-          <p:cNvPr id="19" name="Object 18"/>
-          <p:cNvPicPr>
-            <a:picLocks noChangeAspect="1"/>
-          </p:cNvPicPr>
-          <p:nvPr/>
-        </p:nvPicPr>
-        <p:blipFill>
-          <a:blip r:embed="rId9" cstate="print"/>
           <a:stretch>
             <a:fillRect/>
           </a:stretch>
@@ -9166,14 +8758,14 @@
       </p:pic>
       <p:pic>
         <p:nvPicPr>
-          <p:cNvPr id="20" name="Object 19"/>
-          <p:cNvPicPr>
-            <a:picLocks noChangeAspect="1"/>
-          </p:cNvPicPr>
-          <p:nvPr/>
-        </p:nvPicPr>
-        <p:blipFill>
-          <a:blip r:embed="rId10" cstate="print"/>
+          <p:cNvPr id="19" name="Object 18"/>
+          <p:cNvPicPr>
+            <a:picLocks noChangeAspect="1"/>
+          </p:cNvPicPr>
+          <p:nvPr/>
+        </p:nvPicPr>
+        <p:blipFill>
+          <a:blip r:embed="rId9" cstate="print"/>
           <a:stretch>
             <a:fillRect/>
           </a:stretch>
@@ -9190,14 +8782,14 @@
       </p:pic>
       <p:pic>
         <p:nvPicPr>
-          <p:cNvPr id="21" name="Object 20"/>
-          <p:cNvPicPr>
-            <a:picLocks noChangeAspect="1"/>
-          </p:cNvPicPr>
-          <p:nvPr/>
-        </p:nvPicPr>
-        <p:blipFill>
-          <a:blip r:embed="rId11" cstate="print"/>
+          <p:cNvPr id="20" name="Object 19"/>
+          <p:cNvPicPr>
+            <a:picLocks noChangeAspect="1"/>
+          </p:cNvPicPr>
+          <p:nvPr/>
+        </p:nvPicPr>
+        <p:blipFill>
+          <a:blip r:embed="rId10" cstate="print"/>
           <a:stretch>
             <a:fillRect/>
           </a:stretch>
@@ -9220,15 +8812,54 @@
         </p:nvGrpSpPr>
         <p:grpSpPr>
           <a:xfrm>
-            <a:off x="3669397" y="3542857"/>
-            <a:ext cx="6585016" cy="4496874"/>
-            <a:chOff x="3669397" y="3542857"/>
-            <a:chExt cx="6585016" cy="4496874"/>
+            <a:off x="4326528" y="7564089"/>
+            <a:ext cx="5286479" cy="672757"/>
+            <a:chOff x="4326528" y="7564089"/>
+            <a:chExt cx="5286479" cy="672757"/>
           </a:xfrm>
         </p:grpSpPr>
+        <p:grpSp>
+          <p:nvGrpSpPr>
+            <p:cNvPr id="1007" name="그룹 1007"/>
+            <p:cNvGrpSpPr/>
+            <p:nvPr/>
+          </p:nvGrpSpPr>
+          <p:grpSpPr>
+            <a:xfrm>
+              <a:off x="4326528" y="7564089"/>
+              <a:ext cx="5286479" cy="672757"/>
+              <a:chOff x="4326528" y="7564089"/>
+              <a:chExt cx="5286479" cy="672757"/>
+            </a:xfrm>
+          </p:grpSpPr>
+          <p:pic>
+            <p:nvPicPr>
+              <p:cNvPr id="23" name="Object 22"/>
+              <p:cNvPicPr>
+                <a:picLocks noChangeAspect="1"/>
+              </p:cNvPicPr>
+              <p:nvPr/>
+            </p:nvPicPr>
+            <p:blipFill>
+              <a:blip r:embed="rId11" cstate="print"/>
+              <a:stretch>
+                <a:fillRect/>
+              </a:stretch>
+            </p:blipFill>
+            <p:spPr>
+              <a:xfrm>
+                <a:off x="4326528" y="7564089"/>
+                <a:ext cx="5286479" cy="672757"/>
+              </a:xfrm>
+              <a:prstGeom prst="rect">
+                <a:avLst/>
+              </a:prstGeom>
+            </p:spPr>
+          </p:pic>
+        </p:grpSp>
         <p:pic>
           <p:nvPicPr>
-            <p:cNvPr id="23" name="Object 22"/>
+            <p:cNvPr id="25" name="Object 24"/>
             <p:cNvPicPr>
               <a:picLocks noChangeAspect="1"/>
             </p:cNvPicPr>
@@ -9242,8 +8873,8 @@
           </p:blipFill>
           <p:spPr>
             <a:xfrm>
-              <a:off x="3669397" y="3542857"/>
-              <a:ext cx="6585016" cy="4496874"/>
+              <a:off x="4660654" y="7628290"/>
+              <a:ext cx="4455848" cy="680524"/>
             </a:xfrm>
             <a:prstGeom prst="rect">
               <a:avLst/>
@@ -9251,45 +8882,30 @@
           </p:spPr>
         </p:pic>
       </p:grpSp>
-      <p:grpSp>
-        <p:nvGrpSpPr>
-          <p:cNvPr id="1007" name="그룹 1007"/>
-          <p:cNvGrpSpPr/>
-          <p:nvPr/>
-        </p:nvGrpSpPr>
-        <p:grpSpPr>
-          <a:xfrm>
-            <a:off x="4386986" y="7686103"/>
-            <a:ext cx="5286479" cy="672757"/>
-            <a:chOff x="4386986" y="7686103"/>
-            <a:chExt cx="5286479" cy="672757"/>
-          </a:xfrm>
-        </p:grpSpPr>
-        <p:pic>
-          <p:nvPicPr>
-            <p:cNvPr id="26" name="Object 25"/>
-            <p:cNvPicPr>
-              <a:picLocks noChangeAspect="1"/>
-            </p:cNvPicPr>
-            <p:nvPr/>
-          </p:nvPicPr>
-          <p:blipFill>
-            <a:blip r:embed="rId13" cstate="print"/>
-            <a:stretch>
-              <a:fillRect/>
-            </a:stretch>
-          </p:blipFill>
-          <p:spPr>
-            <a:xfrm>
-              <a:off x="4386986" y="7686103"/>
-              <a:ext cx="5286479" cy="672757"/>
-            </a:xfrm>
-            <a:prstGeom prst="rect">
-              <a:avLst/>
-            </a:prstGeom>
-          </p:spPr>
-        </p:pic>
-      </p:grpSp>
+      <p:pic>
+        <p:nvPicPr>
+          <p:cNvPr id="27" name="Object 26"/>
+          <p:cNvPicPr>
+            <a:picLocks noChangeAspect="1"/>
+          </p:cNvPicPr>
+          <p:nvPr/>
+        </p:nvPicPr>
+        <p:blipFill>
+          <a:blip r:embed="rId13" cstate="print"/>
+          <a:stretch>
+            <a:fillRect/>
+          </a:stretch>
+        </p:blipFill>
+        <p:spPr>
+          <a:xfrm>
+            <a:off x="12106275" y="4958922"/>
+            <a:ext cx="4560562" cy="680524"/>
+          </a:xfrm>
+          <a:prstGeom prst="rect">
+            <a:avLst/>
+          </a:prstGeom>
+        </p:spPr>
+      </p:pic>
       <p:pic>
         <p:nvPicPr>
           <p:cNvPr id="28" name="Object 27"/>
@@ -9306,8 +8922,8 @@
         </p:blipFill>
         <p:spPr>
           <a:xfrm>
-            <a:off x="5001616" y="7750303"/>
-            <a:ext cx="4175200" cy="677352"/>
+            <a:off x="3790914" y="3195775"/>
+            <a:ext cx="6679200" cy="1945476"/>
           </a:xfrm>
           <a:prstGeom prst="rect">
             <a:avLst/>
@@ -9322,10 +8938,10 @@
         </p:nvGrpSpPr>
         <p:grpSpPr>
           <a:xfrm>
-            <a:off x="11056552" y="3542857"/>
-            <a:ext cx="6721657" cy="4496874"/>
-            <a:chOff x="11056552" y="3542857"/>
-            <a:chExt cx="6721657" cy="4496874"/>
+            <a:off x="8036840" y="5619992"/>
+            <a:ext cx="5246665" cy="21429"/>
+            <a:chOff x="8036840" y="5619992"/>
+            <a:chExt cx="5246665" cy="21429"/>
           </a:xfrm>
         </p:grpSpPr>
         <p:pic>
@@ -9343,9 +8959,9 @@
             </a:stretch>
           </p:blipFill>
           <p:spPr>
-            <a:xfrm>
-              <a:off x="11056552" y="3542857"/>
-              <a:ext cx="6721657" cy="4496874"/>
+            <a:xfrm rot="5400000">
+              <a:off x="8036840" y="5619992"/>
+              <a:ext cx="5246665" cy="21429"/>
             </a:xfrm>
             <a:prstGeom prst="rect">
               <a:avLst/>
@@ -9361,10 +8977,10 @@
         </p:nvGrpSpPr>
         <p:grpSpPr>
           <a:xfrm>
-            <a:off x="11774141" y="7686103"/>
-            <a:ext cx="5286479" cy="672757"/>
-            <a:chOff x="11774141" y="7686103"/>
-            <a:chExt cx="5286479" cy="672757"/>
+            <a:off x="3895238" y="2832114"/>
+            <a:ext cx="13470054" cy="14286"/>
+            <a:chOff x="3895238" y="2832114"/>
+            <a:chExt cx="13470054" cy="14286"/>
           </a:xfrm>
         </p:grpSpPr>
         <p:pic>
@@ -9383,8 +8999,8 @@
           </p:blipFill>
           <p:spPr>
             <a:xfrm>
-              <a:off x="11774141" y="7686103"/>
-              <a:ext cx="5286479" cy="672757"/>
+              <a:off x="3895238" y="2832114"/>
+              <a:ext cx="13470054" cy="14286"/>
             </a:xfrm>
             <a:prstGeom prst="rect">
               <a:avLst/>
@@ -9392,24 +9008,306 @@
           </p:spPr>
         </p:pic>
       </p:grpSp>
-      <p:pic>
-        <p:nvPicPr>
-          <p:cNvPr id="35" name="Object 34"/>
-          <p:cNvPicPr>
-            <a:picLocks noChangeAspect="1"/>
-          </p:cNvPicPr>
-          <p:nvPr/>
-        </p:nvPicPr>
-        <p:blipFill>
-          <a:blip r:embed="rId17" cstate="print"/>
-          <a:stretch>
-            <a:fillRect/>
-          </a:stretch>
-        </p:blipFill>
-        <p:spPr>
-          <a:xfrm>
-            <a:off x="12157293" y="7759827"/>
-            <a:ext cx="4282333" cy="677352"/>
+      <p:grpSp>
+        <p:nvGrpSpPr>
+          <p:cNvPr id="1010" name="그룹 1010"/>
+          <p:cNvGrpSpPr/>
+          <p:nvPr/>
+        </p:nvGrpSpPr>
+        <p:grpSpPr>
+          <a:xfrm>
+            <a:off x="3857143" y="5060998"/>
+            <a:ext cx="6560334" cy="1682395"/>
+            <a:chOff x="3857143" y="5060998"/>
+            <a:chExt cx="6560334" cy="1682395"/>
+          </a:xfrm>
+        </p:grpSpPr>
+        <p:pic>
+          <p:nvPicPr>
+            <p:cNvPr id="36" name="Object 35"/>
+            <p:cNvPicPr>
+              <a:picLocks noChangeAspect="1"/>
+            </p:cNvPicPr>
+            <p:nvPr/>
+          </p:nvPicPr>
+          <p:blipFill>
+            <a:blip r:embed="rId17" cstate="print"/>
+            <a:stretch>
+              <a:fillRect/>
+            </a:stretch>
+          </p:blipFill>
+          <p:spPr>
+            <a:xfrm>
+              <a:off x="3857143" y="5060998"/>
+              <a:ext cx="6560334" cy="1682395"/>
+            </a:xfrm>
+            <a:prstGeom prst="rect">
+              <a:avLst/>
+            </a:prstGeom>
+          </p:spPr>
+        </p:pic>
+      </p:grpSp>
+      <p:grpSp>
+        <p:nvGrpSpPr>
+          <p:cNvPr id="1011" name="그룹 1011"/>
+          <p:cNvGrpSpPr/>
+          <p:nvPr/>
+        </p:nvGrpSpPr>
+        <p:grpSpPr>
+          <a:xfrm>
+            <a:off x="10846138" y="3007444"/>
+            <a:ext cx="2272235" cy="4440141"/>
+            <a:chOff x="10846138" y="3007444"/>
+            <a:chExt cx="2272235" cy="4440141"/>
+          </a:xfrm>
+        </p:grpSpPr>
+        <p:pic>
+          <p:nvPicPr>
+            <p:cNvPr id="39" name="Object 38"/>
+            <p:cNvPicPr>
+              <a:picLocks noChangeAspect="1"/>
+            </p:cNvPicPr>
+            <p:nvPr/>
+          </p:nvPicPr>
+          <p:blipFill>
+            <a:blip r:embed="rId18" cstate="print"/>
+            <a:stretch>
+              <a:fillRect/>
+            </a:stretch>
+          </p:blipFill>
+          <p:spPr>
+            <a:xfrm>
+              <a:off x="10846138" y="3007444"/>
+              <a:ext cx="2272235" cy="4440141"/>
+            </a:xfrm>
+            <a:prstGeom prst="rect">
+              <a:avLst/>
+            </a:prstGeom>
+          </p:spPr>
+        </p:pic>
+      </p:grpSp>
+      <p:grpSp>
+        <p:nvGrpSpPr>
+          <p:cNvPr id="1012" name="그룹 1012"/>
+          <p:cNvGrpSpPr/>
+          <p:nvPr/>
+        </p:nvGrpSpPr>
+        <p:grpSpPr>
+          <a:xfrm>
+            <a:off x="13319768" y="5416655"/>
+            <a:ext cx="4721194" cy="1972950"/>
+            <a:chOff x="13319768" y="5416655"/>
+            <a:chExt cx="4721194" cy="1972950"/>
+          </a:xfrm>
+        </p:grpSpPr>
+        <p:pic>
+          <p:nvPicPr>
+            <p:cNvPr id="42" name="Object 41"/>
+            <p:cNvPicPr>
+              <a:picLocks noChangeAspect="1"/>
+            </p:cNvPicPr>
+            <p:nvPr/>
+          </p:nvPicPr>
+          <p:blipFill>
+            <a:blip r:embed="rId19" cstate="print"/>
+            <a:stretch>
+              <a:fillRect/>
+            </a:stretch>
+          </p:blipFill>
+          <p:spPr>
+            <a:xfrm>
+              <a:off x="13319768" y="5416655"/>
+              <a:ext cx="4721194" cy="1972950"/>
+            </a:xfrm>
+            <a:prstGeom prst="rect">
+              <a:avLst/>
+            </a:prstGeom>
+          </p:spPr>
+        </p:pic>
+      </p:grpSp>
+      <p:grpSp>
+        <p:nvGrpSpPr>
+          <p:cNvPr id="1013" name="그룹 1013"/>
+          <p:cNvGrpSpPr/>
+          <p:nvPr/>
+        </p:nvGrpSpPr>
+        <p:grpSpPr>
+          <a:xfrm>
+            <a:off x="4326528" y="8575913"/>
+            <a:ext cx="12687597" cy="973293"/>
+            <a:chOff x="4326528" y="8575913"/>
+            <a:chExt cx="12687597" cy="973293"/>
+          </a:xfrm>
+        </p:grpSpPr>
+        <p:pic>
+          <p:nvPicPr>
+            <p:cNvPr id="45" name="Object 44"/>
+            <p:cNvPicPr>
+              <a:picLocks noChangeAspect="1"/>
+            </p:cNvPicPr>
+            <p:nvPr/>
+          </p:nvPicPr>
+          <p:blipFill>
+            <a:blip r:embed="rId20" cstate="print"/>
+            <a:stretch>
+              <a:fillRect/>
+            </a:stretch>
+          </p:blipFill>
+          <p:spPr>
+            <a:xfrm>
+              <a:off x="4326528" y="8575913"/>
+              <a:ext cx="12687597" cy="973293"/>
+            </a:xfrm>
+            <a:prstGeom prst="rect">
+              <a:avLst/>
+            </a:prstGeom>
+          </p:spPr>
+        </p:pic>
+      </p:grpSp>
+      <p:pic>
+        <p:nvPicPr>
+          <p:cNvPr id="47" name="Object 46"/>
+          <p:cNvPicPr>
+            <a:picLocks noChangeAspect="1"/>
+          </p:cNvPicPr>
+          <p:nvPr/>
+        </p:nvPicPr>
+        <p:blipFill>
+          <a:blip r:embed="rId21" cstate="print"/>
+          <a:stretch>
+            <a:fillRect/>
+          </a:stretch>
+        </p:blipFill>
+        <p:spPr>
+          <a:xfrm>
+            <a:off x="3778656" y="2089782"/>
+            <a:ext cx="2981276" cy="896914"/>
+          </a:xfrm>
+          <a:prstGeom prst="rect">
+            <a:avLst/>
+          </a:prstGeom>
+        </p:spPr>
+      </p:pic>
+      <p:pic>
+        <p:nvPicPr>
+          <p:cNvPr id="48" name="Object 47"/>
+          <p:cNvPicPr>
+            <a:picLocks noChangeAspect="1"/>
+          </p:cNvPicPr>
+          <p:nvPr/>
+        </p:nvPicPr>
+        <p:blipFill>
+          <a:blip r:embed="rId22" cstate="print"/>
+          <a:stretch>
+            <a:fillRect/>
+          </a:stretch>
+        </p:blipFill>
+        <p:spPr>
+          <a:xfrm>
+            <a:off x="13253482" y="3192435"/>
+            <a:ext cx="4242819" cy="2307810"/>
+          </a:xfrm>
+          <a:prstGeom prst="rect">
+            <a:avLst/>
+          </a:prstGeom>
+        </p:spPr>
+      </p:pic>
+      <p:grpSp>
+        <p:nvGrpSpPr>
+          <p:cNvPr id="1014" name="그룹 1014"/>
+          <p:cNvGrpSpPr/>
+          <p:nvPr/>
+        </p:nvGrpSpPr>
+        <p:grpSpPr>
+          <a:xfrm>
+            <a:off x="11727647" y="7564089"/>
+            <a:ext cx="5286479" cy="672757"/>
+            <a:chOff x="11727647" y="7564089"/>
+            <a:chExt cx="5286479" cy="672757"/>
+          </a:xfrm>
+        </p:grpSpPr>
+        <p:grpSp>
+          <p:nvGrpSpPr>
+            <p:cNvPr id="1015" name="그룹 1015"/>
+            <p:cNvGrpSpPr/>
+            <p:nvPr/>
+          </p:nvGrpSpPr>
+          <p:grpSpPr>
+            <a:xfrm>
+              <a:off x="11727647" y="7564089"/>
+              <a:ext cx="5286479" cy="672757"/>
+              <a:chOff x="11727647" y="7564089"/>
+              <a:chExt cx="5286479" cy="672757"/>
+            </a:xfrm>
+          </p:grpSpPr>
+          <p:pic>
+            <p:nvPicPr>
+              <p:cNvPr id="51" name="Object 50"/>
+              <p:cNvPicPr>
+                <a:picLocks noChangeAspect="1"/>
+              </p:cNvPicPr>
+              <p:nvPr/>
+            </p:nvPicPr>
+            <p:blipFill>
+              <a:blip r:embed="rId23" cstate="print"/>
+              <a:stretch>
+                <a:fillRect/>
+              </a:stretch>
+            </p:blipFill>
+            <p:spPr>
+              <a:xfrm>
+                <a:off x="11727647" y="7564089"/>
+                <a:ext cx="5286479" cy="672757"/>
+              </a:xfrm>
+              <a:prstGeom prst="rect">
+                <a:avLst/>
+              </a:prstGeom>
+            </p:spPr>
+          </p:pic>
+        </p:grpSp>
+        <p:pic>
+          <p:nvPicPr>
+            <p:cNvPr id="53" name="Object 52"/>
+            <p:cNvPicPr>
+              <a:picLocks noChangeAspect="1"/>
+            </p:cNvPicPr>
+            <p:nvPr/>
+          </p:nvPicPr>
+          <p:blipFill>
+            <a:blip r:embed="rId24" cstate="print"/>
+            <a:stretch>
+              <a:fillRect/>
+            </a:stretch>
+          </p:blipFill>
+          <p:spPr>
+            <a:xfrm>
+              <a:off x="11583991" y="7628290"/>
+              <a:ext cx="4962048" cy="680524"/>
+            </a:xfrm>
+            <a:prstGeom prst="rect">
+              <a:avLst/>
+            </a:prstGeom>
+          </p:spPr>
+        </p:pic>
+      </p:grpSp>
+      <p:pic>
+        <p:nvPicPr>
+          <p:cNvPr id="55" name="Object 54"/>
+          <p:cNvPicPr>
+            <a:picLocks noChangeAspect="1"/>
+          </p:cNvPicPr>
+          <p:nvPr/>
+        </p:nvPicPr>
+        <p:blipFill>
+          <a:blip r:embed="rId25" cstate="print"/>
+          <a:stretch>
+            <a:fillRect/>
+          </a:stretch>
+        </p:blipFill>
+        <p:spPr>
+          <a:xfrm>
+            <a:off x="4439454" y="8742912"/>
+            <a:ext cx="11950400" cy="1325162"/>
           </a:xfrm>
           <a:prstGeom prst="rect">
             <a:avLst/>
@@ -9449,30 +9347,6 @@
           <a:chExt cx="0" cy="0"/>
         </a:xfrm>
       </p:grpSpPr>
-      <p:pic>
-        <p:nvPicPr>
-          <p:cNvPr id="2" name="Object 1"/>
-          <p:cNvPicPr>
-            <a:picLocks noChangeAspect="1"/>
-          </p:cNvPicPr>
-          <p:nvPr/>
-        </p:nvPicPr>
-        <p:blipFill>
-          <a:blip r:embed="rId2" cstate="print"/>
-          <a:stretch>
-            <a:fillRect/>
-          </a:stretch>
-        </p:blipFill>
-        <p:spPr>
-          <a:xfrm>
-            <a:off x="5269420" y="3013075"/>
-            <a:ext cx="5264524" cy="1106981"/>
-          </a:xfrm>
-          <a:prstGeom prst="rect">
-            <a:avLst/>
-          </a:prstGeom>
-        </p:spPr>
-      </p:pic>
       <p:grpSp>
         <p:nvGrpSpPr>
           <p:cNvPr id="1001" name="그룹 1001"/>
@@ -9481,30 +9355,30 @@
         </p:nvGrpSpPr>
         <p:grpSpPr>
           <a:xfrm>
-            <a:off x="0" y="-857143"/>
-            <a:ext cx="2893763" cy="11208791"/>
-            <a:chOff x="0" y="-857143"/>
-            <a:chExt cx="2893763" cy="11208791"/>
+            <a:off x="0" y="7280423"/>
+            <a:ext cx="18285714" cy="3005291"/>
+            <a:chOff x="0" y="7280423"/>
+            <a:chExt cx="18285714" cy="3005291"/>
           </a:xfrm>
         </p:grpSpPr>
         <p:pic>
           <p:nvPicPr>
-            <p:cNvPr id="4" name="Object 3"/>
+            <p:cNvPr id="3" name="Object 2"/>
             <p:cNvPicPr>
               <a:picLocks noChangeAspect="1"/>
             </p:cNvPicPr>
             <p:nvPr/>
           </p:nvPicPr>
           <p:blipFill>
-            <a:blip r:embed="rId3" cstate="print"/>
+            <a:blip r:embed="rId2" cstate="print"/>
             <a:stretch>
               <a:fillRect/>
             </a:stretch>
           </p:blipFill>
           <p:spPr>
             <a:xfrm>
-              <a:off x="0" y="-857143"/>
-              <a:ext cx="2893763" cy="11208791"/>
+              <a:off x="0" y="7280423"/>
+              <a:ext cx="18285714" cy="3005291"/>
             </a:xfrm>
             <a:prstGeom prst="rect">
               <a:avLst/>
@@ -9520,29 +9394,29 @@
         </p:nvGrpSpPr>
         <p:grpSpPr>
           <a:xfrm>
-            <a:off x="828585" y="818302"/>
+            <a:off x="828585" y="815795"/>
             <a:ext cx="428694" cy="21429"/>
-            <a:chOff x="828585" y="818302"/>
+            <a:chOff x="828585" y="815795"/>
             <a:chExt cx="428694" cy="21429"/>
           </a:xfrm>
         </p:grpSpPr>
         <p:pic>
           <p:nvPicPr>
-            <p:cNvPr id="7" name="Object 6"/>
+            <p:cNvPr id="6" name="Object 5"/>
             <p:cNvPicPr>
               <a:picLocks noChangeAspect="1"/>
             </p:cNvPicPr>
             <p:nvPr/>
           </p:nvPicPr>
           <p:blipFill>
-            <a:blip r:embed="rId4" cstate="print"/>
+            <a:blip r:embed="rId3" cstate="print"/>
             <a:stretch>
               <a:fillRect/>
             </a:stretch>
           </p:blipFill>
           <p:spPr>
             <a:xfrm>
-              <a:off x="828585" y="818302"/>
+              <a:off x="828585" y="815795"/>
               <a:ext cx="428694" cy="21429"/>
             </a:xfrm>
             <a:prstGeom prst="rect">
@@ -9551,30 +9425,6 @@
           </p:spPr>
         </p:pic>
       </p:grpSp>
-      <p:pic>
-        <p:nvPicPr>
-          <p:cNvPr id="9" name="Object 8"/>
-          <p:cNvPicPr>
-            <a:picLocks noChangeAspect="1"/>
-          </p:cNvPicPr>
-          <p:nvPr/>
-        </p:nvPicPr>
-        <p:blipFill>
-          <a:blip r:embed="rId5" cstate="print"/>
-          <a:stretch>
-            <a:fillRect/>
-          </a:stretch>
-        </p:blipFill>
-        <p:spPr>
-          <a:xfrm>
-            <a:off x="757409" y="1372775"/>
-            <a:ext cx="1405124" cy="486010"/>
-          </a:xfrm>
-          <a:prstGeom prst="rect">
-            <a:avLst/>
-          </a:prstGeom>
-        </p:spPr>
-      </p:pic>
       <p:grpSp>
         <p:nvGrpSpPr>
           <p:cNvPr id="1003" name="그룹 1003"/>
@@ -9583,10 +9433,10 @@
         </p:nvGrpSpPr>
         <p:grpSpPr>
           <a:xfrm>
-            <a:off x="3990476" y="832954"/>
-            <a:ext cx="336052" cy="201010"/>
-            <a:chOff x="3990476" y="832954"/>
-            <a:chExt cx="336052" cy="201010"/>
+            <a:off x="489348" y="3174491"/>
+            <a:ext cx="3971775" cy="7111223"/>
+            <a:chOff x="489348" y="3174491"/>
+            <a:chExt cx="3971775" cy="7111223"/>
           </a:xfrm>
         </p:grpSpPr>
         <p:grpSp>
@@ -9597,30 +9447,54 @@
           </p:nvGrpSpPr>
           <p:grpSpPr>
             <a:xfrm>
-              <a:off x="4125518" y="832954"/>
-              <a:ext cx="201010" cy="201010"/>
-              <a:chOff x="4125518" y="832954"/>
-              <a:chExt cx="201010" cy="201010"/>
+              <a:off x="489348" y="3174491"/>
+              <a:ext cx="3971775" cy="7111223"/>
+              <a:chOff x="489348" y="3174491"/>
+              <a:chExt cx="3971775" cy="7111223"/>
             </a:xfrm>
           </p:grpSpPr>
           <p:pic>
             <p:nvPicPr>
-              <p:cNvPr id="12" name="Object 11"/>
+              <p:cNvPr id="10" name="Object 9"/>
               <p:cNvPicPr>
                 <a:picLocks noChangeAspect="1"/>
               </p:cNvPicPr>
               <p:nvPr/>
             </p:nvPicPr>
             <p:blipFill>
-              <a:blip r:embed="rId6" cstate="print"/>
+              <a:blip r:embed="rId4" cstate="print"/>
               <a:stretch>
                 <a:fillRect/>
               </a:stretch>
             </p:blipFill>
             <p:spPr>
               <a:xfrm>
-                <a:off x="4125518" y="832954"/>
-                <a:ext cx="201010" cy="201010"/>
+                <a:off x="-1345314" y="-229895"/>
+                <a:ext cx="7943550" cy="14222446"/>
+              </a:xfrm>
+              <a:prstGeom prst="rect">
+                <a:avLst/>
+              </a:prstGeom>
+            </p:spPr>
+          </p:pic>
+          <p:pic>
+            <p:nvPicPr>
+              <p:cNvPr id="11" name="Object 10"/>
+              <p:cNvPicPr>
+                <a:picLocks noChangeAspect="1"/>
+              </p:cNvPicPr>
+              <p:nvPr/>
+            </p:nvPicPr>
+            <p:blipFill>
+              <a:blip r:embed="rId5" cstate="print"/>
+              <a:stretch>
+                <a:fillRect/>
+              </a:stretch>
+            </p:blipFill>
+            <p:spPr>
+              <a:xfrm>
+                <a:off x="489348" y="3174491"/>
+                <a:ext cx="3971775" cy="7111223"/>
               </a:xfrm>
               <a:prstGeom prst="rect">
                 <a:avLst/>
@@ -9636,15 +9510,54 @@
           </p:nvGrpSpPr>
           <p:grpSpPr>
             <a:xfrm>
-              <a:off x="3990476" y="832954"/>
-              <a:ext cx="201010" cy="201010"/>
-              <a:chOff x="3990476" y="832954"/>
-              <a:chExt cx="201010" cy="201010"/>
+              <a:off x="1113507" y="4193068"/>
+              <a:ext cx="2777175" cy="161876"/>
+              <a:chOff x="1113507" y="4193068"/>
+              <a:chExt cx="2777175" cy="161876"/>
             </a:xfrm>
           </p:grpSpPr>
+          <p:grpSp>
+            <p:nvGrpSpPr>
+              <p:cNvPr id="1006" name="그룹 1006"/>
+              <p:cNvGrpSpPr/>
+              <p:nvPr/>
+            </p:nvGrpSpPr>
+            <p:grpSpPr>
+              <a:xfrm>
+                <a:off x="3709729" y="4222015"/>
+                <a:ext cx="178737" cy="95837"/>
+                <a:chOff x="3709729" y="4222015"/>
+                <a:chExt cx="178737" cy="95837"/>
+              </a:xfrm>
+            </p:grpSpPr>
+            <p:pic>
+              <p:nvPicPr>
+                <p:cNvPr id="15" name="Object 14"/>
+                <p:cNvPicPr>
+                  <a:picLocks noChangeAspect="1"/>
+                </p:cNvPicPr>
+                <p:nvPr/>
+              </p:nvPicPr>
+              <p:blipFill>
+                <a:blip r:embed="rId6" cstate="print"/>
+                <a:stretch>
+                  <a:fillRect/>
+                </a:stretch>
+              </p:blipFill>
+              <p:spPr>
+                <a:xfrm>
+                  <a:off x="3709729" y="4222015"/>
+                  <a:ext cx="178737" cy="95837"/>
+                </a:xfrm>
+                <a:prstGeom prst="rect">
+                  <a:avLst/>
+                </a:prstGeom>
+              </p:spPr>
+            </p:pic>
+          </p:grpSp>
           <p:pic>
             <p:nvPicPr>
-              <p:cNvPr id="15" name="Object 14"/>
+              <p:cNvPr id="17" name="Object 16"/>
               <p:cNvPicPr>
                 <a:picLocks noChangeAspect="1"/>
               </p:cNvPicPr>
@@ -9658,7 +9571,289 @@
             </p:blipFill>
             <p:spPr>
               <a:xfrm>
-                <a:off x="3990476" y="832954"/>
+                <a:off x="3414817" y="4158268"/>
+                <a:ext cx="367476" cy="463505"/>
+              </a:xfrm>
+              <a:prstGeom prst="rect">
+                <a:avLst/>
+              </a:prstGeom>
+            </p:spPr>
+          </p:pic>
+          <p:grpSp>
+            <p:nvGrpSpPr>
+              <p:cNvPr id="1007" name="그룹 1007"/>
+              <p:cNvGrpSpPr/>
+              <p:nvPr/>
+            </p:nvGrpSpPr>
+            <p:grpSpPr>
+              <a:xfrm>
+                <a:off x="3290060" y="4222533"/>
+                <a:ext cx="118956" cy="93774"/>
+                <a:chOff x="3290060" y="4222533"/>
+                <a:chExt cx="118956" cy="93774"/>
+              </a:xfrm>
+            </p:grpSpPr>
+            <p:pic>
+              <p:nvPicPr>
+                <p:cNvPr id="19" name="Object 18"/>
+                <p:cNvPicPr>
+                  <a:picLocks noChangeAspect="1"/>
+                </p:cNvPicPr>
+                <p:nvPr/>
+              </p:nvPicPr>
+              <p:blipFill>
+                <a:blip r:embed="rId8" cstate="print"/>
+                <a:stretch>
+                  <a:fillRect/>
+                </a:stretch>
+              </p:blipFill>
+              <p:spPr>
+                <a:xfrm>
+                  <a:off x="3290060" y="4222533"/>
+                  <a:ext cx="118956" cy="93774"/>
+                </a:xfrm>
+                <a:prstGeom prst="rect">
+                  <a:avLst/>
+                </a:prstGeom>
+              </p:spPr>
+            </p:pic>
+          </p:grpSp>
+          <p:pic>
+            <p:nvPicPr>
+              <p:cNvPr id="21" name="Object 20"/>
+              <p:cNvPicPr>
+                <a:picLocks noChangeAspect="1"/>
+              </p:cNvPicPr>
+              <p:nvPr/>
+            </p:nvPicPr>
+            <p:blipFill>
+              <a:blip r:embed="rId9" cstate="print"/>
+              <a:stretch>
+                <a:fillRect/>
+              </a:stretch>
+            </p:blipFill>
+            <p:spPr>
+              <a:xfrm>
+                <a:off x="1069183" y="4130287"/>
+                <a:ext cx="432714" cy="318381"/>
+              </a:xfrm>
+              <a:prstGeom prst="rect">
+                <a:avLst/>
+              </a:prstGeom>
+            </p:spPr>
+          </p:pic>
+          <p:grpSp>
+            <p:nvGrpSpPr>
+              <p:cNvPr id="1008" name="그룹 1008"/>
+              <p:cNvGrpSpPr/>
+              <p:nvPr/>
+            </p:nvGrpSpPr>
+            <p:grpSpPr>
+              <a:xfrm>
+                <a:off x="1387304" y="4199001"/>
+                <a:ext cx="155943" cy="155943"/>
+                <a:chOff x="1387304" y="4199001"/>
+                <a:chExt cx="155943" cy="155943"/>
+              </a:xfrm>
+            </p:grpSpPr>
+            <p:pic>
+              <p:nvPicPr>
+                <p:cNvPr id="23" name="Object 22"/>
+                <p:cNvPicPr>
+                  <a:picLocks noChangeAspect="1"/>
+                </p:cNvPicPr>
+                <p:nvPr/>
+              </p:nvPicPr>
+              <p:blipFill>
+                <a:blip r:embed="rId10" cstate="print"/>
+                <a:stretch>
+                  <a:fillRect/>
+                </a:stretch>
+              </p:blipFill>
+              <p:spPr>
+                <a:xfrm>
+                  <a:off x="1387304" y="4199001"/>
+                  <a:ext cx="155943" cy="155943"/>
+                </a:xfrm>
+                <a:prstGeom prst="rect">
+                  <a:avLst/>
+                </a:prstGeom>
+              </p:spPr>
+            </p:pic>
+          </p:grpSp>
+        </p:grpSp>
+      </p:grpSp>
+      <p:pic>
+        <p:nvPicPr>
+          <p:cNvPr id="27" name="Object 26"/>
+          <p:cNvPicPr>
+            <a:picLocks noChangeAspect="1"/>
+          </p:cNvPicPr>
+          <p:nvPr/>
+        </p:nvPicPr>
+        <p:blipFill>
+          <a:blip r:embed="rId11" cstate="print"/>
+          <a:stretch>
+            <a:fillRect/>
+          </a:stretch>
+        </p:blipFill>
+        <p:spPr>
+          <a:xfrm>
+            <a:off x="1182333" y="6328600"/>
+            <a:ext cx="2552867" cy="856733"/>
+          </a:xfrm>
+          <a:prstGeom prst="rect">
+            <a:avLst/>
+          </a:prstGeom>
+        </p:spPr>
+      </p:pic>
+      <p:grpSp>
+        <p:nvGrpSpPr>
+          <p:cNvPr id="1009" name="그룹 1009"/>
+          <p:cNvGrpSpPr/>
+          <p:nvPr/>
+        </p:nvGrpSpPr>
+        <p:grpSpPr>
+          <a:xfrm>
+            <a:off x="253645" y="8080892"/>
+            <a:ext cx="4439560" cy="1970805"/>
+            <a:chOff x="253645" y="8080892"/>
+            <a:chExt cx="4439560" cy="1970805"/>
+          </a:xfrm>
+        </p:grpSpPr>
+        <p:pic>
+          <p:nvPicPr>
+            <p:cNvPr id="29" name="Object 28"/>
+            <p:cNvPicPr>
+              <a:picLocks noChangeAspect="1"/>
+            </p:cNvPicPr>
+            <p:nvPr/>
+          </p:nvPicPr>
+          <p:blipFill>
+            <a:blip r:embed="rId12" cstate="print"/>
+            <a:stretch>
+              <a:fillRect/>
+            </a:stretch>
+          </p:blipFill>
+          <p:spPr>
+            <a:xfrm>
+              <a:off x="253645" y="8080892"/>
+              <a:ext cx="4439560" cy="1970805"/>
+            </a:xfrm>
+            <a:prstGeom prst="rect">
+              <a:avLst/>
+            </a:prstGeom>
+          </p:spPr>
+        </p:pic>
+      </p:grpSp>
+      <p:pic>
+        <p:nvPicPr>
+          <p:cNvPr id="31" name="Object 30"/>
+          <p:cNvPicPr>
+            <a:picLocks noChangeAspect="1"/>
+          </p:cNvPicPr>
+          <p:nvPr/>
+        </p:nvPicPr>
+        <p:blipFill>
+          <a:blip r:embed="rId13" cstate="print"/>
+          <a:stretch>
+            <a:fillRect/>
+          </a:stretch>
+        </p:blipFill>
+        <p:spPr>
+          <a:xfrm>
+            <a:off x="4330560" y="958352"/>
+            <a:ext cx="9587543" cy="1340467"/>
+          </a:xfrm>
+          <a:prstGeom prst="rect">
+            <a:avLst/>
+          </a:prstGeom>
+        </p:spPr>
+      </p:pic>
+      <p:grpSp>
+        <p:nvGrpSpPr>
+          <p:cNvPr id="1010" name="그룹 1010"/>
+          <p:cNvGrpSpPr/>
+          <p:nvPr/>
+        </p:nvGrpSpPr>
+        <p:grpSpPr>
+          <a:xfrm>
+            <a:off x="8974831" y="538594"/>
+            <a:ext cx="336052" cy="201010"/>
+            <a:chOff x="8974831" y="538594"/>
+            <a:chExt cx="336052" cy="201010"/>
+          </a:xfrm>
+        </p:grpSpPr>
+        <p:grpSp>
+          <p:nvGrpSpPr>
+            <p:cNvPr id="1011" name="그룹 1011"/>
+            <p:cNvGrpSpPr/>
+            <p:nvPr/>
+          </p:nvGrpSpPr>
+          <p:grpSpPr>
+            <a:xfrm>
+              <a:off x="9109873" y="538594"/>
+              <a:ext cx="201010" cy="201010"/>
+              <a:chOff x="9109873" y="538594"/>
+              <a:chExt cx="201010" cy="201010"/>
+            </a:xfrm>
+          </p:grpSpPr>
+          <p:pic>
+            <p:nvPicPr>
+              <p:cNvPr id="34" name="Object 33"/>
+              <p:cNvPicPr>
+                <a:picLocks noChangeAspect="1"/>
+              </p:cNvPicPr>
+              <p:nvPr/>
+            </p:nvPicPr>
+            <p:blipFill>
+              <a:blip r:embed="rId14" cstate="print"/>
+              <a:stretch>
+                <a:fillRect/>
+              </a:stretch>
+            </p:blipFill>
+            <p:spPr>
+              <a:xfrm>
+                <a:off x="9109873" y="538594"/>
+                <a:ext cx="201010" cy="201010"/>
+              </a:xfrm>
+              <a:prstGeom prst="rect">
+                <a:avLst/>
+              </a:prstGeom>
+            </p:spPr>
+          </p:pic>
+        </p:grpSp>
+        <p:grpSp>
+          <p:nvGrpSpPr>
+            <p:cNvPr id="1012" name="그룹 1012"/>
+            <p:cNvGrpSpPr/>
+            <p:nvPr/>
+          </p:nvGrpSpPr>
+          <p:grpSpPr>
+            <a:xfrm>
+              <a:off x="8974831" y="538594"/>
+              <a:ext cx="201010" cy="201010"/>
+              <a:chOff x="8974831" y="538594"/>
+              <a:chExt cx="201010" cy="201010"/>
+            </a:xfrm>
+          </p:grpSpPr>
+          <p:pic>
+            <p:nvPicPr>
+              <p:cNvPr id="37" name="Object 36"/>
+              <p:cNvPicPr>
+                <a:picLocks noChangeAspect="1"/>
+              </p:cNvPicPr>
+              <p:nvPr/>
+            </p:nvPicPr>
+            <p:blipFill>
+              <a:blip r:embed="rId15" cstate="print"/>
+              <a:stretch>
+                <a:fillRect/>
+              </a:stretch>
+            </p:blipFill>
+            <p:spPr>
+              <a:xfrm>
+                <a:off x="8974831" y="538594"/>
                 <a:ext cx="201010" cy="201010"/>
               </a:xfrm>
               <a:prstGeom prst="rect">
@@ -9668,260 +9863,23 @@
           </p:pic>
         </p:grpSp>
       </p:grpSp>
-      <p:pic>
-        <p:nvPicPr>
-          <p:cNvPr id="18" name="Object 17"/>
-          <p:cNvPicPr>
-            <a:picLocks noChangeAspect="1"/>
-          </p:cNvPicPr>
-          <p:nvPr/>
-        </p:nvPicPr>
-        <p:blipFill>
-          <a:blip r:embed="rId8" cstate="print"/>
-          <a:stretch>
-            <a:fillRect/>
-          </a:stretch>
-        </p:blipFill>
-        <p:spPr>
-          <a:xfrm>
-            <a:off x="3767638" y="1034252"/>
-            <a:ext cx="5546333" cy="1902952"/>
-          </a:xfrm>
-          <a:prstGeom prst="rect">
-            <a:avLst/>
-          </a:prstGeom>
-        </p:spPr>
-      </p:pic>
-      <p:pic>
-        <p:nvPicPr>
-          <p:cNvPr id="19" name="Object 18"/>
-          <p:cNvPicPr>
-            <a:picLocks noChangeAspect="1"/>
-          </p:cNvPicPr>
-          <p:nvPr/>
-        </p:nvPicPr>
-        <p:blipFill>
-          <a:blip r:embed="rId9" cstate="print"/>
-          <a:stretch>
-            <a:fillRect/>
-          </a:stretch>
-        </p:blipFill>
-        <p:spPr>
-          <a:xfrm>
-            <a:off x="3961895" y="2254696"/>
-            <a:ext cx="4245876" cy="1012781"/>
-          </a:xfrm>
-          <a:prstGeom prst="rect">
-            <a:avLst/>
-          </a:prstGeom>
-        </p:spPr>
-      </p:pic>
-      <p:pic>
-        <p:nvPicPr>
-          <p:cNvPr id="20" name="Object 19"/>
-          <p:cNvPicPr>
-            <a:picLocks noChangeAspect="1"/>
-          </p:cNvPicPr>
-          <p:nvPr/>
-        </p:nvPicPr>
-        <p:blipFill>
-          <a:blip r:embed="rId10" cstate="print"/>
-          <a:stretch>
-            <a:fillRect/>
-          </a:stretch>
-        </p:blipFill>
-        <p:spPr>
-          <a:xfrm>
-            <a:off x="401543" y="7457884"/>
-            <a:ext cx="3108819" cy="3621057"/>
-          </a:xfrm>
-          <a:prstGeom prst="rect">
-            <a:avLst/>
-          </a:prstGeom>
-        </p:spPr>
-      </p:pic>
-      <p:pic>
-        <p:nvPicPr>
-          <p:cNvPr id="21" name="Object 20"/>
-          <p:cNvPicPr>
-            <a:picLocks noChangeAspect="1"/>
-          </p:cNvPicPr>
-          <p:nvPr/>
-        </p:nvPicPr>
-        <p:blipFill>
-          <a:blip r:embed="rId11" cstate="print"/>
-          <a:stretch>
-            <a:fillRect/>
-          </a:stretch>
-        </p:blipFill>
-        <p:spPr>
-          <a:xfrm>
-            <a:off x="774756" y="859711"/>
-            <a:ext cx="1533019" cy="1133181"/>
-          </a:xfrm>
-          <a:prstGeom prst="rect">
-            <a:avLst/>
-          </a:prstGeom>
-        </p:spPr>
-      </p:pic>
-      <p:pic>
-        <p:nvPicPr>
-          <p:cNvPr id="22" name="Object 21"/>
-          <p:cNvPicPr>
-            <a:picLocks noChangeAspect="1"/>
-          </p:cNvPicPr>
-          <p:nvPr/>
-        </p:nvPicPr>
-        <p:blipFill>
-          <a:blip r:embed="rId12" cstate="print"/>
-          <a:stretch>
-            <a:fillRect/>
-          </a:stretch>
-        </p:blipFill>
-        <p:spPr>
-          <a:xfrm>
-            <a:off x="15306405" y="654143"/>
-            <a:ext cx="2658667" cy="599467"/>
-          </a:xfrm>
-          <a:prstGeom prst="rect">
-            <a:avLst/>
-          </a:prstGeom>
-        </p:spPr>
-      </p:pic>
       <p:grpSp>
         <p:nvGrpSpPr>
-          <p:cNvPr id="1006" name="그룹 1006"/>
+          <p:cNvPr id="1013" name="그룹 1013"/>
           <p:cNvGrpSpPr/>
           <p:nvPr/>
         </p:nvGrpSpPr>
         <p:grpSpPr>
           <a:xfrm>
-            <a:off x="4187012" y="3109874"/>
-            <a:ext cx="12965430" cy="9529"/>
-            <a:chOff x="4187012" y="3109874"/>
-            <a:chExt cx="12965430" cy="9529"/>
+            <a:off x="1849916" y="4930396"/>
+            <a:ext cx="1250638" cy="1250638"/>
+            <a:chOff x="1849916" y="4930396"/>
+            <a:chExt cx="1250638" cy="1250638"/>
           </a:xfrm>
         </p:grpSpPr>
         <p:pic>
           <p:nvPicPr>
-            <p:cNvPr id="24" name="Object 23"/>
-            <p:cNvPicPr>
-              <a:picLocks noChangeAspect="1"/>
-            </p:cNvPicPr>
-            <p:nvPr/>
-          </p:nvPicPr>
-          <p:blipFill>
-            <a:blip r:embed="rId13" cstate="print"/>
-            <a:stretch>
-              <a:fillRect/>
-            </a:stretch>
-          </p:blipFill>
-          <p:spPr>
-            <a:xfrm>
-              <a:off x="4187012" y="3109874"/>
-              <a:ext cx="12965430" cy="9529"/>
-            </a:xfrm>
-            <a:prstGeom prst="rect">
-              <a:avLst/>
-            </a:prstGeom>
-          </p:spPr>
-        </p:pic>
-      </p:grpSp>
-      <p:grpSp>
-        <p:nvGrpSpPr>
-          <p:cNvPr id="1007" name="그룹 1007"/>
-          <p:cNvGrpSpPr/>
-          <p:nvPr/>
-        </p:nvGrpSpPr>
-        <p:grpSpPr>
-          <a:xfrm>
-            <a:off x="4194201" y="3880046"/>
-            <a:ext cx="12967734" cy="9529"/>
-            <a:chOff x="4194201" y="3880046"/>
-            <a:chExt cx="12967734" cy="9529"/>
-          </a:xfrm>
-        </p:grpSpPr>
-        <p:pic>
-          <p:nvPicPr>
-            <p:cNvPr id="27" name="Object 26"/>
-            <p:cNvPicPr>
-              <a:picLocks noChangeAspect="1"/>
-            </p:cNvPicPr>
-            <p:nvPr/>
-          </p:nvPicPr>
-          <p:blipFill>
-            <a:blip r:embed="rId14" cstate="print"/>
-            <a:stretch>
-              <a:fillRect/>
-            </a:stretch>
-          </p:blipFill>
-          <p:spPr>
-            <a:xfrm>
-              <a:off x="4194201" y="3880046"/>
-              <a:ext cx="12967734" cy="9529"/>
-            </a:xfrm>
-            <a:prstGeom prst="rect">
-              <a:avLst/>
-            </a:prstGeom>
-          </p:spPr>
-        </p:pic>
-      </p:grpSp>
-      <p:grpSp>
-        <p:nvGrpSpPr>
-          <p:cNvPr id="1008" name="그룹 1008"/>
-          <p:cNvGrpSpPr/>
-          <p:nvPr/>
-        </p:nvGrpSpPr>
-        <p:grpSpPr>
-          <a:xfrm>
-            <a:off x="4228518" y="4635712"/>
-            <a:ext cx="12928678" cy="9529"/>
-            <a:chOff x="4228518" y="4635712"/>
-            <a:chExt cx="12928678" cy="9529"/>
-          </a:xfrm>
-        </p:grpSpPr>
-        <p:pic>
-          <p:nvPicPr>
-            <p:cNvPr id="30" name="Object 29"/>
-            <p:cNvPicPr>
-              <a:picLocks noChangeAspect="1"/>
-            </p:cNvPicPr>
-            <p:nvPr/>
-          </p:nvPicPr>
-          <p:blipFill>
-            <a:blip r:embed="rId15" cstate="print"/>
-            <a:stretch>
-              <a:fillRect/>
-            </a:stretch>
-          </p:blipFill>
-          <p:spPr>
-            <a:xfrm>
-              <a:off x="4228518" y="4635712"/>
-              <a:ext cx="12928678" cy="9529"/>
-            </a:xfrm>
-            <a:prstGeom prst="rect">
-              <a:avLst/>
-            </a:prstGeom>
-          </p:spPr>
-        </p:pic>
-      </p:grpSp>
-      <p:grpSp>
-        <p:nvGrpSpPr>
-          <p:cNvPr id="1009" name="그룹 1009"/>
-          <p:cNvGrpSpPr/>
-          <p:nvPr/>
-        </p:nvGrpSpPr>
-        <p:grpSpPr>
-          <a:xfrm>
-            <a:off x="4233235" y="5416664"/>
-            <a:ext cx="12938292" cy="9529"/>
-            <a:chOff x="4233235" y="5416664"/>
-            <a:chExt cx="12938292" cy="9529"/>
-          </a:xfrm>
-        </p:grpSpPr>
-        <p:pic>
-          <p:nvPicPr>
-            <p:cNvPr id="33" name="Object 32"/>
+            <p:cNvPr id="41" name="Object 40"/>
             <p:cNvPicPr>
               <a:picLocks noChangeAspect="1"/>
             </p:cNvPicPr>
@@ -9935,8 +9893,8 @@
           </p:blipFill>
           <p:spPr>
             <a:xfrm>
-              <a:off x="4233235" y="5416664"/>
-              <a:ext cx="12938292" cy="9529"/>
+              <a:off x="1849916" y="4930396"/>
+              <a:ext cx="1250638" cy="1250638"/>
             </a:xfrm>
             <a:prstGeom prst="rect">
               <a:avLst/>
@@ -9944,140 +9902,110 @@
           </p:spPr>
         </p:pic>
       </p:grpSp>
+      <p:pic>
+        <p:nvPicPr>
+          <p:cNvPr id="43" name="Object 42"/>
+          <p:cNvPicPr>
+            <a:picLocks noChangeAspect="1"/>
+          </p:cNvPicPr>
+          <p:nvPr/>
+        </p:nvPicPr>
+        <p:blipFill>
+          <a:blip r:embed="rId17" cstate="print"/>
+          <a:stretch>
+            <a:fillRect/>
+          </a:stretch>
+        </p:blipFill>
+        <p:spPr>
+          <a:xfrm>
+            <a:off x="1205251" y="2805706"/>
+            <a:ext cx="2446743" cy="972848"/>
+          </a:xfrm>
+          <a:prstGeom prst="rect">
+            <a:avLst/>
+          </a:prstGeom>
+        </p:spPr>
+      </p:pic>
+      <p:pic>
+        <p:nvPicPr>
+          <p:cNvPr id="44" name="Object 43"/>
+          <p:cNvPicPr>
+            <a:picLocks noChangeAspect="1"/>
+          </p:cNvPicPr>
+          <p:nvPr/>
+        </p:nvPicPr>
+        <p:blipFill>
+          <a:blip r:embed="rId18" cstate="print"/>
+          <a:stretch>
+            <a:fillRect/>
+          </a:stretch>
+        </p:blipFill>
+        <p:spPr>
+          <a:xfrm>
+            <a:off x="15306405" y="654143"/>
+            <a:ext cx="2658667" cy="599467"/>
+          </a:xfrm>
+          <a:prstGeom prst="rect">
+            <a:avLst/>
+          </a:prstGeom>
+        </p:spPr>
+      </p:pic>
       <p:grpSp>
         <p:nvGrpSpPr>
-          <p:cNvPr id="1010" name="그룹 1010"/>
+          <p:cNvPr id="1014" name="그룹 1014"/>
           <p:cNvGrpSpPr/>
           <p:nvPr/>
         </p:nvGrpSpPr>
         <p:grpSpPr>
           <a:xfrm>
-            <a:off x="4223227" y="6977969"/>
-            <a:ext cx="12948240" cy="9529"/>
-            <a:chOff x="4223227" y="6977969"/>
-            <a:chExt cx="12948240" cy="9529"/>
+            <a:off x="1507115" y="7351486"/>
+            <a:ext cx="1958219" cy="469352"/>
+            <a:chOff x="1507115" y="7351486"/>
+            <a:chExt cx="1958219" cy="469352"/>
           </a:xfrm>
         </p:grpSpPr>
+        <p:grpSp>
+          <p:nvGrpSpPr>
+            <p:cNvPr id="1015" name="그룹 1015"/>
+            <p:cNvGrpSpPr/>
+            <p:nvPr/>
+          </p:nvGrpSpPr>
+          <p:grpSpPr>
+            <a:xfrm>
+              <a:off x="1507115" y="7351486"/>
+              <a:ext cx="1958219" cy="469352"/>
+              <a:chOff x="1507115" y="7351486"/>
+              <a:chExt cx="1958219" cy="469352"/>
+            </a:xfrm>
+          </p:grpSpPr>
+          <p:pic>
+            <p:nvPicPr>
+              <p:cNvPr id="47" name="Object 46"/>
+              <p:cNvPicPr>
+                <a:picLocks noChangeAspect="1"/>
+              </p:cNvPicPr>
+              <p:nvPr/>
+            </p:nvPicPr>
+            <p:blipFill>
+              <a:blip r:embed="rId19" cstate="print"/>
+              <a:stretch>
+                <a:fillRect/>
+              </a:stretch>
+            </p:blipFill>
+            <p:spPr>
+              <a:xfrm>
+                <a:off x="1507115" y="7351486"/>
+                <a:ext cx="1958219" cy="469352"/>
+              </a:xfrm>
+              <a:prstGeom prst="rect">
+                <a:avLst/>
+              </a:prstGeom>
+            </p:spPr>
+          </p:pic>
+        </p:grpSp>
         <p:pic>
           <p:nvPicPr>
-            <p:cNvPr id="36" name="Object 35"/>
-            <p:cNvPicPr>
-              <a:picLocks noChangeAspect="1"/>
-            </p:cNvPicPr>
-            <p:nvPr/>
-          </p:nvPicPr>
-          <p:blipFill>
-            <a:blip r:embed="rId17" cstate="print"/>
-            <a:stretch>
-              <a:fillRect/>
-            </a:stretch>
-          </p:blipFill>
-          <p:spPr>
-            <a:xfrm>
-              <a:off x="4223227" y="6977969"/>
-              <a:ext cx="12948240" cy="9529"/>
-            </a:xfrm>
-            <a:prstGeom prst="rect">
-              <a:avLst/>
-            </a:prstGeom>
-          </p:spPr>
-        </p:pic>
-      </p:grpSp>
-      <p:grpSp>
-        <p:nvGrpSpPr>
-          <p:cNvPr id="1011" name="그룹 1011"/>
-          <p:cNvGrpSpPr/>
-          <p:nvPr/>
-        </p:nvGrpSpPr>
-        <p:grpSpPr>
-          <a:xfrm>
-            <a:off x="4230351" y="7764808"/>
-            <a:ext cx="12955435" cy="9529"/>
-            <a:chOff x="4230351" y="7764808"/>
-            <a:chExt cx="12955435" cy="9529"/>
-          </a:xfrm>
-        </p:grpSpPr>
-        <p:pic>
-          <p:nvPicPr>
-            <p:cNvPr id="39" name="Object 38"/>
-            <p:cNvPicPr>
-              <a:picLocks noChangeAspect="1"/>
-            </p:cNvPicPr>
-            <p:nvPr/>
-          </p:nvPicPr>
-          <p:blipFill>
-            <a:blip r:embed="rId18" cstate="print"/>
-            <a:stretch>
-              <a:fillRect/>
-            </a:stretch>
-          </p:blipFill>
-          <p:spPr>
-            <a:xfrm>
-              <a:off x="4230351" y="7764808"/>
-              <a:ext cx="12955435" cy="9529"/>
-            </a:xfrm>
-            <a:prstGeom prst="rect">
-              <a:avLst/>
-            </a:prstGeom>
-          </p:spPr>
-        </p:pic>
-      </p:grpSp>
-      <p:grpSp>
-        <p:nvGrpSpPr>
-          <p:cNvPr id="1012" name="그룹 1012"/>
-          <p:cNvGrpSpPr/>
-          <p:nvPr/>
-        </p:nvGrpSpPr>
-        <p:grpSpPr>
-          <a:xfrm>
-            <a:off x="4230842" y="8519874"/>
-            <a:ext cx="12959675" cy="9529"/>
-            <a:chOff x="4230842" y="8519874"/>
-            <a:chExt cx="12959675" cy="9529"/>
-          </a:xfrm>
-        </p:grpSpPr>
-        <p:pic>
-          <p:nvPicPr>
-            <p:cNvPr id="42" name="Object 41"/>
-            <p:cNvPicPr>
-              <a:picLocks noChangeAspect="1"/>
-            </p:cNvPicPr>
-            <p:nvPr/>
-          </p:nvPicPr>
-          <p:blipFill>
-            <a:blip r:embed="rId19" cstate="print"/>
-            <a:stretch>
-              <a:fillRect/>
-            </a:stretch>
-          </p:blipFill>
-          <p:spPr>
-            <a:xfrm>
-              <a:off x="4230842" y="8519874"/>
-              <a:ext cx="12959675" cy="9529"/>
-            </a:xfrm>
-            <a:prstGeom prst="rect">
-              <a:avLst/>
-            </a:prstGeom>
-          </p:spPr>
-        </p:pic>
-      </p:grpSp>
-      <p:grpSp>
-        <p:nvGrpSpPr>
-          <p:cNvPr id="1013" name="그룹 1013"/>
-          <p:cNvGrpSpPr/>
-          <p:nvPr/>
-        </p:nvGrpSpPr>
-        <p:grpSpPr>
-          <a:xfrm>
-            <a:off x="4257024" y="9304331"/>
-            <a:ext cx="12933517" cy="9529"/>
-            <a:chOff x="4257024" y="9304331"/>
-            <a:chExt cx="12933517" cy="9529"/>
-          </a:xfrm>
-        </p:grpSpPr>
-        <p:pic>
-          <p:nvPicPr>
-            <p:cNvPr id="45" name="Object 44"/>
+            <p:cNvPr id="49" name="Object 48"/>
             <p:cNvPicPr>
               <a:picLocks noChangeAspect="1"/>
             </p:cNvPicPr>
@@ -10091,8 +10019,674 @@
           </p:blipFill>
           <p:spPr>
             <a:xfrm>
-              <a:off x="4257024" y="9304331"/>
-              <a:ext cx="12933517" cy="9529"/>
+              <a:off x="1339542" y="7346842"/>
+              <a:ext cx="2047410" cy="558800"/>
+            </a:xfrm>
+            <a:prstGeom prst="rect">
+              <a:avLst/>
+            </a:prstGeom>
+          </p:spPr>
+        </p:pic>
+        <p:grpSp>
+          <p:nvGrpSpPr>
+            <p:cNvPr id="1016" name="그룹 1016"/>
+            <p:cNvGrpSpPr/>
+            <p:nvPr/>
+          </p:nvGrpSpPr>
+          <p:grpSpPr>
+            <a:xfrm>
+              <a:off x="1507115" y="7351486"/>
+              <a:ext cx="1958219" cy="469352"/>
+              <a:chOff x="1507115" y="7351486"/>
+              <a:chExt cx="1958219" cy="469352"/>
+            </a:xfrm>
+          </p:grpSpPr>
+          <p:pic>
+            <p:nvPicPr>
+              <p:cNvPr id="51" name="Object 50"/>
+              <p:cNvPicPr>
+                <a:picLocks noChangeAspect="1"/>
+              </p:cNvPicPr>
+              <p:nvPr/>
+            </p:nvPicPr>
+            <p:blipFill>
+              <a:blip r:embed="rId21" cstate="print"/>
+              <a:stretch>
+                <a:fillRect/>
+              </a:stretch>
+            </p:blipFill>
+            <p:spPr>
+              <a:xfrm>
+                <a:off x="1507115" y="7351486"/>
+                <a:ext cx="1958219" cy="469352"/>
+              </a:xfrm>
+              <a:prstGeom prst="rect">
+                <a:avLst/>
+              </a:prstGeom>
+            </p:spPr>
+          </p:pic>
+        </p:grpSp>
+        <p:pic>
+          <p:nvPicPr>
+            <p:cNvPr id="53" name="Object 52"/>
+            <p:cNvPicPr>
+              <a:picLocks noChangeAspect="1"/>
+            </p:cNvPicPr>
+            <p:nvPr/>
+          </p:nvPicPr>
+          <p:blipFill>
+            <a:blip r:embed="rId22" cstate="print"/>
+            <a:stretch>
+              <a:fillRect/>
+            </a:stretch>
+          </p:blipFill>
+          <p:spPr>
+            <a:xfrm>
+              <a:off x="1339542" y="7346842"/>
+              <a:ext cx="2047410" cy="558800"/>
+            </a:xfrm>
+            <a:prstGeom prst="rect">
+              <a:avLst/>
+            </a:prstGeom>
+          </p:spPr>
+        </p:pic>
+      </p:grpSp>
+      <p:pic>
+        <p:nvPicPr>
+          <p:cNvPr id="55" name="Object 54"/>
+          <p:cNvPicPr>
+            <a:picLocks noChangeAspect="1"/>
+          </p:cNvPicPr>
+          <p:nvPr/>
+        </p:nvPicPr>
+        <p:blipFill>
+          <a:blip r:embed="rId23" cstate="print"/>
+          <a:stretch>
+            <a:fillRect/>
+          </a:stretch>
+        </p:blipFill>
+        <p:spPr>
+          <a:xfrm>
+            <a:off x="765232" y="1333951"/>
+            <a:ext cx="1735333" cy="486010"/>
+          </a:xfrm>
+          <a:prstGeom prst="rect">
+            <a:avLst/>
+          </a:prstGeom>
+        </p:spPr>
+      </p:pic>
+      <p:pic>
+        <p:nvPicPr>
+          <p:cNvPr id="56" name="Object 55"/>
+          <p:cNvPicPr>
+            <a:picLocks noChangeAspect="1"/>
+          </p:cNvPicPr>
+          <p:nvPr/>
+        </p:nvPicPr>
+        <p:blipFill>
+          <a:blip r:embed="rId24" cstate="print"/>
+          <a:stretch>
+            <a:fillRect/>
+          </a:stretch>
+        </p:blipFill>
+        <p:spPr>
+          <a:xfrm>
+            <a:off x="757174" y="859713"/>
+            <a:ext cx="1533019" cy="1133181"/>
+          </a:xfrm>
+          <a:prstGeom prst="rect">
+            <a:avLst/>
+          </a:prstGeom>
+        </p:spPr>
+      </p:pic>
+      <p:grpSp>
+        <p:nvGrpSpPr>
+          <p:cNvPr id="1017" name="그룹 1017"/>
+          <p:cNvGrpSpPr/>
+          <p:nvPr/>
+        </p:nvGrpSpPr>
+        <p:grpSpPr>
+          <a:xfrm>
+            <a:off x="13878560" y="3174491"/>
+            <a:ext cx="3971775" cy="7111223"/>
+            <a:chOff x="13878560" y="3174491"/>
+            <a:chExt cx="3971775" cy="7111223"/>
+          </a:xfrm>
+        </p:grpSpPr>
+        <p:grpSp>
+          <p:nvGrpSpPr>
+            <p:cNvPr id="1018" name="그룹 1018"/>
+            <p:cNvGrpSpPr/>
+            <p:nvPr/>
+          </p:nvGrpSpPr>
+          <p:grpSpPr>
+            <a:xfrm>
+              <a:off x="13878560" y="3174491"/>
+              <a:ext cx="3971775" cy="7111223"/>
+              <a:chOff x="13878560" y="3174491"/>
+              <a:chExt cx="3971775" cy="7111223"/>
+            </a:xfrm>
+          </p:grpSpPr>
+          <p:pic>
+            <p:nvPicPr>
+              <p:cNvPr id="59" name="Object 58"/>
+              <p:cNvPicPr>
+                <a:picLocks noChangeAspect="1"/>
+              </p:cNvPicPr>
+              <p:nvPr/>
+            </p:nvPicPr>
+            <p:blipFill>
+              <a:blip r:embed="rId25" cstate="print"/>
+              <a:stretch>
+                <a:fillRect/>
+              </a:stretch>
+            </p:blipFill>
+            <p:spPr>
+              <a:xfrm>
+                <a:off x="12043898" y="-229895"/>
+                <a:ext cx="7943550" cy="14222446"/>
+              </a:xfrm>
+              <a:prstGeom prst="rect">
+                <a:avLst/>
+              </a:prstGeom>
+            </p:spPr>
+          </p:pic>
+          <p:pic>
+            <p:nvPicPr>
+              <p:cNvPr id="60" name="Object 59"/>
+              <p:cNvPicPr>
+                <a:picLocks noChangeAspect="1"/>
+              </p:cNvPicPr>
+              <p:nvPr/>
+            </p:nvPicPr>
+            <p:blipFill>
+              <a:blip r:embed="rId26" cstate="print"/>
+              <a:stretch>
+                <a:fillRect/>
+              </a:stretch>
+            </p:blipFill>
+            <p:spPr>
+              <a:xfrm>
+                <a:off x="13878560" y="3174491"/>
+                <a:ext cx="3971775" cy="7111223"/>
+              </a:xfrm>
+              <a:prstGeom prst="rect">
+                <a:avLst/>
+              </a:prstGeom>
+            </p:spPr>
+          </p:pic>
+        </p:grpSp>
+        <p:grpSp>
+          <p:nvGrpSpPr>
+            <p:cNvPr id="1019" name="그룹 1019"/>
+            <p:cNvGrpSpPr/>
+            <p:nvPr/>
+          </p:nvGrpSpPr>
+          <p:grpSpPr>
+            <a:xfrm>
+              <a:off x="14502719" y="4193068"/>
+              <a:ext cx="2777175" cy="161876"/>
+              <a:chOff x="14502719" y="4193068"/>
+              <a:chExt cx="2777175" cy="161876"/>
+            </a:xfrm>
+          </p:grpSpPr>
+          <p:grpSp>
+            <p:nvGrpSpPr>
+              <p:cNvPr id="1020" name="그룹 1020"/>
+              <p:cNvGrpSpPr/>
+              <p:nvPr/>
+            </p:nvGrpSpPr>
+            <p:grpSpPr>
+              <a:xfrm>
+                <a:off x="17098941" y="4222015"/>
+                <a:ext cx="178737" cy="95837"/>
+                <a:chOff x="17098941" y="4222015"/>
+                <a:chExt cx="178737" cy="95837"/>
+              </a:xfrm>
+            </p:grpSpPr>
+            <p:pic>
+              <p:nvPicPr>
+                <p:cNvPr id="64" name="Object 63"/>
+                <p:cNvPicPr>
+                  <a:picLocks noChangeAspect="1"/>
+                </p:cNvPicPr>
+                <p:nvPr/>
+              </p:nvPicPr>
+              <p:blipFill>
+                <a:blip r:embed="rId27" cstate="print"/>
+                <a:stretch>
+                  <a:fillRect/>
+                </a:stretch>
+              </p:blipFill>
+              <p:spPr>
+                <a:xfrm>
+                  <a:off x="17098941" y="4222015"/>
+                  <a:ext cx="178737" cy="95837"/>
+                </a:xfrm>
+                <a:prstGeom prst="rect">
+                  <a:avLst/>
+                </a:prstGeom>
+              </p:spPr>
+            </p:pic>
+          </p:grpSp>
+          <p:pic>
+            <p:nvPicPr>
+              <p:cNvPr id="66" name="Object 65"/>
+              <p:cNvPicPr>
+                <a:picLocks noChangeAspect="1"/>
+              </p:cNvPicPr>
+              <p:nvPr/>
+            </p:nvPicPr>
+            <p:blipFill>
+              <a:blip r:embed="rId28" cstate="print"/>
+              <a:stretch>
+                <a:fillRect/>
+              </a:stretch>
+            </p:blipFill>
+            <p:spPr>
+              <a:xfrm>
+                <a:off x="16804029" y="4158268"/>
+                <a:ext cx="367476" cy="463505"/>
+              </a:xfrm>
+              <a:prstGeom prst="rect">
+                <a:avLst/>
+              </a:prstGeom>
+            </p:spPr>
+          </p:pic>
+          <p:grpSp>
+            <p:nvGrpSpPr>
+              <p:cNvPr id="1021" name="그룹 1021"/>
+              <p:cNvGrpSpPr/>
+              <p:nvPr/>
+            </p:nvGrpSpPr>
+            <p:grpSpPr>
+              <a:xfrm>
+                <a:off x="16679272" y="4222533"/>
+                <a:ext cx="118956" cy="93774"/>
+                <a:chOff x="16679272" y="4222533"/>
+                <a:chExt cx="118956" cy="93774"/>
+              </a:xfrm>
+            </p:grpSpPr>
+            <p:pic>
+              <p:nvPicPr>
+                <p:cNvPr id="68" name="Object 67"/>
+                <p:cNvPicPr>
+                  <a:picLocks noChangeAspect="1"/>
+                </p:cNvPicPr>
+                <p:nvPr/>
+              </p:nvPicPr>
+              <p:blipFill>
+                <a:blip r:embed="rId29" cstate="print"/>
+                <a:stretch>
+                  <a:fillRect/>
+                </a:stretch>
+              </p:blipFill>
+              <p:spPr>
+                <a:xfrm>
+                  <a:off x="16679272" y="4222533"/>
+                  <a:ext cx="118956" cy="93774"/>
+                </a:xfrm>
+                <a:prstGeom prst="rect">
+                  <a:avLst/>
+                </a:prstGeom>
+              </p:spPr>
+            </p:pic>
+          </p:grpSp>
+          <p:pic>
+            <p:nvPicPr>
+              <p:cNvPr id="70" name="Object 69"/>
+              <p:cNvPicPr>
+                <a:picLocks noChangeAspect="1"/>
+              </p:cNvPicPr>
+              <p:nvPr/>
+            </p:nvPicPr>
+            <p:blipFill>
+              <a:blip r:embed="rId30" cstate="print"/>
+              <a:stretch>
+                <a:fillRect/>
+              </a:stretch>
+            </p:blipFill>
+            <p:spPr>
+              <a:xfrm>
+                <a:off x="14458395" y="4130287"/>
+                <a:ext cx="432714" cy="318381"/>
+              </a:xfrm>
+              <a:prstGeom prst="rect">
+                <a:avLst/>
+              </a:prstGeom>
+            </p:spPr>
+          </p:pic>
+          <p:grpSp>
+            <p:nvGrpSpPr>
+              <p:cNvPr id="1022" name="그룹 1022"/>
+              <p:cNvGrpSpPr/>
+              <p:nvPr/>
+            </p:nvGrpSpPr>
+            <p:grpSpPr>
+              <a:xfrm>
+                <a:off x="14776516" y="4199001"/>
+                <a:ext cx="155943" cy="155943"/>
+                <a:chOff x="14776516" y="4199001"/>
+                <a:chExt cx="155943" cy="155943"/>
+              </a:xfrm>
+            </p:grpSpPr>
+            <p:pic>
+              <p:nvPicPr>
+                <p:cNvPr id="72" name="Object 71"/>
+                <p:cNvPicPr>
+                  <a:picLocks noChangeAspect="1"/>
+                </p:cNvPicPr>
+                <p:nvPr/>
+              </p:nvPicPr>
+              <p:blipFill>
+                <a:blip r:embed="rId31" cstate="print"/>
+                <a:stretch>
+                  <a:fillRect/>
+                </a:stretch>
+              </p:blipFill>
+              <p:spPr>
+                <a:xfrm>
+                  <a:off x="14776516" y="4199001"/>
+                  <a:ext cx="155943" cy="155943"/>
+                </a:xfrm>
+                <a:prstGeom prst="rect">
+                  <a:avLst/>
+                </a:prstGeom>
+              </p:spPr>
+            </p:pic>
+          </p:grpSp>
+        </p:grpSp>
+      </p:grpSp>
+      <p:pic>
+        <p:nvPicPr>
+          <p:cNvPr id="76" name="Object 75"/>
+          <p:cNvPicPr>
+            <a:picLocks noChangeAspect="1"/>
+          </p:cNvPicPr>
+          <p:nvPr/>
+        </p:nvPicPr>
+        <p:blipFill>
+          <a:blip r:embed="rId32" cstate="print"/>
+          <a:stretch>
+            <a:fillRect/>
+          </a:stretch>
+        </p:blipFill>
+        <p:spPr>
+          <a:xfrm>
+            <a:off x="14293126" y="6268429"/>
+            <a:ext cx="2836019" cy="1008829"/>
+          </a:xfrm>
+          <a:prstGeom prst="rect">
+            <a:avLst/>
+          </a:prstGeom>
+        </p:spPr>
+      </p:pic>
+      <p:grpSp>
+        <p:nvGrpSpPr>
+          <p:cNvPr id="1023" name="그룹 1023"/>
+          <p:cNvGrpSpPr/>
+          <p:nvPr/>
+        </p:nvGrpSpPr>
+        <p:grpSpPr>
+          <a:xfrm>
+            <a:off x="15162699" y="4728982"/>
+            <a:ext cx="1506689" cy="1452052"/>
+            <a:chOff x="15162699" y="4728982"/>
+            <a:chExt cx="1506689" cy="1452052"/>
+          </a:xfrm>
+        </p:grpSpPr>
+        <p:grpSp>
+          <p:nvGrpSpPr>
+            <p:cNvPr id="1024" name="그룹 1024"/>
+            <p:cNvGrpSpPr/>
+            <p:nvPr/>
+          </p:nvGrpSpPr>
+          <p:grpSpPr>
+            <a:xfrm>
+              <a:off x="15162699" y="4728982"/>
+              <a:ext cx="1452052" cy="1452052"/>
+              <a:chOff x="15162699" y="4728982"/>
+              <a:chExt cx="1452052" cy="1452052"/>
+            </a:xfrm>
+          </p:grpSpPr>
+          <p:pic>
+            <p:nvPicPr>
+              <p:cNvPr id="79" name="Object 78"/>
+              <p:cNvPicPr>
+                <a:picLocks noChangeAspect="1"/>
+              </p:cNvPicPr>
+              <p:nvPr/>
+            </p:nvPicPr>
+            <p:blipFill>
+              <a:blip r:embed="rId33" cstate="print"/>
+              <a:stretch>
+                <a:fillRect/>
+              </a:stretch>
+            </p:blipFill>
+            <p:spPr>
+              <a:xfrm rot="5400000">
+                <a:off x="15162699" y="4728982"/>
+                <a:ext cx="1452052" cy="1452052"/>
+              </a:xfrm>
+              <a:prstGeom prst="rect">
+                <a:avLst/>
+              </a:prstGeom>
+            </p:spPr>
+          </p:pic>
+        </p:grpSp>
+        <p:grpSp>
+          <p:nvGrpSpPr>
+            <p:cNvPr id="1025" name="그룹 1025"/>
+            <p:cNvGrpSpPr/>
+            <p:nvPr/>
+          </p:nvGrpSpPr>
+          <p:grpSpPr>
+            <a:xfrm>
+              <a:off x="15174459" y="4746347"/>
+              <a:ext cx="1494929" cy="1328104"/>
+              <a:chOff x="15174459" y="4746347"/>
+              <a:chExt cx="1494929" cy="1328104"/>
+            </a:xfrm>
+          </p:grpSpPr>
+          <p:grpSp>
+            <p:nvGrpSpPr>
+              <p:cNvPr id="1026" name="그룹 1026"/>
+              <p:cNvGrpSpPr/>
+              <p:nvPr/>
+            </p:nvGrpSpPr>
+            <p:grpSpPr>
+              <a:xfrm>
+                <a:off x="15183431" y="4746347"/>
+                <a:ext cx="1446774" cy="798981"/>
+                <a:chOff x="15183431" y="4746347"/>
+                <a:chExt cx="1446774" cy="798981"/>
+              </a:xfrm>
+            </p:grpSpPr>
+            <p:pic>
+              <p:nvPicPr>
+                <p:cNvPr id="83" name="Object 82"/>
+                <p:cNvPicPr>
+                  <a:picLocks noChangeAspect="1"/>
+                </p:cNvPicPr>
+                <p:nvPr/>
+              </p:nvPicPr>
+              <p:blipFill>
+                <a:blip r:embed="rId34" cstate="print"/>
+                <a:stretch>
+                  <a:fillRect/>
+                </a:stretch>
+              </p:blipFill>
+              <p:spPr>
+                <a:xfrm>
+                  <a:off x="15183431" y="4746347"/>
+                  <a:ext cx="1446774" cy="798981"/>
+                </a:xfrm>
+                <a:prstGeom prst="rect">
+                  <a:avLst/>
+                </a:prstGeom>
+              </p:spPr>
+            </p:pic>
+          </p:grpSp>
+          <p:pic>
+            <p:nvPicPr>
+              <p:cNvPr id="85" name="Object 84"/>
+              <p:cNvPicPr>
+                <a:picLocks noChangeAspect="1"/>
+              </p:cNvPicPr>
+              <p:nvPr/>
+            </p:nvPicPr>
+            <p:blipFill>
+              <a:blip r:embed="rId35" cstate="print"/>
+              <a:stretch>
+                <a:fillRect/>
+              </a:stretch>
+            </p:blipFill>
+            <p:spPr>
+              <a:xfrm>
+                <a:off x="14892868" y="5418641"/>
+                <a:ext cx="1967114" cy="853552"/>
+              </a:xfrm>
+              <a:prstGeom prst="rect">
+                <a:avLst/>
+              </a:prstGeom>
+            </p:spPr>
+          </p:pic>
+        </p:grpSp>
+      </p:grpSp>
+      <p:grpSp>
+        <p:nvGrpSpPr>
+          <p:cNvPr id="1027" name="그룹 1027"/>
+          <p:cNvGrpSpPr/>
+          <p:nvPr/>
+        </p:nvGrpSpPr>
+        <p:grpSpPr>
+          <a:xfrm>
+            <a:off x="14924723" y="7345185"/>
+            <a:ext cx="1958219" cy="469352"/>
+            <a:chOff x="14924723" y="7345185"/>
+            <a:chExt cx="1958219" cy="469352"/>
+          </a:xfrm>
+        </p:grpSpPr>
+        <p:grpSp>
+          <p:nvGrpSpPr>
+            <p:cNvPr id="1028" name="그룹 1028"/>
+            <p:cNvGrpSpPr/>
+            <p:nvPr/>
+          </p:nvGrpSpPr>
+          <p:grpSpPr>
+            <a:xfrm>
+              <a:off x="14924723" y="7345185"/>
+              <a:ext cx="1958219" cy="469352"/>
+              <a:chOff x="14924723" y="7345185"/>
+              <a:chExt cx="1958219" cy="469352"/>
+            </a:xfrm>
+          </p:grpSpPr>
+          <p:pic>
+            <p:nvPicPr>
+              <p:cNvPr id="90" name="Object 89"/>
+              <p:cNvPicPr>
+                <a:picLocks noChangeAspect="1"/>
+              </p:cNvPicPr>
+              <p:nvPr/>
+            </p:nvPicPr>
+            <p:blipFill>
+              <a:blip r:embed="rId36" cstate="print"/>
+              <a:stretch>
+                <a:fillRect/>
+              </a:stretch>
+            </p:blipFill>
+            <p:spPr>
+              <a:xfrm>
+                <a:off x="14924723" y="7345185"/>
+                <a:ext cx="1958219" cy="469352"/>
+              </a:xfrm>
+              <a:prstGeom prst="rect">
+                <a:avLst/>
+              </a:prstGeom>
+            </p:spPr>
+          </p:pic>
+        </p:grpSp>
+        <p:pic>
+          <p:nvPicPr>
+            <p:cNvPr id="92" name="Object 91"/>
+            <p:cNvPicPr>
+              <a:picLocks noChangeAspect="1"/>
+            </p:cNvPicPr>
+            <p:nvPr/>
+          </p:nvPicPr>
+          <p:blipFill>
+            <a:blip r:embed="rId37" cstate="print"/>
+            <a:stretch>
+              <a:fillRect/>
+            </a:stretch>
+          </p:blipFill>
+          <p:spPr>
+            <a:xfrm>
+              <a:off x="14757150" y="7340541"/>
+              <a:ext cx="2047410" cy="558800"/>
+            </a:xfrm>
+            <a:prstGeom prst="rect">
+              <a:avLst/>
+            </a:prstGeom>
+          </p:spPr>
+        </p:pic>
+        <p:grpSp>
+          <p:nvGrpSpPr>
+            <p:cNvPr id="1029" name="그룹 1029"/>
+            <p:cNvGrpSpPr/>
+            <p:nvPr/>
+          </p:nvGrpSpPr>
+          <p:grpSpPr>
+            <a:xfrm>
+              <a:off x="14924723" y="7345185"/>
+              <a:ext cx="1958219" cy="469352"/>
+              <a:chOff x="14924723" y="7345185"/>
+              <a:chExt cx="1958219" cy="469352"/>
+            </a:xfrm>
+          </p:grpSpPr>
+          <p:pic>
+            <p:nvPicPr>
+              <p:cNvPr id="94" name="Object 93"/>
+              <p:cNvPicPr>
+                <a:picLocks noChangeAspect="1"/>
+              </p:cNvPicPr>
+              <p:nvPr/>
+            </p:nvPicPr>
+            <p:blipFill>
+              <a:blip r:embed="rId38" cstate="print"/>
+              <a:stretch>
+                <a:fillRect/>
+              </a:stretch>
+            </p:blipFill>
+            <p:spPr>
+              <a:xfrm>
+                <a:off x="14924723" y="7345185"/>
+                <a:ext cx="1958219" cy="469352"/>
+              </a:xfrm>
+              <a:prstGeom prst="rect">
+                <a:avLst/>
+              </a:prstGeom>
+            </p:spPr>
+          </p:pic>
+        </p:grpSp>
+        <p:pic>
+          <p:nvPicPr>
+            <p:cNvPr id="96" name="Object 95"/>
+            <p:cNvPicPr>
+              <a:picLocks noChangeAspect="1"/>
+            </p:cNvPicPr>
+            <p:nvPr/>
+          </p:nvPicPr>
+          <p:blipFill>
+            <a:blip r:embed="rId39" cstate="print"/>
+            <a:stretch>
+              <a:fillRect/>
+            </a:stretch>
+          </p:blipFill>
+          <p:spPr>
+            <a:xfrm>
+              <a:off x="14757150" y="7340541"/>
+              <a:ext cx="2047410" cy="558800"/>
             </a:xfrm>
             <a:prstGeom prst="rect">
               <a:avLst/>
@@ -10102,36 +10696,36 @@
       </p:grpSp>
       <p:grpSp>
         <p:nvGrpSpPr>
-          <p:cNvPr id="1014" name="그룹 1014"/>
+          <p:cNvPr id="1030" name="그룹 1030"/>
           <p:cNvGrpSpPr/>
           <p:nvPr/>
         </p:nvGrpSpPr>
         <p:grpSpPr>
           <a:xfrm>
-            <a:off x="14059450" y="6214283"/>
-            <a:ext cx="6228719" cy="9529"/>
-            <a:chOff x="14059450" y="6214283"/>
-            <a:chExt cx="6228719" cy="9529"/>
+            <a:off x="13599254" y="8080892"/>
+            <a:ext cx="4439560" cy="1970805"/>
+            <a:chOff x="13599254" y="8080892"/>
+            <a:chExt cx="4439560" cy="1970805"/>
           </a:xfrm>
         </p:grpSpPr>
         <p:pic>
           <p:nvPicPr>
-            <p:cNvPr id="48" name="Object 47"/>
+            <p:cNvPr id="99" name="Object 98"/>
             <p:cNvPicPr>
               <a:picLocks noChangeAspect="1"/>
             </p:cNvPicPr>
             <p:nvPr/>
           </p:nvPicPr>
           <p:blipFill>
-            <a:blip r:embed="rId21" cstate="print"/>
+            <a:blip r:embed="rId40" cstate="print"/>
             <a:stretch>
               <a:fillRect/>
             </a:stretch>
           </p:blipFill>
           <p:spPr>
-            <a:xfrm rot="-5400000">
-              <a:off x="14059450" y="6214283"/>
-              <a:ext cx="6228719" cy="9529"/>
+            <a:xfrm>
+              <a:off x="13599254" y="8080892"/>
+              <a:ext cx="4439560" cy="1970805"/>
             </a:xfrm>
             <a:prstGeom prst="rect">
               <a:avLst/>
@@ -10139,525 +10733,9 @@
           </p:spPr>
         </p:pic>
       </p:grpSp>
-      <p:grpSp>
-        <p:nvGrpSpPr>
-          <p:cNvPr id="1015" name="그룹 1015"/>
-          <p:cNvGrpSpPr/>
-          <p:nvPr/>
-        </p:nvGrpSpPr>
-        <p:grpSpPr>
-          <a:xfrm>
-            <a:off x="1133259" y="6188093"/>
-            <a:ext cx="6176339" cy="9529"/>
-            <a:chOff x="1133259" y="6188093"/>
-            <a:chExt cx="6176339" cy="9529"/>
-          </a:xfrm>
-        </p:grpSpPr>
-        <p:pic>
-          <p:nvPicPr>
-            <p:cNvPr id="51" name="Object 50"/>
-            <p:cNvPicPr>
-              <a:picLocks noChangeAspect="1"/>
-            </p:cNvPicPr>
-            <p:nvPr/>
-          </p:nvPicPr>
-          <p:blipFill>
-            <a:blip r:embed="rId22" cstate="print"/>
-            <a:stretch>
-              <a:fillRect/>
-            </a:stretch>
-          </p:blipFill>
-          <p:spPr>
-            <a:xfrm rot="-5400000">
-              <a:off x="1133259" y="6188093"/>
-              <a:ext cx="6176339" cy="9529"/>
-            </a:xfrm>
-            <a:prstGeom prst="rect">
-              <a:avLst/>
-            </a:prstGeom>
-          </p:spPr>
-        </p:pic>
-      </p:grpSp>
-      <p:grpSp>
-        <p:nvGrpSpPr>
-          <p:cNvPr id="1016" name="그룹 1016"/>
-          <p:cNvGrpSpPr/>
-          <p:nvPr/>
-        </p:nvGrpSpPr>
-        <p:grpSpPr>
-          <a:xfrm>
-            <a:off x="10659524" y="6202378"/>
-            <a:ext cx="6242857" cy="9529"/>
-            <a:chOff x="10659524" y="6202378"/>
-            <a:chExt cx="6242857" cy="9529"/>
-          </a:xfrm>
-        </p:grpSpPr>
-        <p:pic>
-          <p:nvPicPr>
-            <p:cNvPr id="54" name="Object 53"/>
-            <p:cNvPicPr>
-              <a:picLocks noChangeAspect="1"/>
-            </p:cNvPicPr>
-            <p:nvPr/>
-          </p:nvPicPr>
-          <p:blipFill>
-            <a:blip r:embed="rId23" cstate="print"/>
-            <a:stretch>
-              <a:fillRect/>
-            </a:stretch>
-          </p:blipFill>
-          <p:spPr>
-            <a:xfrm rot="-5400000">
-              <a:off x="10659524" y="6202378"/>
-              <a:ext cx="6242857" cy="9529"/>
-            </a:xfrm>
-            <a:prstGeom prst="rect">
-              <a:avLst/>
-            </a:prstGeom>
-          </p:spPr>
-        </p:pic>
-      </p:grpSp>
-      <p:grpSp>
-        <p:nvGrpSpPr>
-          <p:cNvPr id="1017" name="그룹 1017"/>
-          <p:cNvGrpSpPr/>
-          <p:nvPr/>
-        </p:nvGrpSpPr>
-        <p:grpSpPr>
-          <a:xfrm>
-            <a:off x="7142813" y="6173807"/>
-            <a:ext cx="6223899" cy="9529"/>
-            <a:chOff x="7142813" y="6173807"/>
-            <a:chExt cx="6223899" cy="9529"/>
-          </a:xfrm>
-        </p:grpSpPr>
-        <p:pic>
-          <p:nvPicPr>
-            <p:cNvPr id="57" name="Object 56"/>
-            <p:cNvPicPr>
-              <a:picLocks noChangeAspect="1"/>
-            </p:cNvPicPr>
-            <p:nvPr/>
-          </p:nvPicPr>
-          <p:blipFill>
-            <a:blip r:embed="rId24" cstate="print"/>
-            <a:stretch>
-              <a:fillRect/>
-            </a:stretch>
-          </p:blipFill>
-          <p:spPr>
-            <a:xfrm rot="-5400000">
-              <a:off x="7142813" y="6173807"/>
-              <a:ext cx="6223899" cy="9529"/>
-            </a:xfrm>
-            <a:prstGeom prst="rect">
-              <a:avLst/>
-            </a:prstGeom>
-          </p:spPr>
-        </p:pic>
-      </p:grpSp>
-      <p:grpSp>
-        <p:nvGrpSpPr>
-          <p:cNvPr id="1018" name="그룹 1018"/>
-          <p:cNvGrpSpPr/>
-          <p:nvPr/>
-        </p:nvGrpSpPr>
-        <p:grpSpPr>
-          <a:xfrm>
-            <a:off x="3704739" y="6178569"/>
-            <a:ext cx="6195284" cy="9529"/>
-            <a:chOff x="3704739" y="6178569"/>
-            <a:chExt cx="6195284" cy="9529"/>
-          </a:xfrm>
-        </p:grpSpPr>
-        <p:pic>
-          <p:nvPicPr>
-            <p:cNvPr id="60" name="Object 59"/>
-            <p:cNvPicPr>
-              <a:picLocks noChangeAspect="1"/>
-            </p:cNvPicPr>
-            <p:nvPr/>
-          </p:nvPicPr>
-          <p:blipFill>
-            <a:blip r:embed="rId25" cstate="print"/>
-            <a:stretch>
-              <a:fillRect/>
-            </a:stretch>
-          </p:blipFill>
-          <p:spPr>
-            <a:xfrm rot="-5400000">
-              <a:off x="3704739" y="6178569"/>
-              <a:ext cx="6195284" cy="9529"/>
-            </a:xfrm>
-            <a:prstGeom prst="rect">
-              <a:avLst/>
-            </a:prstGeom>
-          </p:spPr>
-        </p:pic>
-      </p:grpSp>
-      <p:pic>
-        <p:nvPicPr>
-          <p:cNvPr id="62" name="Object 61"/>
-          <p:cNvPicPr>
-            <a:picLocks noChangeAspect="1"/>
-          </p:cNvPicPr>
-          <p:nvPr/>
-        </p:nvPicPr>
-        <p:blipFill>
-          <a:blip r:embed="rId26" cstate="print"/>
-          <a:stretch>
-            <a:fillRect/>
-          </a:stretch>
-        </p:blipFill>
-        <p:spPr>
-          <a:xfrm>
-            <a:off x="3892559" y="3921751"/>
-            <a:ext cx="3194181" cy="856914"/>
-          </a:xfrm>
-          <a:prstGeom prst="rect">
-            <a:avLst/>
-          </a:prstGeom>
-        </p:spPr>
-      </p:pic>
-      <p:pic>
-        <p:nvPicPr>
-          <p:cNvPr id="63" name="Object 62"/>
-          <p:cNvPicPr>
-            <a:picLocks noChangeAspect="1"/>
-          </p:cNvPicPr>
-          <p:nvPr/>
-        </p:nvPicPr>
-        <p:blipFill>
-          <a:blip r:embed="rId27" cstate="print"/>
-          <a:stretch>
-            <a:fillRect/>
-          </a:stretch>
-        </p:blipFill>
-        <p:spPr>
-          <a:xfrm>
-            <a:off x="3880978" y="4644021"/>
-            <a:ext cx="3182438" cy="895010"/>
-          </a:xfrm>
-          <a:prstGeom prst="rect">
-            <a:avLst/>
-          </a:prstGeom>
-        </p:spPr>
-      </p:pic>
-      <p:pic>
-        <p:nvPicPr>
-          <p:cNvPr id="64" name="Object 63"/>
-          <p:cNvPicPr>
-            <a:picLocks noChangeAspect="1"/>
-          </p:cNvPicPr>
-          <p:nvPr/>
-        </p:nvPicPr>
-        <p:blipFill>
-          <a:blip r:embed="rId28" cstate="print"/>
-          <a:stretch>
-            <a:fillRect/>
-          </a:stretch>
-        </p:blipFill>
-        <p:spPr>
-          <a:xfrm>
-            <a:off x="3721899" y="5901731"/>
-            <a:ext cx="3380390" cy="856914"/>
-          </a:xfrm>
-          <a:prstGeom prst="rect">
-            <a:avLst/>
-          </a:prstGeom>
-        </p:spPr>
-      </p:pic>
-      <p:pic>
-        <p:nvPicPr>
-          <p:cNvPr id="65" name="Object 64"/>
-          <p:cNvPicPr>
-            <a:picLocks noChangeAspect="1"/>
-          </p:cNvPicPr>
-          <p:nvPr/>
-        </p:nvPicPr>
-        <p:blipFill>
-          <a:blip r:embed="rId29" cstate="print"/>
-          <a:stretch>
-            <a:fillRect/>
-          </a:stretch>
-        </p:blipFill>
-        <p:spPr>
-          <a:xfrm>
-            <a:off x="3456861" y="7005762"/>
-            <a:ext cx="3626419" cy="856914"/>
-          </a:xfrm>
-          <a:prstGeom prst="rect">
-            <a:avLst/>
-          </a:prstGeom>
-        </p:spPr>
-      </p:pic>
-      <p:pic>
-        <p:nvPicPr>
-          <p:cNvPr id="66" name="Object 65"/>
-          <p:cNvPicPr>
-            <a:picLocks noChangeAspect="1"/>
-          </p:cNvPicPr>
-          <p:nvPr/>
-        </p:nvPicPr>
-        <p:blipFill>
-          <a:blip r:embed="rId30" cstate="print"/>
-          <a:stretch>
-            <a:fillRect/>
-          </a:stretch>
-        </p:blipFill>
-        <p:spPr>
-          <a:xfrm>
-            <a:off x="3431899" y="7728029"/>
-            <a:ext cx="3666105" cy="885486"/>
-          </a:xfrm>
-          <a:prstGeom prst="rect">
-            <a:avLst/>
-          </a:prstGeom>
-        </p:spPr>
-      </p:pic>
-      <p:pic>
-        <p:nvPicPr>
-          <p:cNvPr id="67" name="Object 66"/>
-          <p:cNvPicPr>
-            <a:picLocks noChangeAspect="1"/>
-          </p:cNvPicPr>
-          <p:nvPr/>
-        </p:nvPicPr>
-        <p:blipFill>
-          <a:blip r:embed="rId31" cstate="print"/>
-          <a:stretch>
-            <a:fillRect/>
-          </a:stretch>
-        </p:blipFill>
-        <p:spPr>
-          <a:xfrm>
-            <a:off x="3560459" y="8528596"/>
-            <a:ext cx="3538571" cy="885486"/>
-          </a:xfrm>
-          <a:prstGeom prst="rect">
-            <a:avLst/>
-          </a:prstGeom>
-        </p:spPr>
-      </p:pic>
-      <p:pic>
-        <p:nvPicPr>
-          <p:cNvPr id="68" name="Object 67"/>
-          <p:cNvPicPr>
-            <a:picLocks noChangeAspect="1"/>
-          </p:cNvPicPr>
-          <p:nvPr/>
-        </p:nvPicPr>
-        <p:blipFill>
-          <a:blip r:embed="rId32" cstate="print"/>
-          <a:stretch>
-            <a:fillRect/>
-          </a:stretch>
-        </p:blipFill>
-        <p:spPr>
-          <a:xfrm>
-            <a:off x="9271164" y="3047932"/>
-            <a:ext cx="4792171" cy="1106981"/>
-          </a:xfrm>
-          <a:prstGeom prst="rect">
-            <a:avLst/>
-          </a:prstGeom>
-        </p:spPr>
-      </p:pic>
-      <p:pic>
-        <p:nvPicPr>
-          <p:cNvPr id="69" name="Object 68"/>
-          <p:cNvPicPr>
-            <a:picLocks noChangeAspect="1"/>
-          </p:cNvPicPr>
-          <p:nvPr/>
-        </p:nvPicPr>
-        <p:blipFill>
-          <a:blip r:embed="rId33" cstate="print"/>
-          <a:stretch>
-            <a:fillRect/>
-          </a:stretch>
-        </p:blipFill>
-        <p:spPr>
-          <a:xfrm>
-            <a:off x="12586374" y="3066980"/>
-            <a:ext cx="4924371" cy="1106981"/>
-          </a:xfrm>
-          <a:prstGeom prst="rect">
-            <a:avLst/>
-          </a:prstGeom>
-        </p:spPr>
-      </p:pic>
-      <p:pic>
-        <p:nvPicPr>
-          <p:cNvPr id="70" name="Object 69"/>
-          <p:cNvPicPr>
-            <a:picLocks noChangeAspect="1"/>
-          </p:cNvPicPr>
-          <p:nvPr/>
-        </p:nvPicPr>
-        <p:blipFill>
-          <a:blip r:embed="rId34" cstate="print"/>
-          <a:stretch>
-            <a:fillRect/>
-          </a:stretch>
-        </p:blipFill>
-        <p:spPr>
-          <a:xfrm>
-            <a:off x="5948978" y="3855088"/>
-            <a:ext cx="4084019" cy="914057"/>
-          </a:xfrm>
-          <a:prstGeom prst="rect">
-            <a:avLst/>
-          </a:prstGeom>
-        </p:spPr>
-      </p:pic>
-      <p:pic>
-        <p:nvPicPr>
-          <p:cNvPr id="71" name="Object 70"/>
-          <p:cNvPicPr>
-            <a:picLocks noChangeAspect="1"/>
-          </p:cNvPicPr>
-          <p:nvPr/>
-        </p:nvPicPr>
-        <p:blipFill>
-          <a:blip r:embed="rId35" cstate="print"/>
-          <a:stretch>
-            <a:fillRect/>
-          </a:stretch>
-        </p:blipFill>
-        <p:spPr>
-          <a:xfrm>
-            <a:off x="5948093" y="4615453"/>
-            <a:ext cx="4124771" cy="923581"/>
-          </a:xfrm>
-          <a:prstGeom prst="rect">
-            <a:avLst/>
-          </a:prstGeom>
-        </p:spPr>
-      </p:pic>
-      <p:pic>
-        <p:nvPicPr>
-          <p:cNvPr id="72" name="Object 71"/>
-          <p:cNvPicPr>
-            <a:picLocks noChangeAspect="1"/>
-          </p:cNvPicPr>
-          <p:nvPr/>
-        </p:nvPicPr>
-        <p:blipFill>
-          <a:blip r:embed="rId36" cstate="print"/>
-          <a:stretch>
-            <a:fillRect/>
-          </a:stretch>
-        </p:blipFill>
-        <p:spPr>
-          <a:xfrm>
-            <a:off x="6282464" y="5572622"/>
-            <a:ext cx="4273400" cy="1472990"/>
-          </a:xfrm>
-          <a:prstGeom prst="rect">
-            <a:avLst/>
-          </a:prstGeom>
-        </p:spPr>
-      </p:pic>
-      <p:pic>
-        <p:nvPicPr>
-          <p:cNvPr id="73" name="Object 72"/>
-          <p:cNvPicPr>
-            <a:picLocks noChangeAspect="1"/>
-          </p:cNvPicPr>
-          <p:nvPr/>
-        </p:nvPicPr>
-        <p:blipFill>
-          <a:blip r:embed="rId37" cstate="print"/>
-          <a:stretch>
-            <a:fillRect/>
-          </a:stretch>
-        </p:blipFill>
-        <p:spPr>
-          <a:xfrm>
-            <a:off x="5948093" y="6934625"/>
-            <a:ext cx="4124771" cy="923581"/>
-          </a:xfrm>
-          <a:prstGeom prst="rect">
-            <a:avLst/>
-          </a:prstGeom>
-        </p:spPr>
-      </p:pic>
-      <p:pic>
-        <p:nvPicPr>
-          <p:cNvPr id="74" name="Object 73"/>
-          <p:cNvPicPr>
-            <a:picLocks noChangeAspect="1"/>
-          </p:cNvPicPr>
-          <p:nvPr/>
-        </p:nvPicPr>
-        <p:blipFill>
-          <a:blip r:embed="rId38" cstate="print"/>
-          <a:stretch>
-            <a:fillRect/>
-          </a:stretch>
-        </p:blipFill>
-        <p:spPr>
-          <a:xfrm>
-            <a:off x="5948978" y="7741767"/>
-            <a:ext cx="4084019" cy="914057"/>
-          </a:xfrm>
-          <a:prstGeom prst="rect">
-            <a:avLst/>
-          </a:prstGeom>
-        </p:spPr>
-      </p:pic>
-      <p:pic>
-        <p:nvPicPr>
-          <p:cNvPr id="75" name="Object 74"/>
-          <p:cNvPicPr>
-            <a:picLocks noChangeAspect="1"/>
-          </p:cNvPicPr>
-          <p:nvPr/>
-        </p:nvPicPr>
-        <p:blipFill>
-          <a:blip r:embed="rId39" cstate="print"/>
-          <a:stretch>
-            <a:fillRect/>
-          </a:stretch>
-        </p:blipFill>
-        <p:spPr>
-          <a:xfrm>
-            <a:off x="5995855" y="8511656"/>
-            <a:ext cx="4057676" cy="895010"/>
-          </a:xfrm>
-          <a:prstGeom prst="rect">
-            <a:avLst/>
-          </a:prstGeom>
-        </p:spPr>
-      </p:pic>
-      <p:pic>
-        <p:nvPicPr>
-          <p:cNvPr id="76" name="Object 75"/>
-          <p:cNvPicPr>
-            <a:picLocks noChangeAspect="1"/>
-          </p:cNvPicPr>
-          <p:nvPr/>
-        </p:nvPicPr>
-        <p:blipFill>
-          <a:blip r:embed="rId40" cstate="print"/>
-          <a:stretch>
-            <a:fillRect/>
-          </a:stretch>
-        </p:blipFill>
-        <p:spPr>
-          <a:xfrm>
-            <a:off x="9483012" y="3861285"/>
-            <a:ext cx="4124771" cy="923581"/>
-          </a:xfrm>
-          <a:prstGeom prst="rect">
-            <a:avLst/>
-          </a:prstGeom>
-        </p:spPr>
-      </p:pic>
-      <p:pic>
-        <p:nvPicPr>
-          <p:cNvPr id="77" name="Object 76"/>
+      <p:pic>
+        <p:nvPicPr>
+          <p:cNvPr id="101" name="Object 100"/>
           <p:cNvPicPr>
             <a:picLocks noChangeAspect="1"/>
           </p:cNvPicPr>
@@ -10671,17 +10749,17 @@
         </p:blipFill>
         <p:spPr>
           <a:xfrm>
-            <a:off x="9483012" y="4621650"/>
-            <a:ext cx="4124771" cy="923581"/>
-          </a:xfrm>
-          <a:prstGeom prst="rect">
-            <a:avLst/>
-          </a:prstGeom>
-        </p:spPr>
-      </p:pic>
-      <p:pic>
-        <p:nvPicPr>
-          <p:cNvPr id="78" name="Object 77"/>
+            <a:off x="2231974" y="-73786"/>
+            <a:ext cx="13485714" cy="10665848"/>
+          </a:xfrm>
+          <a:prstGeom prst="rect">
+            <a:avLst/>
+          </a:prstGeom>
+        </p:spPr>
+      </p:pic>
+      <p:pic>
+        <p:nvPicPr>
+          <p:cNvPr id="102" name="Object 101"/>
           <p:cNvPicPr>
             <a:picLocks noChangeAspect="1"/>
           </p:cNvPicPr>
@@ -10695,17 +10773,17 @@
         </p:blipFill>
         <p:spPr>
           <a:xfrm>
-            <a:off x="9483898" y="5809028"/>
-            <a:ext cx="4084019" cy="914057"/>
-          </a:xfrm>
-          <a:prstGeom prst="rect">
-            <a:avLst/>
-          </a:prstGeom>
-        </p:spPr>
-      </p:pic>
-      <p:pic>
-        <p:nvPicPr>
-          <p:cNvPr id="79" name="Object 78"/>
+            <a:off x="14606932" y="2809994"/>
+            <a:ext cx="2424495" cy="965619"/>
+          </a:xfrm>
+          <a:prstGeom prst="rect">
+            <a:avLst/>
+          </a:prstGeom>
+        </p:spPr>
+      </p:pic>
+      <p:pic>
+        <p:nvPicPr>
+          <p:cNvPr id="103" name="Object 102"/>
           <p:cNvPicPr>
             <a:picLocks noChangeAspect="1"/>
           </p:cNvPicPr>
@@ -10719,17 +10797,17 @@
         </p:blipFill>
         <p:spPr>
           <a:xfrm>
-            <a:off x="9483898" y="6940822"/>
-            <a:ext cx="4084019" cy="914057"/>
-          </a:xfrm>
-          <a:prstGeom prst="rect">
-            <a:avLst/>
-          </a:prstGeom>
-        </p:spPr>
-      </p:pic>
-      <p:pic>
-        <p:nvPicPr>
-          <p:cNvPr id="80" name="Object 79"/>
+            <a:off x="5263977" y="8365798"/>
+            <a:ext cx="7737190" cy="1496381"/>
+          </a:xfrm>
+          <a:prstGeom prst="rect">
+            <a:avLst/>
+          </a:prstGeom>
+        </p:spPr>
+      </p:pic>
+      <p:pic>
+        <p:nvPicPr>
+          <p:cNvPr id="104" name="Object 103"/>
           <p:cNvPicPr>
             <a:picLocks noChangeAspect="1"/>
           </p:cNvPicPr>
@@ -10743,17 +10821,17 @@
         </p:blipFill>
         <p:spPr>
           <a:xfrm>
-            <a:off x="9483898" y="7747964"/>
-            <a:ext cx="4084019" cy="914057"/>
-          </a:xfrm>
-          <a:prstGeom prst="rect">
-            <a:avLst/>
-          </a:prstGeom>
-        </p:spPr>
-      </p:pic>
-      <p:pic>
-        <p:nvPicPr>
-          <p:cNvPr id="81" name="Object 80"/>
+            <a:off x="515497" y="8472986"/>
+            <a:ext cx="3919324" cy="1245829"/>
+          </a:xfrm>
+          <a:prstGeom prst="rect">
+            <a:avLst/>
+          </a:prstGeom>
+        </p:spPr>
+      </p:pic>
+      <p:pic>
+        <p:nvPicPr>
+          <p:cNvPr id="105" name="Object 104"/>
           <p:cNvPicPr>
             <a:picLocks noChangeAspect="1"/>
           </p:cNvPicPr>
@@ -10767,17 +10845,17 @@
         </p:blipFill>
         <p:spPr>
           <a:xfrm>
-            <a:off x="9483012" y="8508329"/>
-            <a:ext cx="4124771" cy="923581"/>
-          </a:xfrm>
-          <a:prstGeom prst="rect">
-            <a:avLst/>
-          </a:prstGeom>
-        </p:spPr>
-      </p:pic>
-      <p:pic>
-        <p:nvPicPr>
-          <p:cNvPr id="82" name="Object 81"/>
+            <a:off x="515497" y="9006074"/>
+            <a:ext cx="4126467" cy="1245829"/>
+          </a:xfrm>
+          <a:prstGeom prst="rect">
+            <a:avLst/>
+          </a:prstGeom>
+        </p:spPr>
+      </p:pic>
+      <p:pic>
+        <p:nvPicPr>
+          <p:cNvPr id="106" name="Object 105"/>
           <p:cNvPicPr>
             <a:picLocks noChangeAspect="1"/>
           </p:cNvPicPr>
@@ -10791,17 +10869,17 @@
         </p:blipFill>
         <p:spPr>
           <a:xfrm>
-            <a:off x="12924714" y="3864254"/>
-            <a:ext cx="4124771" cy="923581"/>
-          </a:xfrm>
-          <a:prstGeom prst="rect">
-            <a:avLst/>
-          </a:prstGeom>
-        </p:spPr>
-      </p:pic>
-      <p:pic>
-        <p:nvPicPr>
-          <p:cNvPr id="83" name="Object 82"/>
+            <a:off x="13775836" y="8463925"/>
+            <a:ext cx="3945733" cy="821457"/>
+          </a:xfrm>
+          <a:prstGeom prst="rect">
+            <a:avLst/>
+          </a:prstGeom>
+        </p:spPr>
+      </p:pic>
+      <p:pic>
+        <p:nvPicPr>
+          <p:cNvPr id="107" name="Object 106"/>
           <p:cNvPicPr>
             <a:picLocks noChangeAspect="1"/>
           </p:cNvPicPr>
@@ -10815,104 +10893,8 @@
         </p:blipFill>
         <p:spPr>
           <a:xfrm>
-            <a:off x="12924714" y="4624619"/>
-            <a:ext cx="4124771" cy="923581"/>
-          </a:xfrm>
-          <a:prstGeom prst="rect">
-            <a:avLst/>
-          </a:prstGeom>
-        </p:spPr>
-      </p:pic>
-      <p:pic>
-        <p:nvPicPr>
-          <p:cNvPr id="84" name="Object 83"/>
-          <p:cNvPicPr>
-            <a:picLocks noChangeAspect="1"/>
-          </p:cNvPicPr>
-          <p:nvPr/>
-        </p:nvPicPr>
-        <p:blipFill>
-          <a:blip r:embed="rId48" cstate="print"/>
-          <a:stretch>
-            <a:fillRect/>
-          </a:stretch>
-        </p:blipFill>
-        <p:spPr>
-          <a:xfrm>
-            <a:off x="13292057" y="5385791"/>
-            <a:ext cx="4208419" cy="1918971"/>
-          </a:xfrm>
-          <a:prstGeom prst="rect">
-            <a:avLst/>
-          </a:prstGeom>
-        </p:spPr>
-      </p:pic>
-      <p:pic>
-        <p:nvPicPr>
-          <p:cNvPr id="85" name="Object 84"/>
-          <p:cNvPicPr>
-            <a:picLocks noChangeAspect="1"/>
-          </p:cNvPicPr>
-          <p:nvPr/>
-        </p:nvPicPr>
-        <p:blipFill>
-          <a:blip r:embed="rId49" cstate="print"/>
-          <a:stretch>
-            <a:fillRect/>
-          </a:stretch>
-        </p:blipFill>
-        <p:spPr>
-          <a:xfrm>
-            <a:off x="12924714" y="6943791"/>
-            <a:ext cx="4124771" cy="923581"/>
-          </a:xfrm>
-          <a:prstGeom prst="rect">
-            <a:avLst/>
-          </a:prstGeom>
-        </p:spPr>
-      </p:pic>
-      <p:pic>
-        <p:nvPicPr>
-          <p:cNvPr id="86" name="Object 85"/>
-          <p:cNvPicPr>
-            <a:picLocks noChangeAspect="1"/>
-          </p:cNvPicPr>
-          <p:nvPr/>
-        </p:nvPicPr>
-        <p:blipFill>
-          <a:blip r:embed="rId50" cstate="print"/>
-          <a:stretch>
-            <a:fillRect/>
-          </a:stretch>
-        </p:blipFill>
-        <p:spPr>
-          <a:xfrm>
-            <a:off x="12924714" y="7750933"/>
-            <a:ext cx="4124771" cy="923581"/>
-          </a:xfrm>
-          <a:prstGeom prst="rect">
-            <a:avLst/>
-          </a:prstGeom>
-        </p:spPr>
-      </p:pic>
-      <p:pic>
-        <p:nvPicPr>
-          <p:cNvPr id="87" name="Object 86"/>
-          <p:cNvPicPr>
-            <a:picLocks noChangeAspect="1"/>
-          </p:cNvPicPr>
-          <p:nvPr/>
-        </p:nvPicPr>
-        <p:blipFill>
-          <a:blip r:embed="rId51" cstate="print"/>
-          <a:stretch>
-            <a:fillRect/>
-          </a:stretch>
-        </p:blipFill>
-        <p:spPr>
-          <a:xfrm>
-            <a:off x="12924714" y="8511298"/>
-            <a:ext cx="4124771" cy="923581"/>
+            <a:off x="13775836" y="8997013"/>
+            <a:ext cx="3452571" cy="821457"/>
           </a:xfrm>
           <a:prstGeom prst="rect">
             <a:avLst/>
@@ -10960,9 +10942,9 @@
         </p:nvGrpSpPr>
         <p:grpSpPr>
           <a:xfrm>
-            <a:off x="4020365" y="4834000"/>
+            <a:off x="4020365" y="4291143"/>
             <a:ext cx="3096064" cy="3096064"/>
-            <a:chOff x="4020365" y="4834000"/>
+            <a:chOff x="4020365" y="4291143"/>
             <a:chExt cx="3096064" cy="3096064"/>
           </a:xfrm>
         </p:grpSpPr>
@@ -10982,7 +10964,7 @@
           </p:blipFill>
           <p:spPr>
             <a:xfrm>
-              <a:off x="4020365" y="4834000"/>
+              <a:off x="4020365" y="4291143"/>
               <a:ext cx="3096064" cy="3096064"/>
             </a:xfrm>
             <a:prstGeom prst="rect">
@@ -10999,9 +10981,9 @@
         </p:nvGrpSpPr>
         <p:grpSpPr>
           <a:xfrm>
-            <a:off x="5122186" y="5726471"/>
+            <a:off x="5122186" y="5183614"/>
             <a:ext cx="892421" cy="892421"/>
-            <a:chOff x="5122186" y="5726471"/>
+            <a:chOff x="5122186" y="5183614"/>
             <a:chExt cx="892421" cy="892421"/>
           </a:xfrm>
         </p:grpSpPr>
@@ -11021,7 +11003,7 @@
           </p:blipFill>
           <p:spPr>
             <a:xfrm>
-              <a:off x="5122186" y="5726471"/>
+              <a:off x="5122186" y="5183614"/>
               <a:ext cx="892421" cy="892421"/>
             </a:xfrm>
             <a:prstGeom prst="rect">
@@ -11046,7 +11028,7 @@
         </p:blipFill>
         <p:spPr>
           <a:xfrm>
-            <a:off x="2554289" y="4967566"/>
+            <a:off x="2554289" y="4424709"/>
             <a:ext cx="4799438" cy="847362"/>
           </a:xfrm>
           <a:prstGeom prst="rect">
@@ -11070,7 +11052,7 @@
         </p:blipFill>
         <p:spPr>
           <a:xfrm>
-            <a:off x="2898927" y="6790474"/>
+            <a:off x="2898927" y="6247617"/>
             <a:ext cx="4455400" cy="957467"/>
           </a:xfrm>
           <a:prstGeom prst="rect">
@@ -11086,9 +11068,9 @@
         </p:nvGrpSpPr>
         <p:grpSpPr>
           <a:xfrm>
-            <a:off x="6613014" y="4834000"/>
+            <a:off x="6613014" y="4291143"/>
             <a:ext cx="3096064" cy="3096064"/>
-            <a:chOff x="6613014" y="4834000"/>
+            <a:chOff x="6613014" y="4291143"/>
             <a:chExt cx="3096064" cy="3096064"/>
           </a:xfrm>
         </p:grpSpPr>
@@ -11108,7 +11090,7 @@
           </p:blipFill>
           <p:spPr>
             <a:xfrm>
-              <a:off x="6613014" y="4834000"/>
+              <a:off x="6613014" y="4291143"/>
               <a:ext cx="3096064" cy="3096064"/>
             </a:xfrm>
             <a:prstGeom prst="rect">
@@ -11133,7 +11115,7 @@
         </p:blipFill>
         <p:spPr>
           <a:xfrm>
-            <a:off x="5167470" y="4967568"/>
+            <a:off x="5167470" y="4424711"/>
             <a:ext cx="4804505" cy="847362"/>
           </a:xfrm>
           <a:prstGeom prst="rect">
@@ -11157,7 +11139,7 @@
         </p:blipFill>
         <p:spPr>
           <a:xfrm>
-            <a:off x="5778185" y="6942056"/>
+            <a:off x="5778185" y="6399198"/>
             <a:ext cx="4158638" cy="684410"/>
           </a:xfrm>
           <a:prstGeom prst="rect">
@@ -11173,9 +11155,9 @@
         </p:nvGrpSpPr>
         <p:grpSpPr>
           <a:xfrm>
-            <a:off x="9205663" y="4834000"/>
+            <a:off x="9205663" y="4291143"/>
             <a:ext cx="3096064" cy="3096064"/>
-            <a:chOff x="9205663" y="4834000"/>
+            <a:chOff x="9205663" y="4291143"/>
             <a:chExt cx="3096064" cy="3096064"/>
           </a:xfrm>
         </p:grpSpPr>
@@ -11195,7 +11177,7 @@
           </p:blipFill>
           <p:spPr>
             <a:xfrm>
-              <a:off x="9205663" y="4834000"/>
+              <a:off x="9205663" y="4291143"/>
               <a:ext cx="3096064" cy="3096064"/>
             </a:xfrm>
             <a:prstGeom prst="rect">
@@ -11220,7 +11202,7 @@
         </p:blipFill>
         <p:spPr>
           <a:xfrm>
-            <a:off x="7764137" y="4967568"/>
+            <a:off x="7764137" y="4424711"/>
             <a:ext cx="4801971" cy="847362"/>
           </a:xfrm>
           <a:prstGeom prst="rect">
@@ -11244,7 +11226,7 @@
         </p:blipFill>
         <p:spPr>
           <a:xfrm>
-            <a:off x="8310261" y="6942056"/>
+            <a:off x="8310261" y="6399198"/>
             <a:ext cx="4200171" cy="684410"/>
           </a:xfrm>
           <a:prstGeom prst="rect">
@@ -11260,9 +11242,9 @@
         </p:nvGrpSpPr>
         <p:grpSpPr>
           <a:xfrm>
-            <a:off x="11798313" y="4834000"/>
+            <a:off x="11798313" y="4291143"/>
             <a:ext cx="3096064" cy="3096064"/>
-            <a:chOff x="11798313" y="4834000"/>
+            <a:chOff x="11798313" y="4291143"/>
             <a:chExt cx="3096064" cy="3096064"/>
           </a:xfrm>
         </p:grpSpPr>
@@ -11282,7 +11264,7 @@
           </p:blipFill>
           <p:spPr>
             <a:xfrm>
-              <a:off x="11798313" y="4834000"/>
+              <a:off x="11798313" y="4291143"/>
               <a:ext cx="3096064" cy="3096064"/>
             </a:xfrm>
             <a:prstGeom prst="rect">
@@ -11307,7 +11289,7 @@
         </p:blipFill>
         <p:spPr>
           <a:xfrm>
-            <a:off x="10359898" y="4967568"/>
+            <a:off x="10359898" y="4424711"/>
             <a:ext cx="4802124" cy="847362"/>
           </a:xfrm>
           <a:prstGeom prst="rect">
@@ -11331,7 +11313,7 @@
         </p:blipFill>
         <p:spPr>
           <a:xfrm>
-            <a:off x="10902898" y="6795332"/>
+            <a:off x="10902898" y="6252475"/>
             <a:ext cx="4200171" cy="978895"/>
           </a:xfrm>
           <a:prstGeom prst="rect">
@@ -11347,9 +11329,9 @@
         </p:nvGrpSpPr>
         <p:grpSpPr>
           <a:xfrm>
-            <a:off x="14390962" y="4834000"/>
+            <a:off x="14390962" y="4291143"/>
             <a:ext cx="3096064" cy="3096064"/>
-            <a:chOff x="14390962" y="4834000"/>
+            <a:chOff x="14390962" y="4291143"/>
             <a:chExt cx="3096064" cy="3096064"/>
           </a:xfrm>
         </p:grpSpPr>
@@ -11369,7 +11351,7 @@
           </p:blipFill>
           <p:spPr>
             <a:xfrm>
-              <a:off x="14390962" y="4834000"/>
+              <a:off x="14390962" y="4291143"/>
               <a:ext cx="3096064" cy="3096064"/>
             </a:xfrm>
             <a:prstGeom prst="rect">
@@ -11386,9 +11368,9 @@
         </p:nvGrpSpPr>
         <p:grpSpPr>
           <a:xfrm>
-            <a:off x="10294115" y="5757443"/>
+            <a:off x="10294115" y="5214585"/>
             <a:ext cx="919161" cy="919161"/>
-            <a:chOff x="10294115" y="5757443"/>
+            <a:chOff x="10294115" y="5214585"/>
             <a:chExt cx="919161" cy="919161"/>
           </a:xfrm>
         </p:grpSpPr>
@@ -11408,7 +11390,7 @@
           </p:blipFill>
           <p:spPr>
             <a:xfrm>
-              <a:off x="10294115" y="5757443"/>
+              <a:off x="10294115" y="5214585"/>
               <a:ext cx="919161" cy="919161"/>
             </a:xfrm>
             <a:prstGeom prst="rect">
@@ -11425,9 +11407,9 @@
         </p:nvGrpSpPr>
         <p:grpSpPr>
           <a:xfrm>
-            <a:off x="15438531" y="5714675"/>
+            <a:off x="15438531" y="5171818"/>
             <a:ext cx="1000926" cy="925857"/>
-            <a:chOff x="15438531" y="5714675"/>
+            <a:chOff x="15438531" y="5171818"/>
             <a:chExt cx="1000926" cy="925857"/>
           </a:xfrm>
         </p:grpSpPr>
@@ -11447,7 +11429,7 @@
           </p:blipFill>
           <p:spPr>
             <a:xfrm>
-              <a:off x="15438531" y="5714675"/>
+              <a:off x="15438531" y="5171818"/>
               <a:ext cx="1000926" cy="925857"/>
             </a:xfrm>
             <a:prstGeom prst="rect">
@@ -11472,7 +11454,7 @@
         </p:blipFill>
         <p:spPr>
           <a:xfrm>
-            <a:off x="12948101" y="4967568"/>
+            <a:off x="12948101" y="4424711"/>
             <a:ext cx="4796476" cy="847362"/>
           </a:xfrm>
           <a:prstGeom prst="rect">
@@ -11496,7 +11478,7 @@
         </p:blipFill>
         <p:spPr>
           <a:xfrm>
-            <a:off x="13605396" y="6766760"/>
+            <a:off x="13605396" y="6223903"/>
             <a:ext cx="4080781" cy="1036038"/>
           </a:xfrm>
           <a:prstGeom prst="rect">
@@ -11707,9 +11689,9 @@
         </p:nvGrpSpPr>
         <p:grpSpPr>
           <a:xfrm>
-            <a:off x="12936094" y="5859104"/>
+            <a:off x="12936094" y="5316247"/>
             <a:ext cx="844311" cy="844311"/>
-            <a:chOff x="12936094" y="5859104"/>
+            <a:chOff x="12936094" y="5316247"/>
             <a:chExt cx="844311" cy="844311"/>
           </a:xfrm>
         </p:grpSpPr>
@@ -11729,7 +11711,7 @@
           </p:blipFill>
           <p:spPr>
             <a:xfrm>
-              <a:off x="12936094" y="5859104"/>
+              <a:off x="12936094" y="5316247"/>
               <a:ext cx="844311" cy="844311"/>
             </a:xfrm>
             <a:prstGeom prst="rect">
@@ -11746,9 +11728,9 @@
         </p:nvGrpSpPr>
         <p:grpSpPr>
           <a:xfrm>
-            <a:off x="7563133" y="5583101"/>
+            <a:off x="7563133" y="5040244"/>
             <a:ext cx="1198208" cy="1198208"/>
-            <a:chOff x="7563133" y="5583101"/>
+            <a:chOff x="7563133" y="5040244"/>
             <a:chExt cx="1198208" cy="1198208"/>
           </a:xfrm>
         </p:grpSpPr>
@@ -11768,7 +11750,7 @@
           </p:blipFill>
           <p:spPr>
             <a:xfrm>
-              <a:off x="7563133" y="5583101"/>
+              <a:off x="7563133" y="5040244"/>
               <a:ext cx="1198208" cy="1198208"/>
             </a:xfrm>
             <a:prstGeom prst="rect">
@@ -11889,8 +11871,8 @@
         </p:blipFill>
         <p:spPr>
           <a:xfrm>
-            <a:off x="3919536" y="2742944"/>
-            <a:ext cx="12218076" cy="1340467"/>
+            <a:off x="3919536" y="2714376"/>
+            <a:ext cx="12220381" cy="1340514"/>
           </a:xfrm>
           <a:prstGeom prst="rect">
             <a:avLst/>
@@ -11913,7 +11895,7 @@
         </p:blipFill>
         <p:spPr>
           <a:xfrm>
-            <a:off x="9522978" y="8319841"/>
+            <a:off x="9522978" y="7776984"/>
             <a:ext cx="2559200" cy="838514"/>
           </a:xfrm>
           <a:prstGeom prst="rect">
@@ -12292,10 +12274,10 @@
         </p:nvGrpSpPr>
         <p:grpSpPr>
           <a:xfrm>
-            <a:off x="12056628" y="2562348"/>
-            <a:ext cx="2757618" cy="7067481"/>
-            <a:chOff x="12056628" y="2562348"/>
-            <a:chExt cx="2757618" cy="7067481"/>
+            <a:off x="11590436" y="2543300"/>
+            <a:ext cx="2727030" cy="7038334"/>
+            <a:chOff x="11590436" y="2543300"/>
+            <a:chExt cx="2727030" cy="7038334"/>
           </a:xfrm>
         </p:grpSpPr>
         <p:pic>
@@ -12314,8 +12296,8 @@
           </p:blipFill>
           <p:spPr>
             <a:xfrm>
-              <a:off x="12056628" y="2562348"/>
-              <a:ext cx="2757618" cy="7067481"/>
+              <a:off x="11590436" y="2543300"/>
+              <a:ext cx="2727030" cy="7038334"/>
             </a:xfrm>
             <a:prstGeom prst="rect">
               <a:avLst/>
@@ -12363,7 +12345,7 @@
         </p:blipFill>
         <p:spPr>
           <a:xfrm>
-            <a:off x="14707589" y="9011566"/>
+            <a:off x="14079018" y="9011566"/>
             <a:ext cx="3102810" cy="701390"/>
           </a:xfrm>
           <a:prstGeom prst="rect">
@@ -13986,8 +13968,8 @@
         </p:blipFill>
         <p:spPr>
           <a:xfrm>
-            <a:off x="4373248" y="8000413"/>
-            <a:ext cx="11321848" cy="1571019"/>
+            <a:off x="2492732" y="8116532"/>
+            <a:ext cx="13925886" cy="1327838"/>
           </a:xfrm>
           <a:prstGeom prst="rect">
             <a:avLst/>
@@ -14035,10 +14017,10 @@
         </p:nvGrpSpPr>
         <p:grpSpPr>
           <a:xfrm>
-            <a:off x="3990476" y="3566295"/>
-            <a:ext cx="3180596" cy="5919420"/>
-            <a:chOff x="3990476" y="3566295"/>
-            <a:chExt cx="3180596" cy="5919420"/>
+            <a:off x="3990476" y="3299628"/>
+            <a:ext cx="3180596" cy="5445638"/>
+            <a:chOff x="3990476" y="3299628"/>
+            <a:chExt cx="3180596" cy="5445638"/>
           </a:xfrm>
         </p:grpSpPr>
         <p:pic>
@@ -14057,8 +14039,8 @@
           </p:blipFill>
           <p:spPr>
             <a:xfrm>
-              <a:off x="3990476" y="3566295"/>
-              <a:ext cx="3180596" cy="5919420"/>
+              <a:off x="3990476" y="3299628"/>
+              <a:ext cx="3180596" cy="5445638"/>
             </a:xfrm>
             <a:prstGeom prst="rect">
               <a:avLst/>
@@ -14074,9 +14056,9 @@
         </p:nvGrpSpPr>
         <p:grpSpPr>
           <a:xfrm>
-            <a:off x="4283674" y="7085388"/>
+            <a:off x="4283674" y="6818722"/>
             <a:ext cx="2594200" cy="14286"/>
-            <a:chOff x="4283674" y="7085388"/>
+            <a:chOff x="4283674" y="6818722"/>
             <a:chExt cx="2594200" cy="14286"/>
           </a:xfrm>
         </p:grpSpPr>
@@ -14096,7 +14078,7 @@
           </p:blipFill>
           <p:spPr>
             <a:xfrm>
-              <a:off x="4283674" y="7085388"/>
+              <a:off x="4283674" y="6818722"/>
               <a:ext cx="2594200" cy="14286"/>
             </a:xfrm>
             <a:prstGeom prst="rect">
@@ -14121,8 +14103,8 @@
         </p:blipFill>
         <p:spPr>
           <a:xfrm>
-            <a:off x="4348501" y="7391909"/>
-            <a:ext cx="2628067" cy="1449524"/>
+            <a:off x="4211811" y="7079925"/>
+            <a:ext cx="2801895" cy="919000"/>
           </a:xfrm>
           <a:prstGeom prst="rect">
             <a:avLst/>
@@ -14145,7 +14127,7 @@
         </p:blipFill>
         <p:spPr>
           <a:xfrm>
-            <a:off x="2975095" y="3938781"/>
+            <a:off x="2975095" y="3672114"/>
             <a:ext cx="4434286" cy="772962"/>
           </a:xfrm>
           <a:prstGeom prst="rect">
@@ -14161,10 +14143,10 @@
         </p:nvGrpSpPr>
         <p:grpSpPr>
           <a:xfrm>
-            <a:off x="10847833" y="3566295"/>
-            <a:ext cx="3180596" cy="5919420"/>
-            <a:chOff x="10847833" y="3566295"/>
-            <a:chExt cx="3180596" cy="5919420"/>
+            <a:off x="10847833" y="3299628"/>
+            <a:ext cx="3180596" cy="5445638"/>
+            <a:chOff x="10847833" y="3299628"/>
+            <a:chExt cx="3180596" cy="5445638"/>
           </a:xfrm>
         </p:grpSpPr>
         <p:pic>
@@ -14183,8 +14165,8 @@
           </p:blipFill>
           <p:spPr>
             <a:xfrm>
-              <a:off x="10847833" y="3566295"/>
-              <a:ext cx="3180596" cy="5919420"/>
+              <a:off x="10847833" y="3299628"/>
+              <a:ext cx="3180596" cy="5445638"/>
             </a:xfrm>
             <a:prstGeom prst="rect">
               <a:avLst/>
@@ -14200,9 +14182,9 @@
         </p:nvGrpSpPr>
         <p:grpSpPr>
           <a:xfrm>
-            <a:off x="11141031" y="7099674"/>
+            <a:off x="11141031" y="6833007"/>
             <a:ext cx="2594200" cy="14286"/>
-            <a:chOff x="11141031" y="7099674"/>
+            <a:chOff x="11141031" y="6833007"/>
             <a:chExt cx="2594200" cy="14286"/>
           </a:xfrm>
         </p:grpSpPr>
@@ -14222,7 +14204,7 @@
           </p:blipFill>
           <p:spPr>
             <a:xfrm>
-              <a:off x="11141031" y="7099674"/>
+              <a:off x="11141031" y="6833007"/>
               <a:ext cx="2594200" cy="14286"/>
             </a:xfrm>
             <a:prstGeom prst="rect">
@@ -14247,7 +14229,7 @@
         </p:blipFill>
         <p:spPr>
           <a:xfrm>
-            <a:off x="9832452" y="3938785"/>
+            <a:off x="9832452" y="3672119"/>
             <a:ext cx="4415238" cy="772962"/>
           </a:xfrm>
           <a:prstGeom prst="rect">
@@ -14263,10 +14245,10 @@
         </p:nvGrpSpPr>
         <p:grpSpPr>
           <a:xfrm>
-            <a:off x="14276523" y="3566295"/>
-            <a:ext cx="3180596" cy="5919420"/>
-            <a:chOff x="14276523" y="3566295"/>
-            <a:chExt cx="3180596" cy="5919420"/>
+            <a:off x="14276523" y="3299628"/>
+            <a:ext cx="3180596" cy="5445638"/>
+            <a:chOff x="14276523" y="3299628"/>
+            <a:chExt cx="3180596" cy="5445638"/>
           </a:xfrm>
         </p:grpSpPr>
         <p:pic>
@@ -14285,8 +14267,8 @@
           </p:blipFill>
           <p:spPr>
             <a:xfrm>
-              <a:off x="14276523" y="3566295"/>
-              <a:ext cx="3180596" cy="5919420"/>
+              <a:off x="14276523" y="3299628"/>
+              <a:ext cx="3180596" cy="5445638"/>
             </a:xfrm>
             <a:prstGeom prst="rect">
               <a:avLst/>
@@ -14302,9 +14284,9 @@
         </p:nvGrpSpPr>
         <p:grpSpPr>
           <a:xfrm>
-            <a:off x="14569721" y="7085388"/>
+            <a:off x="14569721" y="6818722"/>
             <a:ext cx="2594200" cy="14286"/>
-            <a:chOff x="14569721" y="7085388"/>
+            <a:chOff x="14569721" y="6818722"/>
             <a:chExt cx="2594200" cy="14286"/>
           </a:xfrm>
         </p:grpSpPr>
@@ -14324,7 +14306,7 @@
           </p:blipFill>
           <p:spPr>
             <a:xfrm>
-              <a:off x="14569721" y="7085388"/>
+              <a:off x="14569721" y="6818722"/>
               <a:ext cx="2594200" cy="14286"/>
             </a:xfrm>
             <a:prstGeom prst="rect">
@@ -14349,7 +14331,7 @@
         </p:blipFill>
         <p:spPr>
           <a:xfrm>
-            <a:off x="13293142" y="3772862"/>
+            <a:off x="13293142" y="3506195"/>
             <a:ext cx="4412095" cy="1105705"/>
           </a:xfrm>
           <a:prstGeom prst="rect">
@@ -14365,10 +14347,10 @@
         </p:nvGrpSpPr>
         <p:grpSpPr>
           <a:xfrm>
-            <a:off x="7419153" y="3566295"/>
-            <a:ext cx="3180596" cy="5919420"/>
-            <a:chOff x="7419153" y="3566295"/>
-            <a:chExt cx="3180596" cy="5919420"/>
+            <a:off x="7419153" y="3299628"/>
+            <a:ext cx="3180596" cy="5445638"/>
+            <a:chOff x="7419153" y="3299628"/>
+            <a:chExt cx="3180596" cy="5445638"/>
           </a:xfrm>
         </p:grpSpPr>
         <p:pic>
@@ -14387,8 +14369,8 @@
           </p:blipFill>
           <p:spPr>
             <a:xfrm>
-              <a:off x="7419153" y="3566295"/>
-              <a:ext cx="3180596" cy="5919420"/>
+              <a:off x="7419153" y="3299628"/>
+              <a:ext cx="3180596" cy="5445638"/>
             </a:xfrm>
             <a:prstGeom prst="rect">
               <a:avLst/>
@@ -14404,9 +14386,9 @@
         </p:nvGrpSpPr>
         <p:grpSpPr>
           <a:xfrm>
-            <a:off x="7712351" y="7085388"/>
+            <a:off x="7712351" y="6818722"/>
             <a:ext cx="2594200" cy="14286"/>
-            <a:chOff x="7712351" y="7085388"/>
+            <a:chOff x="7712351" y="6818722"/>
             <a:chExt cx="2594200" cy="14286"/>
           </a:xfrm>
         </p:grpSpPr>
@@ -14426,7 +14408,7 @@
           </p:blipFill>
           <p:spPr>
             <a:xfrm>
-              <a:off x="7712351" y="7085388"/>
+              <a:off x="7712351" y="6818722"/>
               <a:ext cx="2594200" cy="14286"/>
             </a:xfrm>
             <a:prstGeom prst="rect">
@@ -14451,31 +14433,7 @@
         </p:blipFill>
         <p:spPr>
           <a:xfrm>
-            <a:off x="7693711" y="7368995"/>
-            <a:ext cx="2637200" cy="1799343"/>
-          </a:xfrm>
-          <a:prstGeom prst="rect">
-            <a:avLst/>
-          </a:prstGeom>
-        </p:spPr>
-      </p:pic>
-      <p:pic>
-        <p:nvPicPr>
-          <p:cNvPr id="31" name="Object 30"/>
-          <p:cNvPicPr>
-            <a:picLocks noChangeAspect="1"/>
-          </p:cNvPicPr>
-          <p:nvPr/>
-        </p:nvPicPr>
-        <p:blipFill>
-          <a:blip r:embed="rId15" cstate="print"/>
-          <a:stretch>
-            <a:fillRect/>
-          </a:stretch>
-        </p:blipFill>
-        <p:spPr>
-          <a:xfrm>
-            <a:off x="6641868" y="3938785"/>
+            <a:off x="6641868" y="3672119"/>
             <a:ext cx="4205714" cy="772962"/>
           </a:xfrm>
           <a:prstGeom prst="rect">
@@ -14499,14 +14457,14 @@
         </p:grpSpPr>
         <p:pic>
           <p:nvPicPr>
-            <p:cNvPr id="33" name="Object 32"/>
+            <p:cNvPr id="32" name="Object 31"/>
             <p:cNvPicPr>
               <a:picLocks noChangeAspect="1"/>
             </p:cNvPicPr>
             <p:nvPr/>
           </p:nvPicPr>
           <p:blipFill>
-            <a:blip r:embed="rId16" cstate="print"/>
+            <a:blip r:embed="rId15" cstate="print"/>
             <a:stretch>
               <a:fillRect/>
             </a:stretch>
@@ -14538,14 +14496,14 @@
         </p:grpSpPr>
         <p:pic>
           <p:nvPicPr>
-            <p:cNvPr id="36" name="Object 35"/>
+            <p:cNvPr id="35" name="Object 34"/>
             <p:cNvPicPr>
               <a:picLocks noChangeAspect="1"/>
             </p:cNvPicPr>
             <p:nvPr/>
           </p:nvPicPr>
           <p:blipFill>
-            <a:blip r:embed="rId17" cstate="print"/>
+            <a:blip r:embed="rId16" cstate="print"/>
             <a:stretch>
               <a:fillRect/>
             </a:stretch>
@@ -14563,14 +14521,14 @@
       </p:grpSp>
       <p:pic>
         <p:nvPicPr>
-          <p:cNvPr id="38" name="Object 37"/>
-          <p:cNvPicPr>
-            <a:picLocks noChangeAspect="1"/>
-          </p:cNvPicPr>
-          <p:nvPr/>
-        </p:nvPicPr>
-        <p:blipFill>
-          <a:blip r:embed="rId18" cstate="print"/>
+          <p:cNvPr id="37" name="Object 36"/>
+          <p:cNvPicPr>
+            <a:picLocks noChangeAspect="1"/>
+          </p:cNvPicPr>
+          <p:nvPr/>
+        </p:nvPicPr>
+        <p:blipFill>
+          <a:blip r:embed="rId17" cstate="print"/>
           <a:stretch>
             <a:fillRect/>
           </a:stretch>
@@ -14615,14 +14573,14 @@
           </p:grpSpPr>
           <p:pic>
             <p:nvPicPr>
-              <p:cNvPr id="41" name="Object 40"/>
+              <p:cNvPr id="40" name="Object 39"/>
               <p:cNvPicPr>
                 <a:picLocks noChangeAspect="1"/>
               </p:cNvPicPr>
               <p:nvPr/>
             </p:nvPicPr>
             <p:blipFill>
-              <a:blip r:embed="rId19" cstate="print"/>
+              <a:blip r:embed="rId18" cstate="print"/>
               <a:stretch>
                 <a:fillRect/>
               </a:stretch>
@@ -14654,14 +14612,14 @@
           </p:grpSpPr>
           <p:pic>
             <p:nvPicPr>
-              <p:cNvPr id="44" name="Object 43"/>
+              <p:cNvPr id="43" name="Object 42"/>
               <p:cNvPicPr>
                 <a:picLocks noChangeAspect="1"/>
               </p:cNvPicPr>
               <p:nvPr/>
             </p:nvPicPr>
             <p:blipFill>
-              <a:blip r:embed="rId20" cstate="print"/>
+              <a:blip r:embed="rId19" cstate="print"/>
               <a:stretch>
                 <a:fillRect/>
               </a:stretch>
@@ -14686,29 +14644,29 @@
         </p:nvGrpSpPr>
         <p:grpSpPr>
           <a:xfrm>
-            <a:off x="4510259" y="4696001"/>
+            <a:off x="4510259" y="4429334"/>
             <a:ext cx="2141031" cy="2141031"/>
-            <a:chOff x="4510259" y="4696001"/>
+            <a:chOff x="4510259" y="4429334"/>
             <a:chExt cx="2141031" cy="2141031"/>
           </a:xfrm>
         </p:grpSpPr>
         <p:pic>
           <p:nvPicPr>
-            <p:cNvPr id="48" name="Object 47"/>
+            <p:cNvPr id="47" name="Object 46"/>
             <p:cNvPicPr>
               <a:picLocks noChangeAspect="1"/>
             </p:cNvPicPr>
             <p:nvPr/>
           </p:nvPicPr>
           <p:blipFill>
-            <a:blip r:embed="rId21" cstate="print"/>
+            <a:blip r:embed="rId20" cstate="print"/>
             <a:stretch>
               <a:fillRect/>
             </a:stretch>
           </p:blipFill>
           <p:spPr>
             <a:xfrm>
-              <a:off x="4510259" y="4696001"/>
+              <a:off x="4510259" y="4429334"/>
               <a:ext cx="2141031" cy="2141031"/>
             </a:xfrm>
             <a:prstGeom prst="rect">
@@ -14725,29 +14683,29 @@
         </p:nvGrpSpPr>
         <p:grpSpPr>
           <a:xfrm>
-            <a:off x="8007773" y="4895238"/>
+            <a:off x="8007773" y="4628571"/>
             <a:ext cx="2003357" cy="1720114"/>
-            <a:chOff x="8007773" y="4895238"/>
+            <a:chOff x="8007773" y="4628571"/>
             <a:chExt cx="2003357" cy="1720114"/>
           </a:xfrm>
         </p:grpSpPr>
         <p:pic>
           <p:nvPicPr>
-            <p:cNvPr id="51" name="Object 50"/>
+            <p:cNvPr id="50" name="Object 49"/>
             <p:cNvPicPr>
               <a:picLocks noChangeAspect="1"/>
             </p:cNvPicPr>
             <p:nvPr/>
           </p:nvPicPr>
           <p:blipFill>
-            <a:blip r:embed="rId22" cstate="print"/>
+            <a:blip r:embed="rId21" cstate="print"/>
             <a:stretch>
               <a:fillRect/>
             </a:stretch>
           </p:blipFill>
           <p:spPr>
             <a:xfrm>
-              <a:off x="8007773" y="4895238"/>
+              <a:off x="8007773" y="4628571"/>
               <a:ext cx="2003357" cy="1720114"/>
             </a:xfrm>
             <a:prstGeom prst="rect">
@@ -14764,29 +14722,29 @@
         </p:nvGrpSpPr>
         <p:grpSpPr>
           <a:xfrm>
-            <a:off x="14891506" y="5142857"/>
+            <a:off x="14891506" y="4876190"/>
             <a:ext cx="1950630" cy="1232876"/>
-            <a:chOff x="14891506" y="5142857"/>
+            <a:chOff x="14891506" y="4876190"/>
             <a:chExt cx="1950630" cy="1232876"/>
           </a:xfrm>
         </p:grpSpPr>
         <p:pic>
           <p:nvPicPr>
-            <p:cNvPr id="54" name="Object 53"/>
+            <p:cNvPr id="53" name="Object 52"/>
             <p:cNvPicPr>
               <a:picLocks noChangeAspect="1"/>
             </p:cNvPicPr>
             <p:nvPr/>
           </p:nvPicPr>
           <p:blipFill>
-            <a:blip r:embed="rId23" cstate="print"/>
+            <a:blip r:embed="rId22" cstate="print"/>
             <a:stretch>
               <a:fillRect/>
             </a:stretch>
           </p:blipFill>
           <p:spPr>
             <a:xfrm>
-              <a:off x="14891506" y="5142857"/>
+              <a:off x="14891506" y="4876190"/>
               <a:ext cx="1950630" cy="1232876"/>
             </a:xfrm>
             <a:prstGeom prst="rect">
@@ -14803,29 +14761,29 @@
         </p:nvGrpSpPr>
         <p:grpSpPr>
           <a:xfrm>
-            <a:off x="11338558" y="4696001"/>
+            <a:off x="11338558" y="4429334"/>
             <a:ext cx="2199146" cy="2199146"/>
-            <a:chOff x="11338558" y="4696001"/>
+            <a:chOff x="11338558" y="4429334"/>
             <a:chExt cx="2199146" cy="2199146"/>
           </a:xfrm>
         </p:grpSpPr>
         <p:pic>
           <p:nvPicPr>
-            <p:cNvPr id="57" name="Object 56"/>
+            <p:cNvPr id="56" name="Object 55"/>
             <p:cNvPicPr>
               <a:picLocks noChangeAspect="1"/>
             </p:cNvPicPr>
             <p:nvPr/>
           </p:nvPicPr>
           <p:blipFill>
-            <a:blip r:embed="rId24" cstate="print"/>
+            <a:blip r:embed="rId23" cstate="print"/>
             <a:stretch>
               <a:fillRect/>
             </a:stretch>
           </p:blipFill>
           <p:spPr>
             <a:xfrm>
-              <a:off x="11338558" y="4696001"/>
+              <a:off x="11338558" y="4429334"/>
               <a:ext cx="2199146" cy="2199146"/>
             </a:xfrm>
             <a:prstGeom prst="rect">
@@ -14836,14 +14794,14 @@
       </p:grpSp>
       <p:pic>
         <p:nvPicPr>
-          <p:cNvPr id="59" name="Object 58"/>
-          <p:cNvPicPr>
-            <a:picLocks noChangeAspect="1"/>
-          </p:cNvPicPr>
-          <p:nvPr/>
-        </p:nvPicPr>
-        <p:blipFill>
-          <a:blip r:embed="rId25" cstate="print"/>
+          <p:cNvPr id="58" name="Object 57"/>
+          <p:cNvPicPr>
+            <a:picLocks noChangeAspect="1"/>
+          </p:cNvPicPr>
+          <p:nvPr/>
+        </p:nvPicPr>
+        <p:blipFill>
+          <a:blip r:embed="rId24" cstate="print"/>
           <a:stretch>
             <a:fillRect/>
           </a:stretch>
@@ -14860,14 +14818,14 @@
       </p:pic>
       <p:pic>
         <p:nvPicPr>
-          <p:cNvPr id="60" name="Object 59"/>
-          <p:cNvPicPr>
-            <a:picLocks noChangeAspect="1"/>
-          </p:cNvPicPr>
-          <p:nvPr/>
-        </p:nvPicPr>
-        <p:blipFill>
-          <a:blip r:embed="rId26" cstate="print"/>
+          <p:cNvPr id="59" name="Object 58"/>
+          <p:cNvPicPr>
+            <a:picLocks noChangeAspect="1"/>
+          </p:cNvPicPr>
+          <p:nvPr/>
+        </p:nvPicPr>
+        <p:blipFill>
+          <a:blip r:embed="rId25" cstate="print"/>
           <a:stretch>
             <a:fillRect/>
           </a:stretch>
@@ -14884,14 +14842,14 @@
       </p:pic>
       <p:pic>
         <p:nvPicPr>
-          <p:cNvPr id="61" name="Object 60"/>
-          <p:cNvPicPr>
-            <a:picLocks noChangeAspect="1"/>
-          </p:cNvPicPr>
-          <p:nvPr/>
-        </p:nvPicPr>
-        <p:blipFill>
-          <a:blip r:embed="rId27" cstate="print"/>
+          <p:cNvPr id="60" name="Object 59"/>
+          <p:cNvPicPr>
+            <a:picLocks noChangeAspect="1"/>
+          </p:cNvPicPr>
+          <p:nvPr/>
+        </p:nvPicPr>
+        <p:blipFill>
+          <a:blip r:embed="rId26" cstate="print"/>
           <a:stretch>
             <a:fillRect/>
           </a:stretch>
@@ -14908,14 +14866,14 @@
       </p:pic>
       <p:pic>
         <p:nvPicPr>
-          <p:cNvPr id="62" name="Object 61"/>
-          <p:cNvPicPr>
-            <a:picLocks noChangeAspect="1"/>
-          </p:cNvPicPr>
-          <p:nvPr/>
-        </p:nvPicPr>
-        <p:blipFill>
-          <a:blip r:embed="rId28" cstate="print"/>
+          <p:cNvPr id="61" name="Object 60"/>
+          <p:cNvPicPr>
+            <a:picLocks noChangeAspect="1"/>
+          </p:cNvPicPr>
+          <p:nvPr/>
+        </p:nvPicPr>
+        <p:blipFill>
+          <a:blip r:embed="rId27" cstate="print"/>
           <a:stretch>
             <a:fillRect/>
           </a:stretch>
@@ -14932,14 +14890,14 @@
       </p:pic>
       <p:pic>
         <p:nvPicPr>
-          <p:cNvPr id="63" name="Object 62"/>
-          <p:cNvPicPr>
-            <a:picLocks noChangeAspect="1"/>
-          </p:cNvPicPr>
-          <p:nvPr/>
-        </p:nvPicPr>
-        <p:blipFill>
-          <a:blip r:embed="rId29" cstate="print"/>
+          <p:cNvPr id="62" name="Object 61"/>
+          <p:cNvPicPr>
+            <a:picLocks noChangeAspect="1"/>
+          </p:cNvPicPr>
+          <p:nvPr/>
+        </p:nvPicPr>
+        <p:blipFill>
+          <a:blip r:embed="rId28" cstate="print"/>
           <a:stretch>
             <a:fillRect/>
           </a:stretch>
@@ -14956,6 +14914,30 @@
       </p:pic>
       <p:pic>
         <p:nvPicPr>
+          <p:cNvPr id="63" name="Object 62"/>
+          <p:cNvPicPr>
+            <a:picLocks noChangeAspect="1"/>
+          </p:cNvPicPr>
+          <p:nvPr/>
+        </p:nvPicPr>
+        <p:blipFill>
+          <a:blip r:embed="rId29" cstate="print"/>
+          <a:stretch>
+            <a:fillRect/>
+          </a:stretch>
+        </p:blipFill>
+        <p:spPr>
+          <a:xfrm>
+            <a:off x="4267320" y="7806823"/>
+            <a:ext cx="2605629" cy="582257"/>
+          </a:xfrm>
+          <a:prstGeom prst="rect">
+            <a:avLst/>
+          </a:prstGeom>
+        </p:spPr>
+      </p:pic>
+      <p:pic>
+        <p:nvPicPr>
           <p:cNvPr id="64" name="Object 63"/>
           <p:cNvPicPr>
             <a:picLocks noChangeAspect="1"/>
@@ -14970,8 +14952,8 @@
         </p:blipFill>
         <p:spPr>
           <a:xfrm>
-            <a:off x="4322072" y="8431693"/>
-            <a:ext cx="1330533" cy="875676"/>
+            <a:off x="7449515" y="7079925"/>
+            <a:ext cx="3144152" cy="919000"/>
           </a:xfrm>
           <a:prstGeom prst="rect">
             <a:avLst/>
@@ -14994,8 +14976,8 @@
         </p:blipFill>
         <p:spPr>
           <a:xfrm>
-            <a:off x="7693711" y="7368995"/>
-            <a:ext cx="2637200" cy="1799343"/>
+            <a:off x="10676556" y="7197630"/>
+            <a:ext cx="3336267" cy="582257"/>
           </a:xfrm>
           <a:prstGeom prst="rect">
             <a:avLst/>
@@ -15018,32 +15000,8 @@
         </p:blipFill>
         <p:spPr>
           <a:xfrm>
-            <a:off x="11157096" y="7391909"/>
-            <a:ext cx="2265714" cy="1144762"/>
-          </a:xfrm>
-          <a:prstGeom prst="rect">
-            <a:avLst/>
-          </a:prstGeom>
-        </p:spPr>
-      </p:pic>
-      <p:pic>
-        <p:nvPicPr>
-          <p:cNvPr id="67" name="Object 66"/>
-          <p:cNvPicPr>
-            <a:picLocks noChangeAspect="1"/>
-          </p:cNvPicPr>
-          <p:nvPr/>
-        </p:nvPicPr>
-        <p:blipFill>
-          <a:blip r:embed="rId33" cstate="print"/>
-          <a:stretch>
-            <a:fillRect/>
-          </a:stretch>
-        </p:blipFill>
-        <p:spPr>
-          <a:xfrm>
-            <a:off x="14583787" y="7344290"/>
-            <a:ext cx="2577324" cy="1449524"/>
+            <a:off x="14357114" y="7079925"/>
+            <a:ext cx="2951610" cy="919000"/>
           </a:xfrm>
           <a:prstGeom prst="rect">
             <a:avLst/>
